--- a/Music and Memory/fMRI analysis/2019.02-SearchlightDSMsummary.pptx
+++ b/Music and Memory/fMRI analysis/2019.02-SearchlightDSMsummary.pptx
@@ -198,7 +198,7 @@
           <a:p>
             <a:fld id="{A7E2B4F6-8C79-8D44-BD9B-529472060FDD}" type="datetimeFigureOut">
               <a:rPr lang="en-US" smtClean="0"/>
-              <a:t>19-02-13</a:t>
+              <a:t>19-02-20</a:t>
             </a:fld>
             <a:endParaRPr lang="en-CA"/>
           </a:p>
@@ -1224,7 +1224,7 @@
           <a:p>
             <a:fld id="{3E12EA3E-02B0-D24F-961B-C60513F183AC}" type="datetimeFigureOut">
               <a:rPr lang="en-US" smtClean="0"/>
-              <a:t>19-02-13</a:t>
+              <a:t>19-02-20</a:t>
             </a:fld>
             <a:endParaRPr lang="en-CA"/>
           </a:p>
@@ -1394,7 +1394,7 @@
           <a:p>
             <a:fld id="{3E12EA3E-02B0-D24F-961B-C60513F183AC}" type="datetimeFigureOut">
               <a:rPr lang="en-US" smtClean="0"/>
-              <a:t>19-02-13</a:t>
+              <a:t>19-02-20</a:t>
             </a:fld>
             <a:endParaRPr lang="en-CA"/>
           </a:p>
@@ -1574,7 +1574,7 @@
           <a:p>
             <a:fld id="{3E12EA3E-02B0-D24F-961B-C60513F183AC}" type="datetimeFigureOut">
               <a:rPr lang="en-US" smtClean="0"/>
-              <a:t>19-02-13</a:t>
+              <a:t>19-02-20</a:t>
             </a:fld>
             <a:endParaRPr lang="en-CA"/>
           </a:p>
@@ -1744,7 +1744,7 @@
           <a:p>
             <a:fld id="{3E12EA3E-02B0-D24F-961B-C60513F183AC}" type="datetimeFigureOut">
               <a:rPr lang="en-US" smtClean="0"/>
-              <a:t>19-02-13</a:t>
+              <a:t>19-02-20</a:t>
             </a:fld>
             <a:endParaRPr lang="en-CA"/>
           </a:p>
@@ -1990,7 +1990,7 @@
           <a:p>
             <a:fld id="{3E12EA3E-02B0-D24F-961B-C60513F183AC}" type="datetimeFigureOut">
               <a:rPr lang="en-US" smtClean="0"/>
-              <a:t>19-02-13</a:t>
+              <a:t>19-02-20</a:t>
             </a:fld>
             <a:endParaRPr lang="en-CA"/>
           </a:p>
@@ -2278,7 +2278,7 @@
           <a:p>
             <a:fld id="{3E12EA3E-02B0-D24F-961B-C60513F183AC}" type="datetimeFigureOut">
               <a:rPr lang="en-US" smtClean="0"/>
-              <a:t>19-02-13</a:t>
+              <a:t>19-02-20</a:t>
             </a:fld>
             <a:endParaRPr lang="en-CA"/>
           </a:p>
@@ -2700,7 +2700,7 @@
           <a:p>
             <a:fld id="{3E12EA3E-02B0-D24F-961B-C60513F183AC}" type="datetimeFigureOut">
               <a:rPr lang="en-US" smtClean="0"/>
-              <a:t>19-02-13</a:t>
+              <a:t>19-02-20</a:t>
             </a:fld>
             <a:endParaRPr lang="en-CA"/>
           </a:p>
@@ -2818,7 +2818,7 @@
           <a:p>
             <a:fld id="{3E12EA3E-02B0-D24F-961B-C60513F183AC}" type="datetimeFigureOut">
               <a:rPr lang="en-US" smtClean="0"/>
-              <a:t>19-02-13</a:t>
+              <a:t>19-02-20</a:t>
             </a:fld>
             <a:endParaRPr lang="en-CA"/>
           </a:p>
@@ -2913,7 +2913,7 @@
           <a:p>
             <a:fld id="{3E12EA3E-02B0-D24F-961B-C60513F183AC}" type="datetimeFigureOut">
               <a:rPr lang="en-US" smtClean="0"/>
-              <a:t>19-02-13</a:t>
+              <a:t>19-02-20</a:t>
             </a:fld>
             <a:endParaRPr lang="en-CA"/>
           </a:p>
@@ -3190,7 +3190,7 @@
           <a:p>
             <a:fld id="{3E12EA3E-02B0-D24F-961B-C60513F183AC}" type="datetimeFigureOut">
               <a:rPr lang="en-US" smtClean="0"/>
-              <a:t>19-02-13</a:t>
+              <a:t>19-02-20</a:t>
             </a:fld>
             <a:endParaRPr lang="en-CA"/>
           </a:p>
@@ -3443,7 +3443,7 @@
           <a:p>
             <a:fld id="{3E12EA3E-02B0-D24F-961B-C60513F183AC}" type="datetimeFigureOut">
               <a:rPr lang="en-US" smtClean="0"/>
-              <a:t>19-02-13</a:t>
+              <a:t>19-02-20</a:t>
             </a:fld>
             <a:endParaRPr lang="en-CA"/>
           </a:p>
@@ -3656,7 +3656,7 @@
           <a:p>
             <a:fld id="{3E12EA3E-02B0-D24F-961B-C60513F183AC}" type="datetimeFigureOut">
               <a:rPr lang="en-US" smtClean="0"/>
-              <a:t>19-02-13</a:t>
+              <a:t>19-02-20</a:t>
             </a:fld>
             <a:endParaRPr lang="en-CA"/>
           </a:p>
@@ -4183,7 +4183,7 @@
 </file>
 
 <file path=ppt/slides/slide2.xml><?xml version="1.0" encoding="utf-8"?>
-<p:sld xmlns:a="http://schemas.openxmlformats.org/drawingml/2006/main" xmlns:r="http://schemas.openxmlformats.org/officeDocument/2006/relationships" xmlns:p="http://schemas.openxmlformats.org/presentationml/2006/main">
+<p:sld xmlns:a="http://schemas.openxmlformats.org/drawingml/2006/main" xmlns:r="http://schemas.openxmlformats.org/officeDocument/2006/relationships" xmlns:p="http://schemas.openxmlformats.org/presentationml/2006/main" show="0">
   <p:cSld>
     <p:spTree>
       <p:nvGrpSpPr>
@@ -4613,6 +4613,14 @@
   <p:clrMapOvr>
     <a:masterClrMapping/>
   </p:clrMapOvr>
+  <mc:AlternateContent xmlns:mc="http://schemas.openxmlformats.org/markup-compatibility/2006">
+    <mc:Choice xmlns:p14="http://schemas.microsoft.com/office/powerpoint/2010/main" Requires="p14">
+      <p:transition spd="slow" p14:dur="2000"/>
+    </mc:Choice>
+    <mc:Fallback>
+      <p:transition xmlns:p14="http://schemas.microsoft.com/office/powerpoint/2010/main" spd="slow"/>
+    </mc:Fallback>
+  </mc:AlternateContent>
   <p:timing>
     <p:tnLst>
       <p:par>
@@ -4624,7 +4632,7 @@
 </file>
 
 <file path=ppt/slides/slide3.xml><?xml version="1.0" encoding="utf-8"?>
-<p:sld xmlns:a="http://schemas.openxmlformats.org/drawingml/2006/main" xmlns:r="http://schemas.openxmlformats.org/officeDocument/2006/relationships" xmlns:p="http://schemas.openxmlformats.org/presentationml/2006/main">
+<p:sld xmlns:a="http://schemas.openxmlformats.org/drawingml/2006/main" xmlns:r="http://schemas.openxmlformats.org/officeDocument/2006/relationships" xmlns:p="http://schemas.openxmlformats.org/presentationml/2006/main" show="0">
   <p:cSld>
     <p:spTree>
       <p:nvGrpSpPr>
@@ -5078,6 +5086,14 @@
   <p:clrMapOvr>
     <a:masterClrMapping/>
   </p:clrMapOvr>
+  <mc:AlternateContent xmlns:mc="http://schemas.openxmlformats.org/markup-compatibility/2006">
+    <mc:Choice xmlns:p14="http://schemas.microsoft.com/office/powerpoint/2010/main" Requires="p14">
+      <p:transition spd="slow" p14:dur="2000"/>
+    </mc:Choice>
+    <mc:Fallback>
+      <p:transition xmlns:p14="http://schemas.microsoft.com/office/powerpoint/2010/main" spd="slow"/>
+    </mc:Fallback>
+  </mc:AlternateContent>
   <p:timing>
     <p:tnLst>
       <p:par>
@@ -5089,7 +5105,7 @@
 </file>
 
 <file path=ppt/slides/slide4.xml><?xml version="1.0" encoding="utf-8"?>
-<p:sld xmlns:a="http://schemas.openxmlformats.org/drawingml/2006/main" xmlns:r="http://schemas.openxmlformats.org/officeDocument/2006/relationships" xmlns:p="http://schemas.openxmlformats.org/presentationml/2006/main">
+<p:sld xmlns:a="http://schemas.openxmlformats.org/drawingml/2006/main" xmlns:r="http://schemas.openxmlformats.org/officeDocument/2006/relationships" xmlns:p="http://schemas.openxmlformats.org/presentationml/2006/main" show="0">
   <p:cSld>
     <p:spTree>
       <p:nvGrpSpPr>
@@ -5470,6 +5486,14 @@
   <p:clrMapOvr>
     <a:masterClrMapping/>
   </p:clrMapOvr>
+  <mc:AlternateContent xmlns:mc="http://schemas.openxmlformats.org/markup-compatibility/2006">
+    <mc:Choice xmlns:p14="http://schemas.microsoft.com/office/powerpoint/2010/main" Requires="p14">
+      <p:transition spd="slow" p14:dur="2000"/>
+    </mc:Choice>
+    <mc:Fallback>
+      <p:transition xmlns:p14="http://schemas.microsoft.com/office/powerpoint/2010/main" spd="slow"/>
+    </mc:Fallback>
+  </mc:AlternateContent>
   <p:timing>
     <p:tnLst>
       <p:par>
@@ -5481,7 +5505,7 @@
 </file>
 
 <file path=ppt/slides/slide5.xml><?xml version="1.0" encoding="utf-8"?>
-<p:sld xmlns:a="http://schemas.openxmlformats.org/drawingml/2006/main" xmlns:r="http://schemas.openxmlformats.org/officeDocument/2006/relationships" xmlns:p="http://schemas.openxmlformats.org/presentationml/2006/main">
+<p:sld xmlns:a="http://schemas.openxmlformats.org/drawingml/2006/main" xmlns:r="http://schemas.openxmlformats.org/officeDocument/2006/relationships" xmlns:p="http://schemas.openxmlformats.org/presentationml/2006/main" show="0">
   <p:cSld>
     <p:spTree>
       <p:nvGrpSpPr>
@@ -5850,6 +5874,14 @@
   <p:clrMapOvr>
     <a:masterClrMapping/>
   </p:clrMapOvr>
+  <mc:AlternateContent xmlns:mc="http://schemas.openxmlformats.org/markup-compatibility/2006">
+    <mc:Choice xmlns:p14="http://schemas.microsoft.com/office/powerpoint/2010/main" Requires="p14">
+      <p:transition spd="slow" p14:dur="2000"/>
+    </mc:Choice>
+    <mc:Fallback>
+      <p:transition xmlns:p14="http://schemas.microsoft.com/office/powerpoint/2010/main" spd="slow"/>
+    </mc:Fallback>
+  </mc:AlternateContent>
   <p:timing>
     <p:tnLst>
       <p:par>
@@ -5861,7 +5893,7 @@
 </file>
 
 <file path=ppt/slides/slide6.xml><?xml version="1.0" encoding="utf-8"?>
-<p:sld xmlns:a="http://schemas.openxmlformats.org/drawingml/2006/main" xmlns:r="http://schemas.openxmlformats.org/officeDocument/2006/relationships" xmlns:p="http://schemas.openxmlformats.org/presentationml/2006/main">
+<p:sld xmlns:a="http://schemas.openxmlformats.org/drawingml/2006/main" xmlns:r="http://schemas.openxmlformats.org/officeDocument/2006/relationships" xmlns:p="http://schemas.openxmlformats.org/presentationml/2006/main" show="0">
   <p:cSld>
     <p:spTree>
       <p:nvGrpSpPr>
@@ -6230,6 +6262,14 @@
   <p:clrMapOvr>
     <a:masterClrMapping/>
   </p:clrMapOvr>
+  <mc:AlternateContent xmlns:mc="http://schemas.openxmlformats.org/markup-compatibility/2006">
+    <mc:Choice xmlns:p14="http://schemas.microsoft.com/office/powerpoint/2010/main" Requires="p14">
+      <p:transition spd="slow" p14:dur="2000"/>
+    </mc:Choice>
+    <mc:Fallback>
+      <p:transition xmlns:p14="http://schemas.microsoft.com/office/powerpoint/2010/main" spd="slow"/>
+    </mc:Fallback>
+  </mc:AlternateContent>
   <p:timing>
     <p:tnLst>
       <p:par>
@@ -6296,7 +6336,7 @@
         <p:spPr>
           <a:xfrm>
             <a:off x="177800" y="196334"/>
-            <a:ext cx="2182246" cy="369332"/>
+            <a:ext cx="2182246" cy="923330"/>
           </a:xfrm>
           <a:prstGeom prst="rect">
             <a:avLst/>
@@ -6311,42 +6351,28 @@
           <a:p>
             <a:r>
               <a:rPr lang="en-CA" dirty="0" smtClean="0"/>
-              <a:t>Familiar &amp; Unfamiliar</a:t>
-            </a:r>
-            <a:endParaRPr lang="en-CA" dirty="0"/>
-          </a:p>
-        </p:txBody>
-      </p:sp>
-      <p:pic>
-        <p:nvPicPr>
-          <p:cNvPr id="6" name="Picture 5" descr="Screen Shot 2019-02-13 at 11.47.25 AM.png"/>
-          <p:cNvPicPr>
-            <a:picLocks noChangeAspect="1"/>
-          </p:cNvPicPr>
-          <p:nvPr/>
-        </p:nvPicPr>
-        <p:blipFill>
-          <a:blip r:embed="rId4">
-            <a:extLst>
-              <a:ext uri="{28A0092B-C50C-407E-A947-70E740481C1C}">
-                <a14:useLocalDpi xmlns:a14="http://schemas.microsoft.com/office/drawing/2010/main" val="0"/>
-              </a:ext>
-            </a:extLst>
-          </a:blip>
-          <a:stretch>
-            <a:fillRect/>
-          </a:stretch>
-        </p:blipFill>
-        <p:spPr>
-          <a:xfrm>
-            <a:off x="68728" y="3386034"/>
-            <a:ext cx="4343253" cy="3280632"/>
-          </a:xfrm>
-          <a:prstGeom prst="rect">
-            <a:avLst/>
-          </a:prstGeom>
-        </p:spPr>
-      </p:pic>
+              <a:t>Familiar &amp; </a:t>
+            </a:r>
+            <a:r>
+              <a:rPr lang="en-CA" dirty="0" smtClean="0"/>
+              <a:t>Unfamiliar</a:t>
+            </a:r>
+          </a:p>
+          <a:p>
+            <a:r>
+              <a:rPr lang="en-CA" dirty="0" smtClean="0"/>
+              <a:t>Ses1 &amp; Ses2</a:t>
+            </a:r>
+          </a:p>
+          <a:p>
+            <a:r>
+              <a:rPr lang="en-CA" dirty="0" smtClean="0"/>
+              <a:t>GW mask</a:t>
+            </a:r>
+            <a:endParaRPr lang="en-CA" dirty="0"/>
+          </a:p>
+        </p:txBody>
+      </p:sp>
       <p:sp>
         <p:nvSpPr>
           <p:cNvPr id="7" name="Left Bracket 6"/>
@@ -7244,7 +7270,7 @@
         <p:spPr>
           <a:xfrm>
             <a:off x="4569074" y="5062813"/>
-            <a:ext cx="4211217" cy="1477328"/>
+            <a:ext cx="4457086" cy="1754327"/>
           </a:xfrm>
           <a:prstGeom prst="rect">
             <a:avLst/>
@@ -7291,8 +7317,266 @@
           <a:p>
             <a:r>
               <a:rPr lang="en-CA" dirty="0" smtClean="0"/>
-              <a:t>??</a:t>
-            </a:r>
+              <a:t>Whole brain is significant because individual searchlights return whole brain</a:t>
+            </a:r>
+            <a:r>
+              <a:rPr lang="mr-IN" dirty="0" smtClean="0"/>
+              <a:t>…</a:t>
+            </a:r>
+            <a:endParaRPr lang="en-CA" dirty="0"/>
+          </a:p>
+        </p:txBody>
+      </p:sp>
+      <p:pic>
+        <p:nvPicPr>
+          <p:cNvPr id="13" name="Picture 12" descr="Screen Shot 2019-02-20 at 11.59.15 AM.png"/>
+          <p:cNvPicPr>
+            <a:picLocks noChangeAspect="1"/>
+          </p:cNvPicPr>
+          <p:nvPr/>
+        </p:nvPicPr>
+        <p:blipFill>
+          <a:blip r:embed="rId4">
+            <a:extLst>
+              <a:ext uri="{28A0092B-C50C-407E-A947-70E740481C1C}">
+                <a14:useLocalDpi xmlns:a14="http://schemas.microsoft.com/office/drawing/2010/main" val="0"/>
+              </a:ext>
+            </a:extLst>
+          </a:blip>
+          <a:stretch>
+            <a:fillRect/>
+          </a:stretch>
+        </p:blipFill>
+        <p:spPr>
+          <a:xfrm>
+            <a:off x="0" y="3495166"/>
+            <a:ext cx="4486615" cy="3362833"/>
+          </a:xfrm>
+          <a:prstGeom prst="rect">
+            <a:avLst/>
+          </a:prstGeom>
+        </p:spPr>
+      </p:pic>
+      <p:sp>
+        <p:nvSpPr>
+          <p:cNvPr id="18" name="Rectangle 17"/>
+          <p:cNvSpPr/>
+          <p:nvPr/>
+        </p:nvSpPr>
+        <p:spPr>
+          <a:xfrm>
+            <a:off x="6325140" y="1990293"/>
+            <a:ext cx="872862" cy="747654"/>
+          </a:xfrm>
+          <a:prstGeom prst="rect">
+            <a:avLst/>
+          </a:prstGeom>
+          <a:noFill/>
+          <a:ln w="44450">
+            <a:solidFill>
+              <a:srgbClr val="FF0000"/>
+            </a:solidFill>
+          </a:ln>
+          <a:effectLst/>
+        </p:spPr>
+        <p:style>
+          <a:lnRef idx="1">
+            <a:schemeClr val="accent1"/>
+          </a:lnRef>
+          <a:fillRef idx="3">
+            <a:schemeClr val="accent1"/>
+          </a:fillRef>
+          <a:effectRef idx="2">
+            <a:schemeClr val="accent1"/>
+          </a:effectRef>
+          <a:fontRef idx="minor">
+            <a:schemeClr val="lt1"/>
+          </a:fontRef>
+        </p:style>
+        <p:txBody>
+          <a:bodyPr rtlCol="0" anchor="ctr"/>
+          <a:lstStyle/>
+          <a:p>
+            <a:pPr algn="ctr"/>
+            <a:endParaRPr lang="en-CA" dirty="0" smtClean="0"/>
+          </a:p>
+          <a:p>
+            <a:pPr algn="ctr"/>
+            <a:r>
+              <a:rPr lang="en-CA" dirty="0" smtClean="0"/>
+              <a:t/>
+            </a:r>
+          </a:p>
+          <a:p>
+            <a:pPr algn="ctr"/>
+            <a:endParaRPr lang="en-CA" dirty="0"/>
+          </a:p>
+        </p:txBody>
+      </p:sp>
+      <p:sp>
+        <p:nvSpPr>
+          <p:cNvPr id="32" name="Rectangle 31"/>
+          <p:cNvSpPr/>
+          <p:nvPr/>
+        </p:nvSpPr>
+        <p:spPr>
+          <a:xfrm>
+            <a:off x="4675885" y="462559"/>
+            <a:ext cx="872862" cy="747654"/>
+          </a:xfrm>
+          <a:prstGeom prst="rect">
+            <a:avLst/>
+          </a:prstGeom>
+          <a:noFill/>
+          <a:ln w="44450">
+            <a:solidFill>
+              <a:srgbClr val="FF0000"/>
+            </a:solidFill>
+          </a:ln>
+          <a:effectLst/>
+        </p:spPr>
+        <p:style>
+          <a:lnRef idx="1">
+            <a:schemeClr val="accent1"/>
+          </a:lnRef>
+          <a:fillRef idx="3">
+            <a:schemeClr val="accent1"/>
+          </a:fillRef>
+          <a:effectRef idx="2">
+            <a:schemeClr val="accent1"/>
+          </a:effectRef>
+          <a:fontRef idx="minor">
+            <a:schemeClr val="lt1"/>
+          </a:fontRef>
+        </p:style>
+        <p:txBody>
+          <a:bodyPr rtlCol="0" anchor="ctr"/>
+          <a:lstStyle/>
+          <a:p>
+            <a:pPr algn="ctr"/>
+            <a:endParaRPr lang="en-CA" dirty="0" smtClean="0"/>
+          </a:p>
+          <a:p>
+            <a:pPr algn="ctr"/>
+            <a:r>
+              <a:rPr lang="en-CA" dirty="0" smtClean="0"/>
+              <a:t/>
+            </a:r>
+          </a:p>
+          <a:p>
+            <a:pPr algn="ctr"/>
+            <a:endParaRPr lang="en-CA" dirty="0"/>
+          </a:p>
+        </p:txBody>
+      </p:sp>
+      <p:sp>
+        <p:nvSpPr>
+          <p:cNvPr id="33" name="Rectangle 32"/>
+          <p:cNvSpPr/>
+          <p:nvPr/>
+        </p:nvSpPr>
+        <p:spPr>
+          <a:xfrm>
+            <a:off x="5484113" y="1242639"/>
+            <a:ext cx="872862" cy="747654"/>
+          </a:xfrm>
+          <a:prstGeom prst="rect">
+            <a:avLst/>
+          </a:prstGeom>
+          <a:noFill/>
+          <a:ln w="44450">
+            <a:solidFill>
+              <a:schemeClr val="accent5"/>
+            </a:solidFill>
+          </a:ln>
+          <a:effectLst/>
+        </p:spPr>
+        <p:style>
+          <a:lnRef idx="1">
+            <a:schemeClr val="accent1"/>
+          </a:lnRef>
+          <a:fillRef idx="3">
+            <a:schemeClr val="accent1"/>
+          </a:fillRef>
+          <a:effectRef idx="2">
+            <a:schemeClr val="accent1"/>
+          </a:effectRef>
+          <a:fontRef idx="minor">
+            <a:schemeClr val="lt1"/>
+          </a:fontRef>
+        </p:style>
+        <p:txBody>
+          <a:bodyPr rtlCol="0" anchor="ctr"/>
+          <a:lstStyle/>
+          <a:p>
+            <a:pPr algn="ctr"/>
+            <a:endParaRPr lang="en-CA" dirty="0" smtClean="0"/>
+          </a:p>
+          <a:p>
+            <a:pPr algn="ctr"/>
+            <a:r>
+              <a:rPr lang="en-CA" dirty="0" smtClean="0"/>
+              <a:t/>
+            </a:r>
+          </a:p>
+          <a:p>
+            <a:pPr algn="ctr"/>
+            <a:endParaRPr lang="en-CA" dirty="0"/>
+          </a:p>
+        </p:txBody>
+      </p:sp>
+      <p:sp>
+        <p:nvSpPr>
+          <p:cNvPr id="34" name="Rectangle 33"/>
+          <p:cNvSpPr/>
+          <p:nvPr/>
+        </p:nvSpPr>
+        <p:spPr>
+          <a:xfrm>
+            <a:off x="7162305" y="2779262"/>
+            <a:ext cx="872862" cy="747654"/>
+          </a:xfrm>
+          <a:prstGeom prst="rect">
+            <a:avLst/>
+          </a:prstGeom>
+          <a:noFill/>
+          <a:ln w="44450">
+            <a:solidFill>
+              <a:schemeClr val="accent5"/>
+            </a:solidFill>
+          </a:ln>
+          <a:effectLst/>
+        </p:spPr>
+        <p:style>
+          <a:lnRef idx="1">
+            <a:schemeClr val="accent1"/>
+          </a:lnRef>
+          <a:fillRef idx="3">
+            <a:schemeClr val="accent1"/>
+          </a:fillRef>
+          <a:effectRef idx="2">
+            <a:schemeClr val="accent1"/>
+          </a:effectRef>
+          <a:fontRef idx="minor">
+            <a:schemeClr val="lt1"/>
+          </a:fontRef>
+        </p:style>
+        <p:txBody>
+          <a:bodyPr rtlCol="0" anchor="ctr"/>
+          <a:lstStyle/>
+          <a:p>
+            <a:pPr algn="ctr"/>
+            <a:endParaRPr lang="en-CA" dirty="0" smtClean="0"/>
+          </a:p>
+          <a:p>
+            <a:pPr algn="ctr"/>
+            <a:r>
+              <a:rPr lang="en-CA" dirty="0" smtClean="0"/>
+              <a:t/>
+            </a:r>
+          </a:p>
+          <a:p>
+            <a:pPr algn="ctr"/>
             <a:endParaRPr lang="en-CA" dirty="0"/>
           </a:p>
         </p:txBody>

--- a/Music and Memory/fMRI analysis/2019.02-SearchlightDSMsummary.pptx
+++ b/Music and Memory/fMRI analysis/2019.02-SearchlightDSMsummary.pptx
@@ -9,12 +9,12 @@
   </p:notesMasterIdLst>
   <p:sldIdLst>
     <p:sldId id="262" r:id="rId2"/>
-    <p:sldId id="256" r:id="rId3"/>
-    <p:sldId id="257" r:id="rId4"/>
-    <p:sldId id="258" r:id="rId5"/>
-    <p:sldId id="259" r:id="rId6"/>
-    <p:sldId id="260" r:id="rId7"/>
-    <p:sldId id="261" r:id="rId8"/>
+    <p:sldId id="261" r:id="rId3"/>
+    <p:sldId id="256" r:id="rId4"/>
+    <p:sldId id="257" r:id="rId5"/>
+    <p:sldId id="258" r:id="rId6"/>
+    <p:sldId id="259" r:id="rId7"/>
+    <p:sldId id="260" r:id="rId8"/>
   </p:sldIdLst>
   <p:sldSz cx="9144000" cy="6858000" type="screen4x3"/>
   <p:notesSz cx="6858000" cy="9144000"/>
@@ -113,6 +113,22 @@
       </a:defRPr>
     </a:lvl9pPr>
   </p:defaultTextStyle>
+  <p:extLst>
+    <p:ext uri="{EFAFB233-063F-42B5-8137-9DF3F51BA10A}">
+      <p15:sldGuideLst xmlns:p15="http://schemas.microsoft.com/office/powerpoint/2012/main">
+        <p15:guide id="1" orient="horz" pos="2160">
+          <p15:clr>
+            <a:srgbClr val="A4A3A4"/>
+          </p15:clr>
+        </p15:guide>
+        <p15:guide id="2" pos="2880">
+          <p15:clr>
+            <a:srgbClr val="A4A3A4"/>
+          </p15:clr>
+        </p15:guide>
+      </p15:sldGuideLst>
+    </p:ext>
+  </p:extLst>
 </p:presentation>
 </file>
 
@@ -198,7 +214,7 @@
           <a:p>
             <a:fld id="{A7E2B4F6-8C79-8D44-BD9B-529472060FDD}" type="datetimeFigureOut">
               <a:rPr lang="en-US" smtClean="0"/>
-              <a:t>19-02-20</a:t>
+              <a:t>2/28/2019</a:t>
             </a:fld>
             <a:endParaRPr lang="en-CA"/>
           </a:p>
@@ -512,17 +528,19 @@
           <a:p>
             <a:r>
               <a:rPr lang="en-CA" dirty="0" smtClean="0"/>
-              <a:t>1234 (</a:t>
-            </a:r>
-            <a:r>
-              <a:rPr lang="en-CA" dirty="0" err="1" smtClean="0"/>
-              <a:t>aisw</a:t>
-            </a:r>
-            <a:r>
-              <a:rPr lang="en-CA" smtClean="0"/>
-              <a:t>)</a:t>
-            </a:r>
-            <a:endParaRPr lang="en-CA"/>
+              <a:t>Ses1</a:t>
+            </a:r>
+            <a:r>
+              <a:rPr lang="en-CA" baseline="0" dirty="0" smtClean="0"/>
+              <a:t>fam ses1unfam ses2fam ses2unfam</a:t>
+            </a:r>
+          </a:p>
+          <a:p>
+            <a:r>
+              <a:rPr lang="en-CA" baseline="0" dirty="0" smtClean="0"/>
+              <a:t>1234</a:t>
+            </a:r>
+            <a:endParaRPr lang="en-CA" dirty="0"/>
           </a:p>
         </p:txBody>
       </p:sp>
@@ -552,7 +570,7 @@
     </p:spTree>
     <p:extLst>
       <p:ext uri="{BB962C8B-B14F-4D97-AF65-F5344CB8AC3E}">
-        <p14:creationId xmlns:p14="http://schemas.microsoft.com/office/powerpoint/2010/main" val="3298005378"/>
+        <p14:creationId xmlns:p14="http://schemas.microsoft.com/office/powerpoint/2010/main" val="4278522967"/>
       </p:ext>
     </p:extLst>
   </p:cSld>
@@ -608,9 +626,17 @@
           <a:p>
             <a:r>
               <a:rPr lang="en-CA" dirty="0" smtClean="0"/>
-              <a:t>1234</a:t>
-            </a:r>
-            <a:endParaRPr lang="en-CA" dirty="0"/>
+              <a:t>1234 (</a:t>
+            </a:r>
+            <a:r>
+              <a:rPr lang="en-CA" dirty="0" err="1" smtClean="0"/>
+              <a:t>aisw</a:t>
+            </a:r>
+            <a:r>
+              <a:rPr lang="en-CA" smtClean="0"/>
+              <a:t>)</a:t>
+            </a:r>
+            <a:endParaRPr lang="en-CA"/>
           </a:p>
         </p:txBody>
       </p:sp>
@@ -640,7 +666,7 @@
     </p:spTree>
     <p:extLst>
       <p:ext uri="{BB962C8B-B14F-4D97-AF65-F5344CB8AC3E}">
-        <p14:creationId xmlns:p14="http://schemas.microsoft.com/office/powerpoint/2010/main" val="510918305"/>
+        <p14:creationId xmlns:p14="http://schemas.microsoft.com/office/powerpoint/2010/main" val="3298005378"/>
       </p:ext>
     </p:extLst>
   </p:cSld>
@@ -696,21 +722,7 @@
           <a:p>
             <a:r>
               <a:rPr lang="en-CA" dirty="0" smtClean="0"/>
-              <a:t>Ses1 ses2</a:t>
-            </a:r>
-          </a:p>
-          <a:p>
-            <a:r>
-              <a:rPr lang="en-CA" dirty="0" smtClean="0"/>
-              <a:t>1234 1234 (</a:t>
-            </a:r>
-            <a:r>
-              <a:rPr lang="en-CA" dirty="0" err="1" smtClean="0"/>
-              <a:t>aisw</a:t>
-            </a:r>
-            <a:r>
-              <a:rPr lang="en-CA" dirty="0" smtClean="0"/>
-              <a:t>)</a:t>
+              <a:t>1234</a:t>
             </a:r>
             <a:endParaRPr lang="en-CA" dirty="0"/>
           </a:p>
@@ -742,7 +754,7 @@
     </p:spTree>
     <p:extLst>
       <p:ext uri="{BB962C8B-B14F-4D97-AF65-F5344CB8AC3E}">
-        <p14:creationId xmlns:p14="http://schemas.microsoft.com/office/powerpoint/2010/main" val="2106446322"/>
+        <p14:creationId xmlns:p14="http://schemas.microsoft.com/office/powerpoint/2010/main" val="510918305"/>
       </p:ext>
     </p:extLst>
   </p:cSld>
@@ -798,13 +810,21 @@
           <a:p>
             <a:r>
               <a:rPr lang="en-CA" dirty="0" smtClean="0"/>
-              <a:t>Ses1fam ses2fam</a:t>
+              <a:t>Ses1 ses2</a:t>
             </a:r>
           </a:p>
           <a:p>
             <a:r>
               <a:rPr lang="en-CA" dirty="0" smtClean="0"/>
-              <a:t>1234</a:t>
+              <a:t>1234 1234 (</a:t>
+            </a:r>
+            <a:r>
+              <a:rPr lang="en-CA" dirty="0" err="1" smtClean="0"/>
+              <a:t>aisw</a:t>
+            </a:r>
+            <a:r>
+              <a:rPr lang="en-CA" dirty="0" smtClean="0"/>
+              <a:t>)</a:t>
             </a:r>
             <a:endParaRPr lang="en-CA" dirty="0"/>
           </a:p>
@@ -836,7 +856,7 @@
     </p:spTree>
     <p:extLst>
       <p:ext uri="{BB962C8B-B14F-4D97-AF65-F5344CB8AC3E}">
-        <p14:creationId xmlns:p14="http://schemas.microsoft.com/office/powerpoint/2010/main" val="2692817510"/>
+        <p14:creationId xmlns:p14="http://schemas.microsoft.com/office/powerpoint/2010/main" val="2106446322"/>
       </p:ext>
     </p:extLst>
   </p:cSld>
@@ -892,13 +912,8 @@
           <a:p>
             <a:r>
               <a:rPr lang="en-CA" dirty="0" smtClean="0"/>
-              <a:t>Ses1unfam</a:t>
-            </a:r>
-            <a:r>
-              <a:rPr lang="en-CA" baseline="0" dirty="0" smtClean="0"/>
-              <a:t> ses2unfam</a:t>
-            </a:r>
-            <a:endParaRPr lang="en-CA" dirty="0" smtClean="0"/>
+              <a:t>Ses1fam ses2fam</a:t>
+            </a:r>
           </a:p>
           <a:p>
             <a:r>
@@ -935,7 +950,7 @@
     </p:spTree>
     <p:extLst>
       <p:ext uri="{BB962C8B-B14F-4D97-AF65-F5344CB8AC3E}">
-        <p14:creationId xmlns:p14="http://schemas.microsoft.com/office/powerpoint/2010/main" val="2693777290"/>
+        <p14:creationId xmlns:p14="http://schemas.microsoft.com/office/powerpoint/2010/main" val="2692817510"/>
       </p:ext>
     </p:extLst>
   </p:cSld>
@@ -991,16 +1006,17 @@
           <a:p>
             <a:r>
               <a:rPr lang="en-CA" dirty="0" smtClean="0"/>
-              <a:t>Ses1</a:t>
+              <a:t>Ses1unfam</a:t>
             </a:r>
             <a:r>
               <a:rPr lang="en-CA" baseline="0" dirty="0" smtClean="0"/>
-              <a:t>fam ses1unfam ses2fam ses2unfam</a:t>
-            </a:r>
-          </a:p>
-          <a:p>
-            <a:r>
-              <a:rPr lang="en-CA" baseline="0" dirty="0" smtClean="0"/>
+              <a:t> ses2unfam</a:t>
+            </a:r>
+            <a:endParaRPr lang="en-CA" dirty="0" smtClean="0"/>
+          </a:p>
+          <a:p>
+            <a:r>
+              <a:rPr lang="en-CA" dirty="0" smtClean="0"/>
               <a:t>1234</a:t>
             </a:r>
             <a:endParaRPr lang="en-CA" dirty="0"/>
@@ -1033,7 +1049,7 @@
     </p:spTree>
     <p:extLst>
       <p:ext uri="{BB962C8B-B14F-4D97-AF65-F5344CB8AC3E}">
-        <p14:creationId xmlns:p14="http://schemas.microsoft.com/office/powerpoint/2010/main" val="4278522967"/>
+        <p14:creationId xmlns:p14="http://schemas.microsoft.com/office/powerpoint/2010/main" val="2693777290"/>
       </p:ext>
     </p:extLst>
   </p:cSld>
@@ -1224,7 +1240,7 @@
           <a:p>
             <a:fld id="{3E12EA3E-02B0-D24F-961B-C60513F183AC}" type="datetimeFigureOut">
               <a:rPr lang="en-US" smtClean="0"/>
-              <a:t>19-02-20</a:t>
+              <a:t>2/28/2019</a:t>
             </a:fld>
             <a:endParaRPr lang="en-CA"/>
           </a:p>
@@ -1394,7 +1410,7 @@
           <a:p>
             <a:fld id="{3E12EA3E-02B0-D24F-961B-C60513F183AC}" type="datetimeFigureOut">
               <a:rPr lang="en-US" smtClean="0"/>
-              <a:t>19-02-20</a:t>
+              <a:t>2/28/2019</a:t>
             </a:fld>
             <a:endParaRPr lang="en-CA"/>
           </a:p>
@@ -1574,7 +1590,7 @@
           <a:p>
             <a:fld id="{3E12EA3E-02B0-D24F-961B-C60513F183AC}" type="datetimeFigureOut">
               <a:rPr lang="en-US" smtClean="0"/>
-              <a:t>19-02-20</a:t>
+              <a:t>2/28/2019</a:t>
             </a:fld>
             <a:endParaRPr lang="en-CA"/>
           </a:p>
@@ -1744,7 +1760,7 @@
           <a:p>
             <a:fld id="{3E12EA3E-02B0-D24F-961B-C60513F183AC}" type="datetimeFigureOut">
               <a:rPr lang="en-US" smtClean="0"/>
-              <a:t>19-02-20</a:t>
+              <a:t>2/28/2019</a:t>
             </a:fld>
             <a:endParaRPr lang="en-CA"/>
           </a:p>
@@ -1990,7 +2006,7 @@
           <a:p>
             <a:fld id="{3E12EA3E-02B0-D24F-961B-C60513F183AC}" type="datetimeFigureOut">
               <a:rPr lang="en-US" smtClean="0"/>
-              <a:t>19-02-20</a:t>
+              <a:t>2/28/2019</a:t>
             </a:fld>
             <a:endParaRPr lang="en-CA"/>
           </a:p>
@@ -2278,7 +2294,7 @@
           <a:p>
             <a:fld id="{3E12EA3E-02B0-D24F-961B-C60513F183AC}" type="datetimeFigureOut">
               <a:rPr lang="en-US" smtClean="0"/>
-              <a:t>19-02-20</a:t>
+              <a:t>2/28/2019</a:t>
             </a:fld>
             <a:endParaRPr lang="en-CA"/>
           </a:p>
@@ -2700,7 +2716,7 @@
           <a:p>
             <a:fld id="{3E12EA3E-02B0-D24F-961B-C60513F183AC}" type="datetimeFigureOut">
               <a:rPr lang="en-US" smtClean="0"/>
-              <a:t>19-02-20</a:t>
+              <a:t>2/28/2019</a:t>
             </a:fld>
             <a:endParaRPr lang="en-CA"/>
           </a:p>
@@ -2818,7 +2834,7 @@
           <a:p>
             <a:fld id="{3E12EA3E-02B0-D24F-961B-C60513F183AC}" type="datetimeFigureOut">
               <a:rPr lang="en-US" smtClean="0"/>
-              <a:t>19-02-20</a:t>
+              <a:t>2/28/2019</a:t>
             </a:fld>
             <a:endParaRPr lang="en-CA"/>
           </a:p>
@@ -2913,7 +2929,7 @@
           <a:p>
             <a:fld id="{3E12EA3E-02B0-D24F-961B-C60513F183AC}" type="datetimeFigureOut">
               <a:rPr lang="en-US" smtClean="0"/>
-              <a:t>19-02-20</a:t>
+              <a:t>2/28/2019</a:t>
             </a:fld>
             <a:endParaRPr lang="en-CA"/>
           </a:p>
@@ -3190,7 +3206,7 @@
           <a:p>
             <a:fld id="{3E12EA3E-02B0-D24F-961B-C60513F183AC}" type="datetimeFigureOut">
               <a:rPr lang="en-US" smtClean="0"/>
-              <a:t>19-02-20</a:t>
+              <a:t>2/28/2019</a:t>
             </a:fld>
             <a:endParaRPr lang="en-CA"/>
           </a:p>
@@ -3443,7 +3459,7 @@
           <a:p>
             <a:fld id="{3E12EA3E-02B0-D24F-961B-C60513F183AC}" type="datetimeFigureOut">
               <a:rPr lang="en-US" smtClean="0"/>
-              <a:t>19-02-20</a:t>
+              <a:t>2/28/2019</a:t>
             </a:fld>
             <a:endParaRPr lang="en-CA"/>
           </a:p>
@@ -3656,7 +3672,7 @@
           <a:p>
             <a:fld id="{3E12EA3E-02B0-D24F-961B-C60513F183AC}" type="datetimeFigureOut">
               <a:rPr lang="en-US" smtClean="0"/>
-              <a:t>19-02-20</a:t>
+              <a:t>2/28/2019</a:t>
             </a:fld>
             <a:endParaRPr lang="en-CA"/>
           </a:p>
@@ -4175,7 +4191,7 @@
   <p:timing>
     <p:tnLst>
       <p:par>
-        <p:cTn xmlns:p14="http://schemas.microsoft.com/office/powerpoint/2010/main" id="1" dur="indefinite" restart="never" nodeType="tmRoot"/>
+        <p:cTn id="1" dur="indefinite" restart="never" nodeType="tmRoot"/>
       </p:par>
     </p:tnLst>
   </p:timing>
@@ -4183,7 +4199,7 @@
 </file>
 
 <file path=ppt/slides/slide2.xml><?xml version="1.0" encoding="utf-8"?>
-<p:sld xmlns:a="http://schemas.openxmlformats.org/drawingml/2006/main" xmlns:r="http://schemas.openxmlformats.org/officeDocument/2006/relationships" xmlns:p="http://schemas.openxmlformats.org/presentationml/2006/main" show="0">
+<p:sld xmlns:a="http://schemas.openxmlformats.org/drawingml/2006/main" xmlns:r="http://schemas.openxmlformats.org/officeDocument/2006/relationships" xmlns:p="http://schemas.openxmlformats.org/presentationml/2006/main">
   <p:cSld>
     <p:spTree>
       <p:nvGrpSpPr>
@@ -4199,39 +4215,9 @@
           <a:chExt cx="0" cy="0"/>
         </a:xfrm>
       </p:grpSpPr>
-      <p:sp>
-        <p:nvSpPr>
-          <p:cNvPr id="4" name="TextBox 3"/>
-          <p:cNvSpPr txBox="1"/>
-          <p:nvPr/>
-        </p:nvSpPr>
-        <p:spPr>
-          <a:xfrm>
-            <a:off x="965200" y="800100"/>
-            <a:ext cx="1051302" cy="369332"/>
-          </a:xfrm>
-          <a:prstGeom prst="rect">
-            <a:avLst/>
-          </a:prstGeom>
-          <a:noFill/>
-        </p:spPr>
-        <p:txBody>
-          <a:bodyPr wrap="none" rtlCol="0">
-            <a:spAutoFit/>
-          </a:bodyPr>
-          <a:lstStyle/>
-          <a:p>
-            <a:r>
-              <a:rPr lang="en-CA" dirty="0" smtClean="0"/>
-              <a:t>Session 1</a:t>
-            </a:r>
-            <a:endParaRPr lang="en-CA" dirty="0"/>
-          </a:p>
-        </p:txBody>
-      </p:sp>
       <p:pic>
         <p:nvPicPr>
-          <p:cNvPr id="5" name="Picture 4" descr="Screen Shot 2019-02-13 at 11.39.06 AM.png"/>
+          <p:cNvPr id="4" name="Picture 3" descr="Screen Shot 2019-02-13 at 11.41.24 AM.png"/>
           <p:cNvPicPr>
             <a:picLocks noChangeAspect="1"/>
           </p:cNvPicPr>
@@ -4251,17 +4237,1013 @@
         </p:blipFill>
         <p:spPr>
           <a:xfrm>
-            <a:off x="4533900" y="240268"/>
-            <a:ext cx="4450158" cy="3357557"/>
+            <a:off x="4082983" y="196334"/>
+            <a:ext cx="4943177" cy="3731876"/>
           </a:xfrm>
           <a:prstGeom prst="rect">
             <a:avLst/>
           </a:prstGeom>
         </p:spPr>
       </p:pic>
+      <p:sp>
+        <p:nvSpPr>
+          <p:cNvPr id="5" name="TextBox 4"/>
+          <p:cNvSpPr txBox="1"/>
+          <p:nvPr/>
+        </p:nvSpPr>
+        <p:spPr>
+          <a:xfrm>
+            <a:off x="177800" y="196334"/>
+            <a:ext cx="2182246" cy="923330"/>
+          </a:xfrm>
+          <a:prstGeom prst="rect">
+            <a:avLst/>
+          </a:prstGeom>
+          <a:noFill/>
+        </p:spPr>
+        <p:txBody>
+          <a:bodyPr wrap="none" rtlCol="0">
+            <a:spAutoFit/>
+          </a:bodyPr>
+          <a:lstStyle/>
+          <a:p>
+            <a:r>
+              <a:rPr lang="en-CA" dirty="0" smtClean="0"/>
+              <a:t>Familiar &amp; Unfamiliar</a:t>
+            </a:r>
+          </a:p>
+          <a:p>
+            <a:r>
+              <a:rPr lang="en-CA" dirty="0" smtClean="0"/>
+              <a:t>Ses1 &amp; Ses2</a:t>
+            </a:r>
+          </a:p>
+          <a:p>
+            <a:r>
+              <a:rPr lang="en-CA" dirty="0" smtClean="0"/>
+              <a:t>GW mask</a:t>
+            </a:r>
+            <a:endParaRPr lang="en-CA" dirty="0"/>
+          </a:p>
+        </p:txBody>
+      </p:sp>
+      <p:sp>
+        <p:nvSpPr>
+          <p:cNvPr id="7" name="Left Bracket 6"/>
+          <p:cNvSpPr/>
+          <p:nvPr/>
+        </p:nvSpPr>
+        <p:spPr>
+          <a:xfrm>
+            <a:off x="3125263" y="462559"/>
+            <a:ext cx="316163" cy="1527734"/>
+          </a:xfrm>
+          <a:prstGeom prst="leftBracket">
+            <a:avLst/>
+          </a:prstGeom>
+          <a:ln w="38100">
+            <a:solidFill>
+              <a:schemeClr val="tx1"/>
+            </a:solidFill>
+          </a:ln>
+          <a:effectLst/>
+        </p:spPr>
+        <p:style>
+          <a:lnRef idx="2">
+            <a:schemeClr val="accent1"/>
+          </a:lnRef>
+          <a:fillRef idx="0">
+            <a:schemeClr val="accent1"/>
+          </a:fillRef>
+          <a:effectRef idx="1">
+            <a:schemeClr val="accent1"/>
+          </a:effectRef>
+          <a:fontRef idx="minor">
+            <a:schemeClr val="tx1"/>
+          </a:fontRef>
+        </p:style>
+        <p:txBody>
+          <a:bodyPr rtlCol="0" anchor="ctr"/>
+          <a:lstStyle/>
+          <a:p>
+            <a:pPr algn="ctr"/>
+            <a:endParaRPr lang="en-CA" dirty="0"/>
+          </a:p>
+        </p:txBody>
+      </p:sp>
+      <p:sp>
+        <p:nvSpPr>
+          <p:cNvPr id="8" name="Left Bracket 7"/>
+          <p:cNvSpPr/>
+          <p:nvPr/>
+        </p:nvSpPr>
+        <p:spPr>
+          <a:xfrm>
+            <a:off x="3119581" y="1990293"/>
+            <a:ext cx="316163" cy="1527734"/>
+          </a:xfrm>
+          <a:prstGeom prst="leftBracket">
+            <a:avLst/>
+          </a:prstGeom>
+          <a:ln w="38100">
+            <a:solidFill>
+              <a:schemeClr val="tx1"/>
+            </a:solidFill>
+          </a:ln>
+          <a:effectLst/>
+        </p:spPr>
+        <p:style>
+          <a:lnRef idx="2">
+            <a:schemeClr val="accent1"/>
+          </a:lnRef>
+          <a:fillRef idx="0">
+            <a:schemeClr val="accent1"/>
+          </a:fillRef>
+          <a:effectRef idx="1">
+            <a:schemeClr val="accent1"/>
+          </a:effectRef>
+          <a:fontRef idx="minor">
+            <a:schemeClr val="tx1"/>
+          </a:fontRef>
+        </p:style>
+        <p:txBody>
+          <a:bodyPr rtlCol="0" anchor="ctr"/>
+          <a:lstStyle/>
+          <a:p>
+            <a:pPr algn="ctr"/>
+            <a:endParaRPr lang="en-CA" dirty="0"/>
+          </a:p>
+        </p:txBody>
+      </p:sp>
+      <p:sp>
+        <p:nvSpPr>
+          <p:cNvPr id="9" name="TextBox 8"/>
+          <p:cNvSpPr txBox="1"/>
+          <p:nvPr/>
+        </p:nvSpPr>
+        <p:spPr>
+          <a:xfrm>
+            <a:off x="2093003" y="928955"/>
+            <a:ext cx="1051302" cy="369332"/>
+          </a:xfrm>
+          <a:prstGeom prst="rect">
+            <a:avLst/>
+          </a:prstGeom>
+          <a:noFill/>
+        </p:spPr>
+        <p:txBody>
+          <a:bodyPr wrap="none" rtlCol="0">
+            <a:spAutoFit/>
+          </a:bodyPr>
+          <a:lstStyle/>
+          <a:p>
+            <a:r>
+              <a:rPr lang="en-CA" dirty="0" smtClean="0"/>
+              <a:t>Session 1</a:t>
+            </a:r>
+            <a:endParaRPr lang="en-CA" dirty="0"/>
+          </a:p>
+        </p:txBody>
+      </p:sp>
+      <p:sp>
+        <p:nvSpPr>
+          <p:cNvPr id="10" name="TextBox 9"/>
+          <p:cNvSpPr txBox="1"/>
+          <p:nvPr/>
+        </p:nvSpPr>
+        <p:spPr>
+          <a:xfrm>
+            <a:off x="2093003" y="2409930"/>
+            <a:ext cx="1051302" cy="369332"/>
+          </a:xfrm>
+          <a:prstGeom prst="rect">
+            <a:avLst/>
+          </a:prstGeom>
+          <a:noFill/>
+        </p:spPr>
+        <p:txBody>
+          <a:bodyPr wrap="none" rtlCol="0">
+            <a:spAutoFit/>
+          </a:bodyPr>
+          <a:lstStyle/>
+          <a:p>
+            <a:r>
+              <a:rPr lang="en-CA" dirty="0" smtClean="0"/>
+              <a:t>Session 2</a:t>
+            </a:r>
+            <a:endParaRPr lang="en-CA" dirty="0"/>
+          </a:p>
+        </p:txBody>
+      </p:sp>
+      <p:sp>
+        <p:nvSpPr>
+          <p:cNvPr id="11" name="Left Bracket 10"/>
+          <p:cNvSpPr/>
+          <p:nvPr/>
+        </p:nvSpPr>
+        <p:spPr>
+          <a:xfrm>
+            <a:off x="4411981" y="462559"/>
+            <a:ext cx="106785" cy="661391"/>
+          </a:xfrm>
+          <a:prstGeom prst="leftBracket">
+            <a:avLst/>
+          </a:prstGeom>
+          <a:ln w="38100">
+            <a:solidFill>
+              <a:schemeClr val="tx1"/>
+            </a:solidFill>
+          </a:ln>
+          <a:effectLst/>
+        </p:spPr>
+        <p:style>
+          <a:lnRef idx="2">
+            <a:schemeClr val="accent1"/>
+          </a:lnRef>
+          <a:fillRef idx="0">
+            <a:schemeClr val="accent1"/>
+          </a:fillRef>
+          <a:effectRef idx="1">
+            <a:schemeClr val="accent1"/>
+          </a:effectRef>
+          <a:fontRef idx="minor">
+            <a:schemeClr val="tx1"/>
+          </a:fontRef>
+        </p:style>
+        <p:txBody>
+          <a:bodyPr rtlCol="0" anchor="ctr"/>
+          <a:lstStyle/>
+          <a:p>
+            <a:pPr algn="ctr"/>
+            <a:endParaRPr lang="en-CA" dirty="0"/>
+          </a:p>
+        </p:txBody>
+      </p:sp>
+      <p:sp>
+        <p:nvSpPr>
+          <p:cNvPr id="12" name="Left Bracket 11"/>
+          <p:cNvSpPr/>
+          <p:nvPr/>
+        </p:nvSpPr>
+        <p:spPr>
+          <a:xfrm>
+            <a:off x="4411981" y="1210213"/>
+            <a:ext cx="106785" cy="715904"/>
+          </a:xfrm>
+          <a:prstGeom prst="leftBracket">
+            <a:avLst/>
+          </a:prstGeom>
+          <a:ln w="38100">
+            <a:solidFill>
+              <a:schemeClr val="tx1"/>
+            </a:solidFill>
+          </a:ln>
+          <a:effectLst/>
+        </p:spPr>
+        <p:style>
+          <a:lnRef idx="2">
+            <a:schemeClr val="accent1"/>
+          </a:lnRef>
+          <a:fillRef idx="0">
+            <a:schemeClr val="accent1"/>
+          </a:fillRef>
+          <a:effectRef idx="1">
+            <a:schemeClr val="accent1"/>
+          </a:effectRef>
+          <a:fontRef idx="minor">
+            <a:schemeClr val="tx1"/>
+          </a:fontRef>
+        </p:style>
+        <p:txBody>
+          <a:bodyPr rtlCol="0" anchor="ctr"/>
+          <a:lstStyle/>
+          <a:p>
+            <a:pPr algn="ctr"/>
+            <a:endParaRPr lang="en-CA" dirty="0"/>
+          </a:p>
+        </p:txBody>
+      </p:sp>
+      <p:sp>
+        <p:nvSpPr>
+          <p:cNvPr id="14" name="Left Bracket 13"/>
+          <p:cNvSpPr/>
+          <p:nvPr/>
+        </p:nvSpPr>
+        <p:spPr>
+          <a:xfrm>
+            <a:off x="4411981" y="1990293"/>
+            <a:ext cx="106785" cy="715904"/>
+          </a:xfrm>
+          <a:prstGeom prst="leftBracket">
+            <a:avLst/>
+          </a:prstGeom>
+          <a:ln w="38100">
+            <a:solidFill>
+              <a:schemeClr val="tx1"/>
+            </a:solidFill>
+          </a:ln>
+          <a:effectLst/>
+        </p:spPr>
+        <p:style>
+          <a:lnRef idx="2">
+            <a:schemeClr val="accent1"/>
+          </a:lnRef>
+          <a:fillRef idx="0">
+            <a:schemeClr val="accent1"/>
+          </a:fillRef>
+          <a:effectRef idx="1">
+            <a:schemeClr val="accent1"/>
+          </a:effectRef>
+          <a:fontRef idx="minor">
+            <a:schemeClr val="tx1"/>
+          </a:fontRef>
+        </p:style>
+        <p:txBody>
+          <a:bodyPr rtlCol="0" anchor="ctr"/>
+          <a:lstStyle/>
+          <a:p>
+            <a:pPr algn="ctr"/>
+            <a:endParaRPr lang="en-CA" dirty="0"/>
+          </a:p>
+        </p:txBody>
+      </p:sp>
+      <p:sp>
+        <p:nvSpPr>
+          <p:cNvPr id="15" name="Left Bracket 14"/>
+          <p:cNvSpPr/>
+          <p:nvPr/>
+        </p:nvSpPr>
+        <p:spPr>
+          <a:xfrm>
+            <a:off x="4410712" y="2779262"/>
+            <a:ext cx="106785" cy="715904"/>
+          </a:xfrm>
+          <a:prstGeom prst="leftBracket">
+            <a:avLst/>
+          </a:prstGeom>
+          <a:ln w="38100">
+            <a:solidFill>
+              <a:schemeClr val="tx1"/>
+            </a:solidFill>
+          </a:ln>
+          <a:effectLst/>
+        </p:spPr>
+        <p:style>
+          <a:lnRef idx="2">
+            <a:schemeClr val="accent1"/>
+          </a:lnRef>
+          <a:fillRef idx="0">
+            <a:schemeClr val="accent1"/>
+          </a:fillRef>
+          <a:effectRef idx="1">
+            <a:schemeClr val="accent1"/>
+          </a:effectRef>
+          <a:fontRef idx="minor">
+            <a:schemeClr val="tx1"/>
+          </a:fontRef>
+        </p:style>
+        <p:txBody>
+          <a:bodyPr rtlCol="0" anchor="ctr"/>
+          <a:lstStyle/>
+          <a:p>
+            <a:pPr algn="ctr"/>
+            <a:endParaRPr lang="en-CA" dirty="0"/>
+          </a:p>
+        </p:txBody>
+      </p:sp>
+      <p:sp>
+        <p:nvSpPr>
+          <p:cNvPr id="2" name="TextBox 1"/>
+          <p:cNvSpPr txBox="1"/>
+          <p:nvPr/>
+        </p:nvSpPr>
+        <p:spPr>
+          <a:xfrm>
+            <a:off x="3746500" y="602734"/>
+            <a:ext cx="550075" cy="369332"/>
+          </a:xfrm>
+          <a:prstGeom prst="rect">
+            <a:avLst/>
+          </a:prstGeom>
+          <a:noFill/>
+        </p:spPr>
+        <p:txBody>
+          <a:bodyPr wrap="none" rtlCol="0">
+            <a:spAutoFit/>
+          </a:bodyPr>
+          <a:lstStyle/>
+          <a:p>
+            <a:r>
+              <a:rPr lang="en-CA" dirty="0" err="1" smtClean="0"/>
+              <a:t>fam</a:t>
+            </a:r>
+            <a:endParaRPr lang="en-CA" dirty="0"/>
+          </a:p>
+        </p:txBody>
+      </p:sp>
+      <p:sp>
+        <p:nvSpPr>
+          <p:cNvPr id="3" name="TextBox 2"/>
+          <p:cNvSpPr txBox="1"/>
+          <p:nvPr/>
+        </p:nvSpPr>
+        <p:spPr>
+          <a:xfrm>
+            <a:off x="3618082" y="1326634"/>
+            <a:ext cx="792630" cy="369332"/>
+          </a:xfrm>
+          <a:prstGeom prst="rect">
+            <a:avLst/>
+          </a:prstGeom>
+          <a:noFill/>
+        </p:spPr>
+        <p:txBody>
+          <a:bodyPr wrap="none" rtlCol="0">
+            <a:spAutoFit/>
+          </a:bodyPr>
+          <a:lstStyle/>
+          <a:p>
+            <a:r>
+              <a:rPr lang="en-CA" dirty="0" err="1" smtClean="0"/>
+              <a:t>unfam</a:t>
+            </a:r>
+            <a:endParaRPr lang="en-CA" dirty="0"/>
+          </a:p>
+        </p:txBody>
+      </p:sp>
+      <p:sp>
+        <p:nvSpPr>
+          <p:cNvPr id="16" name="TextBox 15"/>
+          <p:cNvSpPr txBox="1"/>
+          <p:nvPr/>
+        </p:nvSpPr>
+        <p:spPr>
+          <a:xfrm>
+            <a:off x="3747769" y="2152134"/>
+            <a:ext cx="550075" cy="369332"/>
+          </a:xfrm>
+          <a:prstGeom prst="rect">
+            <a:avLst/>
+          </a:prstGeom>
+          <a:noFill/>
+        </p:spPr>
+        <p:txBody>
+          <a:bodyPr wrap="none" rtlCol="0">
+            <a:spAutoFit/>
+          </a:bodyPr>
+          <a:lstStyle/>
+          <a:p>
+            <a:r>
+              <a:rPr lang="en-CA" dirty="0" err="1" smtClean="0"/>
+              <a:t>fam</a:t>
+            </a:r>
+            <a:endParaRPr lang="en-CA" dirty="0"/>
+          </a:p>
+        </p:txBody>
+      </p:sp>
+      <p:sp>
+        <p:nvSpPr>
+          <p:cNvPr id="17" name="TextBox 16"/>
+          <p:cNvSpPr txBox="1"/>
+          <p:nvPr/>
+        </p:nvSpPr>
+        <p:spPr>
+          <a:xfrm>
+            <a:off x="3619351" y="2876034"/>
+            <a:ext cx="792630" cy="369332"/>
+          </a:xfrm>
+          <a:prstGeom prst="rect">
+            <a:avLst/>
+          </a:prstGeom>
+          <a:noFill/>
+        </p:spPr>
+        <p:txBody>
+          <a:bodyPr wrap="none" rtlCol="0">
+            <a:spAutoFit/>
+          </a:bodyPr>
+          <a:lstStyle/>
+          <a:p>
+            <a:r>
+              <a:rPr lang="en-CA" dirty="0" err="1" smtClean="0"/>
+              <a:t>unfam</a:t>
+            </a:r>
+            <a:endParaRPr lang="en-CA" dirty="0"/>
+          </a:p>
+        </p:txBody>
+      </p:sp>
+      <p:sp>
+        <p:nvSpPr>
+          <p:cNvPr id="19" name="Left Bracket 18"/>
+          <p:cNvSpPr/>
+          <p:nvPr/>
+        </p:nvSpPr>
+        <p:spPr>
+          <a:xfrm rot="16200000">
+            <a:off x="5353420" y="3644792"/>
+            <a:ext cx="347968" cy="1671841"/>
+          </a:xfrm>
+          <a:prstGeom prst="leftBracket">
+            <a:avLst/>
+          </a:prstGeom>
+          <a:ln w="38100">
+            <a:solidFill>
+              <a:schemeClr val="tx1"/>
+            </a:solidFill>
+          </a:ln>
+          <a:effectLst/>
+        </p:spPr>
+        <p:style>
+          <a:lnRef idx="2">
+            <a:schemeClr val="accent1"/>
+          </a:lnRef>
+          <a:fillRef idx="0">
+            <a:schemeClr val="accent1"/>
+          </a:fillRef>
+          <a:effectRef idx="1">
+            <a:schemeClr val="accent1"/>
+          </a:effectRef>
+          <a:fontRef idx="minor">
+            <a:schemeClr val="tx1"/>
+          </a:fontRef>
+        </p:style>
+        <p:txBody>
+          <a:bodyPr rtlCol="0" anchor="ctr"/>
+          <a:lstStyle/>
+          <a:p>
+            <a:pPr algn="ctr"/>
+            <a:endParaRPr lang="en-CA" dirty="0"/>
+          </a:p>
+        </p:txBody>
+      </p:sp>
+      <p:sp>
+        <p:nvSpPr>
+          <p:cNvPr id="20" name="Left Bracket 19"/>
+          <p:cNvSpPr/>
+          <p:nvPr/>
+        </p:nvSpPr>
+        <p:spPr>
+          <a:xfrm rot="16200000">
+            <a:off x="7025262" y="3644792"/>
+            <a:ext cx="347968" cy="1671841"/>
+          </a:xfrm>
+          <a:prstGeom prst="leftBracket">
+            <a:avLst/>
+          </a:prstGeom>
+          <a:ln w="38100">
+            <a:solidFill>
+              <a:schemeClr val="tx1"/>
+            </a:solidFill>
+          </a:ln>
+          <a:effectLst/>
+        </p:spPr>
+        <p:style>
+          <a:lnRef idx="2">
+            <a:schemeClr val="accent1"/>
+          </a:lnRef>
+          <a:fillRef idx="0">
+            <a:schemeClr val="accent1"/>
+          </a:fillRef>
+          <a:effectRef idx="1">
+            <a:schemeClr val="accent1"/>
+          </a:effectRef>
+          <a:fontRef idx="minor">
+            <a:schemeClr val="tx1"/>
+          </a:fontRef>
+        </p:style>
+        <p:txBody>
+          <a:bodyPr rtlCol="0" anchor="ctr"/>
+          <a:lstStyle/>
+          <a:p>
+            <a:pPr algn="ctr"/>
+            <a:endParaRPr lang="en-CA" dirty="0"/>
+          </a:p>
+        </p:txBody>
+      </p:sp>
+      <p:sp>
+        <p:nvSpPr>
+          <p:cNvPr id="21" name="Left Bracket 20"/>
+          <p:cNvSpPr/>
+          <p:nvPr/>
+        </p:nvSpPr>
+        <p:spPr>
+          <a:xfrm rot="16200000">
+            <a:off x="5032511" y="3561636"/>
+            <a:ext cx="149230" cy="733148"/>
+          </a:xfrm>
+          <a:prstGeom prst="leftBracket">
+            <a:avLst/>
+          </a:prstGeom>
+          <a:ln w="38100">
+            <a:solidFill>
+              <a:schemeClr val="tx1"/>
+            </a:solidFill>
+          </a:ln>
+          <a:effectLst/>
+        </p:spPr>
+        <p:style>
+          <a:lnRef idx="2">
+            <a:schemeClr val="accent1"/>
+          </a:lnRef>
+          <a:fillRef idx="0">
+            <a:schemeClr val="accent1"/>
+          </a:fillRef>
+          <a:effectRef idx="1">
+            <a:schemeClr val="accent1"/>
+          </a:effectRef>
+          <a:fontRef idx="minor">
+            <a:schemeClr val="tx1"/>
+          </a:fontRef>
+        </p:style>
+        <p:txBody>
+          <a:bodyPr rtlCol="0" anchor="ctr"/>
+          <a:lstStyle/>
+          <a:p>
+            <a:pPr algn="ctr"/>
+            <a:endParaRPr lang="en-CA" dirty="0"/>
+          </a:p>
+        </p:txBody>
+      </p:sp>
+      <p:sp>
+        <p:nvSpPr>
+          <p:cNvPr id="22" name="Left Bracket 21"/>
+          <p:cNvSpPr/>
+          <p:nvPr/>
+        </p:nvSpPr>
+        <p:spPr>
+          <a:xfrm rot="16200000">
+            <a:off x="5858011" y="3561636"/>
+            <a:ext cx="149230" cy="733148"/>
+          </a:xfrm>
+          <a:prstGeom prst="leftBracket">
+            <a:avLst/>
+          </a:prstGeom>
+          <a:ln w="38100">
+            <a:solidFill>
+              <a:schemeClr val="tx1"/>
+            </a:solidFill>
+          </a:ln>
+          <a:effectLst/>
+        </p:spPr>
+        <p:style>
+          <a:lnRef idx="2">
+            <a:schemeClr val="accent1"/>
+          </a:lnRef>
+          <a:fillRef idx="0">
+            <a:schemeClr val="accent1"/>
+          </a:fillRef>
+          <a:effectRef idx="1">
+            <a:schemeClr val="accent1"/>
+          </a:effectRef>
+          <a:fontRef idx="minor">
+            <a:schemeClr val="tx1"/>
+          </a:fontRef>
+        </p:style>
+        <p:txBody>
+          <a:bodyPr rtlCol="0" anchor="ctr"/>
+          <a:lstStyle/>
+          <a:p>
+            <a:pPr algn="ctr"/>
+            <a:endParaRPr lang="en-CA" dirty="0"/>
+          </a:p>
+        </p:txBody>
+      </p:sp>
+      <p:sp>
+        <p:nvSpPr>
+          <p:cNvPr id="23" name="Left Bracket 22"/>
+          <p:cNvSpPr/>
+          <p:nvPr/>
+        </p:nvSpPr>
+        <p:spPr>
+          <a:xfrm rot="16200000">
+            <a:off x="6655284" y="3561635"/>
+            <a:ext cx="149230" cy="733148"/>
+          </a:xfrm>
+          <a:prstGeom prst="leftBracket">
+            <a:avLst/>
+          </a:prstGeom>
+          <a:ln w="38100">
+            <a:solidFill>
+              <a:schemeClr val="tx1"/>
+            </a:solidFill>
+          </a:ln>
+          <a:effectLst/>
+        </p:spPr>
+        <p:style>
+          <a:lnRef idx="2">
+            <a:schemeClr val="accent1"/>
+          </a:lnRef>
+          <a:fillRef idx="0">
+            <a:schemeClr val="accent1"/>
+          </a:fillRef>
+          <a:effectRef idx="1">
+            <a:schemeClr val="accent1"/>
+          </a:effectRef>
+          <a:fontRef idx="minor">
+            <a:schemeClr val="tx1"/>
+          </a:fontRef>
+        </p:style>
+        <p:txBody>
+          <a:bodyPr rtlCol="0" anchor="ctr"/>
+          <a:lstStyle/>
+          <a:p>
+            <a:pPr algn="ctr"/>
+            <a:endParaRPr lang="en-CA" dirty="0"/>
+          </a:p>
+        </p:txBody>
+      </p:sp>
+      <p:sp>
+        <p:nvSpPr>
+          <p:cNvPr id="24" name="Left Bracket 23"/>
+          <p:cNvSpPr/>
+          <p:nvPr/>
+        </p:nvSpPr>
+        <p:spPr>
+          <a:xfrm rot="16200000">
+            <a:off x="7489961" y="3564805"/>
+            <a:ext cx="149230" cy="733148"/>
+          </a:xfrm>
+          <a:prstGeom prst="leftBracket">
+            <a:avLst/>
+          </a:prstGeom>
+          <a:ln w="38100">
+            <a:solidFill>
+              <a:schemeClr val="tx1"/>
+            </a:solidFill>
+          </a:ln>
+          <a:effectLst/>
+        </p:spPr>
+        <p:style>
+          <a:lnRef idx="2">
+            <a:schemeClr val="accent1"/>
+          </a:lnRef>
+          <a:fillRef idx="0">
+            <a:schemeClr val="accent1"/>
+          </a:fillRef>
+          <a:effectRef idx="1">
+            <a:schemeClr val="accent1"/>
+          </a:effectRef>
+          <a:fontRef idx="minor">
+            <a:schemeClr val="tx1"/>
+          </a:fontRef>
+        </p:style>
+        <p:txBody>
+          <a:bodyPr rtlCol="0" anchor="ctr"/>
+          <a:lstStyle/>
+          <a:p>
+            <a:pPr algn="ctr"/>
+            <a:endParaRPr lang="en-CA" dirty="0"/>
+          </a:p>
+        </p:txBody>
+      </p:sp>
+      <p:sp>
+        <p:nvSpPr>
+          <p:cNvPr id="25" name="TextBox 24"/>
+          <p:cNvSpPr txBox="1"/>
+          <p:nvPr/>
+        </p:nvSpPr>
+        <p:spPr>
+          <a:xfrm>
+            <a:off x="4806950" y="3922892"/>
+            <a:ext cx="550075" cy="369332"/>
+          </a:xfrm>
+          <a:prstGeom prst="rect">
+            <a:avLst/>
+          </a:prstGeom>
+          <a:noFill/>
+        </p:spPr>
+        <p:txBody>
+          <a:bodyPr wrap="none" rtlCol="0">
+            <a:spAutoFit/>
+          </a:bodyPr>
+          <a:lstStyle/>
+          <a:p>
+            <a:r>
+              <a:rPr lang="en-CA" dirty="0" err="1" smtClean="0"/>
+              <a:t>fam</a:t>
+            </a:r>
+            <a:endParaRPr lang="en-CA" dirty="0"/>
+          </a:p>
+        </p:txBody>
+      </p:sp>
+      <p:sp>
+        <p:nvSpPr>
+          <p:cNvPr id="26" name="TextBox 25"/>
+          <p:cNvSpPr txBox="1"/>
+          <p:nvPr/>
+        </p:nvSpPr>
+        <p:spPr>
+          <a:xfrm>
+            <a:off x="5564345" y="3911996"/>
+            <a:ext cx="792630" cy="369332"/>
+          </a:xfrm>
+          <a:prstGeom prst="rect">
+            <a:avLst/>
+          </a:prstGeom>
+          <a:noFill/>
+        </p:spPr>
+        <p:txBody>
+          <a:bodyPr wrap="none" rtlCol="0">
+            <a:spAutoFit/>
+          </a:bodyPr>
+          <a:lstStyle/>
+          <a:p>
+            <a:r>
+              <a:rPr lang="en-CA" dirty="0" err="1" smtClean="0"/>
+              <a:t>unfam</a:t>
+            </a:r>
+            <a:endParaRPr lang="en-CA" dirty="0"/>
+          </a:p>
+        </p:txBody>
+      </p:sp>
+      <p:sp>
+        <p:nvSpPr>
+          <p:cNvPr id="27" name="TextBox 26"/>
+          <p:cNvSpPr txBox="1"/>
+          <p:nvPr/>
+        </p:nvSpPr>
+        <p:spPr>
+          <a:xfrm>
+            <a:off x="6440607" y="3926406"/>
+            <a:ext cx="550075" cy="369332"/>
+          </a:xfrm>
+          <a:prstGeom prst="rect">
+            <a:avLst/>
+          </a:prstGeom>
+          <a:noFill/>
+        </p:spPr>
+        <p:txBody>
+          <a:bodyPr wrap="none" rtlCol="0">
+            <a:spAutoFit/>
+          </a:bodyPr>
+          <a:lstStyle/>
+          <a:p>
+            <a:r>
+              <a:rPr lang="en-CA" dirty="0" err="1" smtClean="0"/>
+              <a:t>fam</a:t>
+            </a:r>
+            <a:endParaRPr lang="en-CA" dirty="0"/>
+          </a:p>
+        </p:txBody>
+      </p:sp>
+      <p:sp>
+        <p:nvSpPr>
+          <p:cNvPr id="28" name="TextBox 27"/>
+          <p:cNvSpPr txBox="1"/>
+          <p:nvPr/>
+        </p:nvSpPr>
+        <p:spPr>
+          <a:xfrm>
+            <a:off x="7198002" y="3915510"/>
+            <a:ext cx="792630" cy="369332"/>
+          </a:xfrm>
+          <a:prstGeom prst="rect">
+            <a:avLst/>
+          </a:prstGeom>
+          <a:noFill/>
+        </p:spPr>
+        <p:txBody>
+          <a:bodyPr wrap="none" rtlCol="0">
+            <a:spAutoFit/>
+          </a:bodyPr>
+          <a:lstStyle/>
+          <a:p>
+            <a:r>
+              <a:rPr lang="en-CA" dirty="0" err="1" smtClean="0"/>
+              <a:t>unfam</a:t>
+            </a:r>
+            <a:endParaRPr lang="en-CA" dirty="0"/>
+          </a:p>
+        </p:txBody>
+      </p:sp>
+      <p:sp>
+        <p:nvSpPr>
+          <p:cNvPr id="29" name="TextBox 28"/>
+          <p:cNvSpPr txBox="1"/>
+          <p:nvPr/>
+        </p:nvSpPr>
+        <p:spPr>
+          <a:xfrm>
+            <a:off x="5038694" y="4629297"/>
+            <a:ext cx="1051302" cy="369332"/>
+          </a:xfrm>
+          <a:prstGeom prst="rect">
+            <a:avLst/>
+          </a:prstGeom>
+          <a:noFill/>
+        </p:spPr>
+        <p:txBody>
+          <a:bodyPr wrap="none" rtlCol="0">
+            <a:spAutoFit/>
+          </a:bodyPr>
+          <a:lstStyle/>
+          <a:p>
+            <a:r>
+              <a:rPr lang="en-CA" dirty="0" smtClean="0"/>
+              <a:t>Session 1</a:t>
+            </a:r>
+            <a:endParaRPr lang="en-CA" dirty="0"/>
+          </a:p>
+        </p:txBody>
+      </p:sp>
+      <p:sp>
+        <p:nvSpPr>
+          <p:cNvPr id="30" name="TextBox 29"/>
+          <p:cNvSpPr txBox="1"/>
+          <p:nvPr/>
+        </p:nvSpPr>
+        <p:spPr>
+          <a:xfrm>
+            <a:off x="6672351" y="4648347"/>
+            <a:ext cx="1051302" cy="369332"/>
+          </a:xfrm>
+          <a:prstGeom prst="rect">
+            <a:avLst/>
+          </a:prstGeom>
+          <a:noFill/>
+        </p:spPr>
+        <p:txBody>
+          <a:bodyPr wrap="none" rtlCol="0">
+            <a:spAutoFit/>
+          </a:bodyPr>
+          <a:lstStyle/>
+          <a:p>
+            <a:r>
+              <a:rPr lang="en-CA" dirty="0" smtClean="0"/>
+              <a:t>Session 2</a:t>
+            </a:r>
+            <a:endParaRPr lang="en-CA" dirty="0"/>
+          </a:p>
+        </p:txBody>
+      </p:sp>
+      <p:sp>
+        <p:nvSpPr>
+          <p:cNvPr id="31" name="TextBox 30"/>
+          <p:cNvSpPr txBox="1"/>
+          <p:nvPr/>
+        </p:nvSpPr>
+        <p:spPr>
+          <a:xfrm>
+            <a:off x="4569074" y="5062813"/>
+            <a:ext cx="4457086" cy="1754327"/>
+          </a:xfrm>
+          <a:prstGeom prst="rect">
+            <a:avLst/>
+          </a:prstGeom>
+          <a:noFill/>
+        </p:spPr>
+        <p:txBody>
+          <a:bodyPr wrap="square" rtlCol="0">
+            <a:spAutoFit/>
+          </a:bodyPr>
+          <a:lstStyle/>
+          <a:p>
+            <a:r>
+              <a:rPr lang="en-CA" dirty="0" smtClean="0"/>
+              <a:t>Most dissimilar across sessions</a:t>
+            </a:r>
+          </a:p>
+          <a:p>
+            <a:r>
+              <a:rPr lang="en-CA" dirty="0" err="1" smtClean="0"/>
+              <a:t>Fam-unfam</a:t>
+            </a:r>
+            <a:r>
+              <a:rPr lang="en-CA" dirty="0" smtClean="0"/>
+              <a:t> comparisons are more dissimilar than </a:t>
+            </a:r>
+            <a:r>
+              <a:rPr lang="en-CA" dirty="0" err="1" smtClean="0"/>
+              <a:t>fam-fam</a:t>
+            </a:r>
+            <a:r>
+              <a:rPr lang="en-CA" dirty="0" smtClean="0"/>
+              <a:t> or </a:t>
+            </a:r>
+            <a:r>
+              <a:rPr lang="en-CA" dirty="0" err="1" smtClean="0"/>
+              <a:t>unfam-unfam</a:t>
+            </a:r>
+            <a:endParaRPr lang="en-CA" dirty="0" smtClean="0"/>
+          </a:p>
+          <a:p>
+            <a:endParaRPr lang="en-CA" dirty="0"/>
+          </a:p>
+          <a:p>
+            <a:r>
+              <a:rPr lang="en-CA" dirty="0" smtClean="0"/>
+              <a:t>Whole brain is significant because individual searchlights return whole brain</a:t>
+            </a:r>
+            <a:r>
+              <a:rPr lang="mr-IN" dirty="0" smtClean="0"/>
+              <a:t>…</a:t>
+            </a:r>
+            <a:endParaRPr lang="en-CA" dirty="0"/>
+          </a:p>
+        </p:txBody>
+      </p:sp>
       <p:pic>
         <p:nvPicPr>
-          <p:cNvPr id="6" name="Picture 5" descr="Screen Shot 2019-02-13 at 11.48.46 AM.png"/>
+          <p:cNvPr id="13" name="Picture 12" descr="Screen Shot 2019-02-20 at 11.59.15 AM.png"/>
           <p:cNvPicPr>
             <a:picLocks noChangeAspect="1"/>
           </p:cNvPicPr>
@@ -4281,8 +5263,8 @@
         </p:blipFill>
         <p:spPr>
           <a:xfrm>
-            <a:off x="0" y="3175000"/>
-            <a:ext cx="4788155" cy="3568700"/>
+            <a:off x="1" y="3588753"/>
+            <a:ext cx="4361754" cy="3269246"/>
           </a:xfrm>
           <a:prstGeom prst="rect">
             <a:avLst/>
@@ -4291,314 +5273,212 @@
       </p:pic>
       <p:sp>
         <p:nvSpPr>
-          <p:cNvPr id="2" name="TextBox 1"/>
-          <p:cNvSpPr txBox="1"/>
-          <p:nvPr/>
-        </p:nvSpPr>
-        <p:spPr>
-          <a:xfrm rot="3679062">
-            <a:off x="5105400" y="3267625"/>
-            <a:ext cx="1031239" cy="369332"/>
+          <p:cNvPr id="18" name="Rectangle 17"/>
+          <p:cNvSpPr/>
+          <p:nvPr/>
+        </p:nvSpPr>
+        <p:spPr>
+          <a:xfrm>
+            <a:off x="6325140" y="1990293"/>
+            <a:ext cx="872862" cy="747654"/>
           </a:xfrm>
           <a:prstGeom prst="rect">
             <a:avLst/>
           </a:prstGeom>
           <a:noFill/>
-        </p:spPr>
-        <p:txBody>
-          <a:bodyPr wrap="none" rtlCol="0">
-            <a:spAutoFit/>
-          </a:bodyPr>
-          <a:lstStyle/>
-          <a:p>
-            <a:r>
-              <a:rPr lang="en-CA" dirty="0" smtClean="0"/>
-              <a:t>A </a:t>
-            </a:r>
-            <a:r>
-              <a:rPr lang="en-CA" dirty="0" err="1" smtClean="0"/>
-              <a:t>capella</a:t>
-            </a:r>
-            <a:endParaRPr lang="en-CA" dirty="0"/>
-          </a:p>
-        </p:txBody>
-      </p:sp>
-      <p:sp>
-        <p:nvSpPr>
-          <p:cNvPr id="7" name="TextBox 6"/>
-          <p:cNvSpPr txBox="1"/>
-          <p:nvPr/>
-        </p:nvSpPr>
-        <p:spPr>
-          <a:xfrm rot="3679062">
-            <a:off x="5703971" y="3424845"/>
-            <a:ext cx="1389661" cy="369332"/>
+          <a:ln w="44450">
+            <a:solidFill>
+              <a:srgbClr val="FF0000"/>
+            </a:solidFill>
+          </a:ln>
+          <a:effectLst/>
+        </p:spPr>
+        <p:style>
+          <a:lnRef idx="1">
+            <a:schemeClr val="accent1"/>
+          </a:lnRef>
+          <a:fillRef idx="3">
+            <a:schemeClr val="accent1"/>
+          </a:fillRef>
+          <a:effectRef idx="2">
+            <a:schemeClr val="accent1"/>
+          </a:effectRef>
+          <a:fontRef idx="minor">
+            <a:schemeClr val="lt1"/>
+          </a:fontRef>
+        </p:style>
+        <p:txBody>
+          <a:bodyPr rtlCol="0" anchor="ctr"/>
+          <a:lstStyle/>
+          <a:p>
+            <a:pPr algn="ctr"/>
+            <a:endParaRPr lang="en-CA" dirty="0" smtClean="0"/>
+          </a:p>
+          <a:p>
+            <a:pPr algn="ctr"/>
+            <a:endParaRPr lang="en-CA" dirty="0" smtClean="0"/>
+          </a:p>
+          <a:p>
+            <a:pPr algn="ctr"/>
+            <a:endParaRPr lang="en-CA" dirty="0"/>
+          </a:p>
+        </p:txBody>
+      </p:sp>
+      <p:sp>
+        <p:nvSpPr>
+          <p:cNvPr id="32" name="Rectangle 31"/>
+          <p:cNvSpPr/>
+          <p:nvPr/>
+        </p:nvSpPr>
+        <p:spPr>
+          <a:xfrm>
+            <a:off x="4675885" y="462559"/>
+            <a:ext cx="872862" cy="747654"/>
           </a:xfrm>
           <a:prstGeom prst="rect">
             <a:avLst/>
           </a:prstGeom>
           <a:noFill/>
-        </p:spPr>
-        <p:txBody>
-          <a:bodyPr wrap="none" rtlCol="0">
-            <a:spAutoFit/>
-          </a:bodyPr>
-          <a:lstStyle/>
-          <a:p>
-            <a:r>
-              <a:rPr lang="en-CA" dirty="0" smtClean="0"/>
-              <a:t>instrumental</a:t>
-            </a:r>
-            <a:endParaRPr lang="en-CA" dirty="0"/>
-          </a:p>
-        </p:txBody>
-      </p:sp>
-      <p:sp>
-        <p:nvSpPr>
-          <p:cNvPr id="8" name="TextBox 7"/>
-          <p:cNvSpPr txBox="1"/>
-          <p:nvPr/>
-        </p:nvSpPr>
-        <p:spPr>
-          <a:xfrm rot="3679062">
-            <a:off x="6575811" y="3267626"/>
-            <a:ext cx="859017" cy="369332"/>
+          <a:ln w="44450">
+            <a:solidFill>
+              <a:srgbClr val="FF0000"/>
+            </a:solidFill>
+          </a:ln>
+          <a:effectLst/>
+        </p:spPr>
+        <p:style>
+          <a:lnRef idx="1">
+            <a:schemeClr val="accent1"/>
+          </a:lnRef>
+          <a:fillRef idx="3">
+            <a:schemeClr val="accent1"/>
+          </a:fillRef>
+          <a:effectRef idx="2">
+            <a:schemeClr val="accent1"/>
+          </a:effectRef>
+          <a:fontRef idx="minor">
+            <a:schemeClr val="lt1"/>
+          </a:fontRef>
+        </p:style>
+        <p:txBody>
+          <a:bodyPr rtlCol="0" anchor="ctr"/>
+          <a:lstStyle/>
+          <a:p>
+            <a:pPr algn="ctr"/>
+            <a:endParaRPr lang="en-CA" dirty="0" smtClean="0"/>
+          </a:p>
+          <a:p>
+            <a:pPr algn="ctr"/>
+            <a:endParaRPr lang="en-CA" dirty="0" smtClean="0"/>
+          </a:p>
+          <a:p>
+            <a:pPr algn="ctr"/>
+            <a:endParaRPr lang="en-CA" dirty="0"/>
+          </a:p>
+        </p:txBody>
+      </p:sp>
+      <p:sp>
+        <p:nvSpPr>
+          <p:cNvPr id="33" name="Rectangle 32"/>
+          <p:cNvSpPr/>
+          <p:nvPr/>
+        </p:nvSpPr>
+        <p:spPr>
+          <a:xfrm>
+            <a:off x="5484113" y="1242639"/>
+            <a:ext cx="872862" cy="747654"/>
           </a:xfrm>
           <a:prstGeom prst="rect">
             <a:avLst/>
           </a:prstGeom>
           <a:noFill/>
-        </p:spPr>
-        <p:txBody>
-          <a:bodyPr wrap="none" rtlCol="0">
-            <a:spAutoFit/>
-          </a:bodyPr>
-          <a:lstStyle/>
-          <a:p>
-            <a:r>
-              <a:rPr lang="en-CA" dirty="0" smtClean="0"/>
-              <a:t>spoken</a:t>
-            </a:r>
-            <a:endParaRPr lang="en-CA" dirty="0"/>
-          </a:p>
-        </p:txBody>
-      </p:sp>
-      <p:sp>
-        <p:nvSpPr>
-          <p:cNvPr id="9" name="TextBox 8"/>
-          <p:cNvSpPr txBox="1"/>
-          <p:nvPr/>
-        </p:nvSpPr>
-        <p:spPr>
-          <a:xfrm rot="3679062">
-            <a:off x="7402697" y="3343169"/>
-            <a:ext cx="760507" cy="369332"/>
+          <a:ln w="44450">
+            <a:solidFill>
+              <a:schemeClr val="accent5"/>
+            </a:solidFill>
+          </a:ln>
+          <a:effectLst/>
+        </p:spPr>
+        <p:style>
+          <a:lnRef idx="1">
+            <a:schemeClr val="accent1"/>
+          </a:lnRef>
+          <a:fillRef idx="3">
+            <a:schemeClr val="accent1"/>
+          </a:fillRef>
+          <a:effectRef idx="2">
+            <a:schemeClr val="accent1"/>
+          </a:effectRef>
+          <a:fontRef idx="minor">
+            <a:schemeClr val="lt1"/>
+          </a:fontRef>
+        </p:style>
+        <p:txBody>
+          <a:bodyPr rtlCol="0" anchor="ctr"/>
+          <a:lstStyle/>
+          <a:p>
+            <a:pPr algn="ctr"/>
+            <a:endParaRPr lang="en-CA" dirty="0" smtClean="0"/>
+          </a:p>
+          <a:p>
+            <a:pPr algn="ctr"/>
+            <a:endParaRPr lang="en-CA" dirty="0" smtClean="0"/>
+          </a:p>
+          <a:p>
+            <a:pPr algn="ctr"/>
+            <a:endParaRPr lang="en-CA" dirty="0"/>
+          </a:p>
+        </p:txBody>
+      </p:sp>
+      <p:sp>
+        <p:nvSpPr>
+          <p:cNvPr id="34" name="Rectangle 33"/>
+          <p:cNvSpPr/>
+          <p:nvPr/>
+        </p:nvSpPr>
+        <p:spPr>
+          <a:xfrm>
+            <a:off x="7162305" y="2779262"/>
+            <a:ext cx="872862" cy="747654"/>
           </a:xfrm>
           <a:prstGeom prst="rect">
             <a:avLst/>
           </a:prstGeom>
           <a:noFill/>
-        </p:spPr>
-        <p:txBody>
-          <a:bodyPr wrap="none" rtlCol="0">
-            <a:spAutoFit/>
-          </a:bodyPr>
-          <a:lstStyle/>
-          <a:p>
-            <a:r>
-              <a:rPr lang="en-CA" dirty="0" smtClean="0"/>
-              <a:t>whole</a:t>
-            </a:r>
-            <a:endParaRPr lang="en-CA" dirty="0"/>
-          </a:p>
-        </p:txBody>
-      </p:sp>
-      <p:sp>
-        <p:nvSpPr>
-          <p:cNvPr id="3" name="TextBox 2"/>
-          <p:cNvSpPr txBox="1"/>
-          <p:nvPr/>
-        </p:nvSpPr>
-        <p:spPr>
-          <a:xfrm>
-            <a:off x="5029556" y="4307713"/>
-            <a:ext cx="4010646" cy="1477328"/>
-          </a:xfrm>
-          <a:prstGeom prst="rect">
-            <a:avLst/>
-          </a:prstGeom>
-          <a:noFill/>
-        </p:spPr>
-        <p:txBody>
-          <a:bodyPr wrap="none" rtlCol="0">
-            <a:spAutoFit/>
-          </a:bodyPr>
-          <a:lstStyle/>
-          <a:p>
-            <a:r>
-              <a:rPr lang="en-CA" dirty="0" smtClean="0"/>
-              <a:t>spoken</a:t>
-            </a:r>
-            <a:r>
-              <a:rPr lang="mr-IN" dirty="0" smtClean="0"/>
-              <a:t>–</a:t>
-            </a:r>
-            <a:r>
-              <a:rPr lang="en-CA" dirty="0" smtClean="0"/>
-              <a:t> instrumental: most dissimilar</a:t>
-            </a:r>
-          </a:p>
-          <a:p>
-            <a:r>
-              <a:rPr lang="en-CA" dirty="0" err="1" smtClean="0"/>
-              <a:t>Acapella</a:t>
-            </a:r>
-            <a:r>
-              <a:rPr lang="en-CA" dirty="0"/>
-              <a:t>-</a:t>
-            </a:r>
-            <a:r>
-              <a:rPr lang="en-CA" dirty="0" smtClean="0"/>
-              <a:t>instrumental: next most </a:t>
-            </a:r>
-            <a:r>
-              <a:rPr lang="en-CA" dirty="0" err="1" smtClean="0"/>
-              <a:t>dissim</a:t>
-            </a:r>
-            <a:r>
-              <a:rPr lang="en-CA" dirty="0" smtClean="0"/>
-              <a:t>.</a:t>
-            </a:r>
-          </a:p>
-          <a:p>
-            <a:endParaRPr lang="en-CA" dirty="0"/>
-          </a:p>
-          <a:p>
+          <a:ln w="44450">
+            <a:solidFill>
+              <a:schemeClr val="accent5"/>
+            </a:solidFill>
+          </a:ln>
+          <a:effectLst/>
+        </p:spPr>
+        <p:style>
+          <a:lnRef idx="1">
+            <a:schemeClr val="accent1"/>
+          </a:lnRef>
+          <a:fillRef idx="3">
+            <a:schemeClr val="accent1"/>
+          </a:fillRef>
+          <a:effectRef idx="2">
+            <a:schemeClr val="accent1"/>
+          </a:effectRef>
+          <a:fontRef idx="minor">
+            <a:schemeClr val="lt1"/>
+          </a:fontRef>
+        </p:style>
+        <p:txBody>
+          <a:bodyPr rtlCol="0" anchor="ctr"/>
+          <a:lstStyle/>
+          <a:p>
+            <a:pPr algn="ctr"/>
             <a:endParaRPr lang="en-CA" dirty="0" smtClean="0"/>
           </a:p>
           <a:p>
-            <a:r>
-              <a:rPr lang="en-CA" dirty="0" smtClean="0"/>
-              <a:t>??</a:t>
-            </a:r>
-          </a:p>
-        </p:txBody>
-      </p:sp>
-      <p:sp>
-        <p:nvSpPr>
-          <p:cNvPr id="10" name="TextBox 9"/>
-          <p:cNvSpPr txBox="1"/>
-          <p:nvPr/>
-        </p:nvSpPr>
-        <p:spPr>
-          <a:xfrm>
-            <a:off x="4622427" y="615434"/>
-            <a:ext cx="318229" cy="369332"/>
-          </a:xfrm>
-          <a:prstGeom prst="rect">
-            <a:avLst/>
-          </a:prstGeom>
-          <a:noFill/>
-        </p:spPr>
-        <p:txBody>
-          <a:bodyPr wrap="none" rtlCol="0">
-            <a:spAutoFit/>
-          </a:bodyPr>
-          <a:lstStyle/>
-          <a:p>
-            <a:r>
-              <a:rPr lang="en-CA" dirty="0" smtClean="0"/>
-              <a:t>A</a:t>
-            </a:r>
-          </a:p>
-        </p:txBody>
-      </p:sp>
-      <p:sp>
-        <p:nvSpPr>
-          <p:cNvPr id="11" name="TextBox 10"/>
-          <p:cNvSpPr txBox="1"/>
-          <p:nvPr/>
-        </p:nvSpPr>
-        <p:spPr>
-          <a:xfrm>
-            <a:off x="4666742" y="1339334"/>
-            <a:ext cx="242825" cy="369332"/>
-          </a:xfrm>
-          <a:prstGeom prst="rect">
-            <a:avLst/>
-          </a:prstGeom>
-          <a:noFill/>
-        </p:spPr>
-        <p:txBody>
-          <a:bodyPr wrap="none" rtlCol="0">
-            <a:spAutoFit/>
-          </a:bodyPr>
-          <a:lstStyle/>
-          <a:p>
-            <a:r>
-              <a:rPr lang="en-CA" dirty="0" smtClean="0"/>
-              <a:t>I</a:t>
-            </a:r>
-            <a:endParaRPr lang="en-CA" dirty="0"/>
-          </a:p>
-        </p:txBody>
-      </p:sp>
-      <p:sp>
-        <p:nvSpPr>
-          <p:cNvPr id="12" name="TextBox 11"/>
-          <p:cNvSpPr txBox="1"/>
-          <p:nvPr/>
-        </p:nvSpPr>
-        <p:spPr>
-          <a:xfrm>
-            <a:off x="4666742" y="1999734"/>
-            <a:ext cx="290727" cy="369332"/>
-          </a:xfrm>
-          <a:prstGeom prst="rect">
-            <a:avLst/>
-          </a:prstGeom>
-          <a:noFill/>
-        </p:spPr>
-        <p:txBody>
-          <a:bodyPr wrap="none" rtlCol="0">
-            <a:spAutoFit/>
-          </a:bodyPr>
-          <a:lstStyle/>
-          <a:p>
-            <a:r>
-              <a:rPr lang="en-CA" dirty="0" smtClean="0"/>
-              <a:t>S</a:t>
-            </a:r>
-            <a:endParaRPr lang="en-CA" dirty="0"/>
-          </a:p>
-        </p:txBody>
-      </p:sp>
-      <p:sp>
-        <p:nvSpPr>
-          <p:cNvPr id="13" name="TextBox 12"/>
-          <p:cNvSpPr txBox="1"/>
-          <p:nvPr/>
-        </p:nvSpPr>
-        <p:spPr>
-          <a:xfrm>
-            <a:off x="4598011" y="2726643"/>
-            <a:ext cx="390026" cy="369332"/>
-          </a:xfrm>
-          <a:prstGeom prst="rect">
-            <a:avLst/>
-          </a:prstGeom>
-          <a:noFill/>
-        </p:spPr>
-        <p:txBody>
-          <a:bodyPr wrap="none" rtlCol="0">
-            <a:spAutoFit/>
-          </a:bodyPr>
-          <a:lstStyle/>
-          <a:p>
-            <a:r>
-              <a:rPr lang="en-CA" dirty="0" smtClean="0"/>
-              <a:t>W</a:t>
-            </a:r>
+            <a:pPr algn="ctr"/>
+            <a:endParaRPr lang="en-CA" dirty="0" smtClean="0"/>
+          </a:p>
+          <a:p>
+            <a:pPr algn="ctr"/>
             <a:endParaRPr lang="en-CA" dirty="0"/>
           </a:p>
         </p:txBody>
@@ -4606,25 +5486,17 @@
     </p:spTree>
     <p:extLst>
       <p:ext uri="{BB962C8B-B14F-4D97-AF65-F5344CB8AC3E}">
-        <p14:creationId xmlns:p14="http://schemas.microsoft.com/office/powerpoint/2010/main" val="872039428"/>
+        <p14:creationId xmlns:p14="http://schemas.microsoft.com/office/powerpoint/2010/main" val="1589415185"/>
       </p:ext>
     </p:extLst>
   </p:cSld>
   <p:clrMapOvr>
     <a:masterClrMapping/>
   </p:clrMapOvr>
-  <mc:AlternateContent xmlns:mc="http://schemas.openxmlformats.org/markup-compatibility/2006">
-    <mc:Choice xmlns:p14="http://schemas.microsoft.com/office/powerpoint/2010/main" Requires="p14">
-      <p:transition spd="slow" p14:dur="2000"/>
-    </mc:Choice>
-    <mc:Fallback>
-      <p:transition xmlns:p14="http://schemas.microsoft.com/office/powerpoint/2010/main" spd="slow"/>
-    </mc:Fallback>
-  </mc:AlternateContent>
   <p:timing>
     <p:tnLst>
       <p:par>
-        <p:cTn xmlns:p14="http://schemas.microsoft.com/office/powerpoint/2010/main" id="1" dur="indefinite" restart="never" nodeType="tmRoot"/>
+        <p:cTn id="1" dur="indefinite" restart="never" nodeType="tmRoot"/>
       </p:par>
     </p:tnLst>
   </p:timing>
@@ -4656,7 +5528,7 @@
         </p:nvSpPr>
         <p:spPr>
           <a:xfrm>
-            <a:off x="838200" y="381000"/>
+            <a:off x="965200" y="800100"/>
             <a:ext cx="1051302" cy="369332"/>
           </a:xfrm>
           <a:prstGeom prst="rect">
@@ -4672,7 +5544,7 @@
           <a:p>
             <a:r>
               <a:rPr lang="en-CA" dirty="0" smtClean="0"/>
-              <a:t>Session 2</a:t>
+              <a:t>Session 1</a:t>
             </a:r>
             <a:endParaRPr lang="en-CA" dirty="0"/>
           </a:p>
@@ -4680,7 +5552,7 @@
       </p:sp>
       <p:pic>
         <p:nvPicPr>
-          <p:cNvPr id="5" name="Picture 4" descr="Screen Shot 2019-02-13 at 11.39.18 AM.png"/>
+          <p:cNvPr id="5" name="Picture 4" descr="Screen Shot 2019-02-13 at 11.39.06 AM.png"/>
           <p:cNvPicPr>
             <a:picLocks noChangeAspect="1"/>
           </p:cNvPicPr>
@@ -4700,8 +5572,8 @@
         </p:blipFill>
         <p:spPr>
           <a:xfrm>
-            <a:off x="4543993" y="381000"/>
-            <a:ext cx="4371407" cy="3276600"/>
+            <a:off x="4533900" y="240268"/>
+            <a:ext cx="4450158" cy="3357557"/>
           </a:xfrm>
           <a:prstGeom prst="rect">
             <a:avLst/>
@@ -4710,7 +5582,7 @@
       </p:pic>
       <p:pic>
         <p:nvPicPr>
-          <p:cNvPr id="6" name="Picture 5" descr="Screen Shot 2019-02-13 at 11.49.01 AM.png"/>
+          <p:cNvPr id="6" name="Picture 5" descr="Screen Shot 2019-02-13 at 11.48.46 AM.png"/>
           <p:cNvPicPr>
             <a:picLocks noChangeAspect="1"/>
           </p:cNvPicPr>
@@ -4730,8 +5602,8 @@
         </p:blipFill>
         <p:spPr>
           <a:xfrm>
-            <a:off x="317500" y="3326327"/>
-            <a:ext cx="4406900" cy="3290373"/>
+            <a:off x="0" y="3175000"/>
+            <a:ext cx="4788155" cy="3568700"/>
           </a:xfrm>
           <a:prstGeom prst="rect">
             <a:avLst/>
@@ -4740,13 +5612,13 @@
       </p:pic>
       <p:sp>
         <p:nvSpPr>
-          <p:cNvPr id="7" name="TextBox 6"/>
+          <p:cNvPr id="2" name="TextBox 1"/>
           <p:cNvSpPr txBox="1"/>
           <p:nvPr/>
         </p:nvSpPr>
         <p:spPr>
           <a:xfrm rot="3679062">
-            <a:off x="5105400" y="3356525"/>
+            <a:off x="5105400" y="3267625"/>
             <a:ext cx="1031239" cy="369332"/>
           </a:xfrm>
           <a:prstGeom prst="rect">
@@ -4774,13 +5646,13 @@
       </p:sp>
       <p:sp>
         <p:nvSpPr>
-          <p:cNvPr id="8" name="TextBox 7"/>
+          <p:cNvPr id="7" name="TextBox 6"/>
           <p:cNvSpPr txBox="1"/>
           <p:nvPr/>
         </p:nvSpPr>
         <p:spPr>
           <a:xfrm rot="3679062">
-            <a:off x="5703971" y="3513745"/>
+            <a:off x="5703971" y="3424845"/>
             <a:ext cx="1389661" cy="369332"/>
           </a:xfrm>
           <a:prstGeom prst="rect">
@@ -4804,13 +5676,13 @@
       </p:sp>
       <p:sp>
         <p:nvSpPr>
-          <p:cNvPr id="9" name="TextBox 8"/>
+          <p:cNvPr id="8" name="TextBox 7"/>
           <p:cNvSpPr txBox="1"/>
           <p:nvPr/>
         </p:nvSpPr>
         <p:spPr>
           <a:xfrm rot="3679062">
-            <a:off x="6575811" y="3356526"/>
+            <a:off x="6575811" y="3267626"/>
             <a:ext cx="859017" cy="369332"/>
           </a:xfrm>
           <a:prstGeom prst="rect">
@@ -4834,13 +5706,13 @@
       </p:sp>
       <p:sp>
         <p:nvSpPr>
-          <p:cNvPr id="10" name="TextBox 9"/>
+          <p:cNvPr id="9" name="TextBox 8"/>
           <p:cNvSpPr txBox="1"/>
           <p:nvPr/>
         </p:nvSpPr>
         <p:spPr>
           <a:xfrm rot="3679062">
-            <a:off x="7402697" y="3432069"/>
+            <a:off x="7402697" y="3343169"/>
             <a:ext cx="760507" cy="369332"/>
           </a:xfrm>
           <a:prstGeom prst="rect">
@@ -4864,14 +5736,14 @@
       </p:sp>
       <p:sp>
         <p:nvSpPr>
-          <p:cNvPr id="11" name="TextBox 10"/>
+          <p:cNvPr id="3" name="TextBox 2"/>
           <p:cNvSpPr txBox="1"/>
           <p:nvPr/>
         </p:nvSpPr>
         <p:spPr>
           <a:xfrm>
-            <a:off x="4622427" y="704334"/>
-            <a:ext cx="318229" cy="369332"/>
+            <a:off x="5029556" y="4307713"/>
+            <a:ext cx="4010646" cy="1477328"/>
           </a:xfrm>
           <a:prstGeom prst="rect">
             <a:avLst/>
@@ -4886,21 +5758,63 @@
           <a:p>
             <a:r>
               <a:rPr lang="en-CA" dirty="0" smtClean="0"/>
-              <a:t>A</a:t>
-            </a:r>
-          </a:p>
-        </p:txBody>
-      </p:sp>
-      <p:sp>
-        <p:nvSpPr>
-          <p:cNvPr id="12" name="TextBox 11"/>
+              <a:t>spoken</a:t>
+            </a:r>
+            <a:r>
+              <a:rPr lang="mr-IN" dirty="0" smtClean="0"/>
+              <a:t>–</a:t>
+            </a:r>
+            <a:r>
+              <a:rPr lang="en-CA" dirty="0" smtClean="0"/>
+              <a:t> instrumental: most dissimilar</a:t>
+            </a:r>
+          </a:p>
+          <a:p>
+            <a:r>
+              <a:rPr lang="en-CA" dirty="0" err="1" smtClean="0"/>
+              <a:t>Acapella</a:t>
+            </a:r>
+            <a:r>
+              <a:rPr lang="en-CA" dirty="0"/>
+              <a:t>-</a:t>
+            </a:r>
+            <a:r>
+              <a:rPr lang="en-CA" dirty="0" smtClean="0"/>
+              <a:t>instrumental: next most </a:t>
+            </a:r>
+            <a:r>
+              <a:rPr lang="en-CA" dirty="0" err="1" smtClean="0"/>
+              <a:t>dissim</a:t>
+            </a:r>
+            <a:r>
+              <a:rPr lang="en-CA" dirty="0" smtClean="0"/>
+              <a:t>.</a:t>
+            </a:r>
+          </a:p>
+          <a:p>
+            <a:endParaRPr lang="en-CA" dirty="0"/>
+          </a:p>
+          <a:p>
+            <a:endParaRPr lang="en-CA" dirty="0" smtClean="0"/>
+          </a:p>
+          <a:p>
+            <a:r>
+              <a:rPr lang="en-CA" dirty="0" smtClean="0"/>
+              <a:t>??</a:t>
+            </a:r>
+          </a:p>
+        </p:txBody>
+      </p:sp>
+      <p:sp>
+        <p:nvSpPr>
+          <p:cNvPr id="10" name="TextBox 9"/>
           <p:cNvSpPr txBox="1"/>
           <p:nvPr/>
         </p:nvSpPr>
         <p:spPr>
           <a:xfrm>
-            <a:off x="4666742" y="1428234"/>
-            <a:ext cx="242825" cy="369332"/>
+            <a:off x="4622427" y="615434"/>
+            <a:ext cx="318229" cy="369332"/>
           </a:xfrm>
           <a:prstGeom prst="rect">
             <a:avLst/>
@@ -4915,22 +5829,21 @@
           <a:p>
             <a:r>
               <a:rPr lang="en-CA" dirty="0" smtClean="0"/>
-              <a:t>I</a:t>
-            </a:r>
-            <a:endParaRPr lang="en-CA" dirty="0"/>
-          </a:p>
-        </p:txBody>
-      </p:sp>
-      <p:sp>
-        <p:nvSpPr>
-          <p:cNvPr id="13" name="TextBox 12"/>
+              <a:t>A</a:t>
+            </a:r>
+          </a:p>
+        </p:txBody>
+      </p:sp>
+      <p:sp>
+        <p:nvSpPr>
+          <p:cNvPr id="11" name="TextBox 10"/>
           <p:cNvSpPr txBox="1"/>
           <p:nvPr/>
         </p:nvSpPr>
         <p:spPr>
           <a:xfrm>
-            <a:off x="4666742" y="2088634"/>
-            <a:ext cx="290727" cy="369332"/>
+            <a:off x="4666742" y="1339334"/>
+            <a:ext cx="242825" cy="369332"/>
           </a:xfrm>
           <a:prstGeom prst="rect">
             <a:avLst/>
@@ -4945,22 +5858,22 @@
           <a:p>
             <a:r>
               <a:rPr lang="en-CA" dirty="0" smtClean="0"/>
-              <a:t>S</a:t>
-            </a:r>
-            <a:endParaRPr lang="en-CA" dirty="0"/>
-          </a:p>
-        </p:txBody>
-      </p:sp>
-      <p:sp>
-        <p:nvSpPr>
-          <p:cNvPr id="14" name="TextBox 13"/>
+              <a:t>I</a:t>
+            </a:r>
+            <a:endParaRPr lang="en-CA" dirty="0"/>
+          </a:p>
+        </p:txBody>
+      </p:sp>
+      <p:sp>
+        <p:nvSpPr>
+          <p:cNvPr id="12" name="TextBox 11"/>
           <p:cNvSpPr txBox="1"/>
           <p:nvPr/>
         </p:nvSpPr>
         <p:spPr>
           <a:xfrm>
-            <a:off x="4598011" y="2815543"/>
-            <a:ext cx="390026" cy="369332"/>
+            <a:off x="4666742" y="1999734"/>
+            <a:ext cx="290727" cy="369332"/>
           </a:xfrm>
           <a:prstGeom prst="rect">
             <a:avLst/>
@@ -4975,52 +5888,22 @@
           <a:p>
             <a:r>
               <a:rPr lang="en-CA" dirty="0" smtClean="0"/>
-              <a:t>W</a:t>
-            </a:r>
-            <a:endParaRPr lang="en-CA" dirty="0"/>
-          </a:p>
-        </p:txBody>
-      </p:sp>
-      <p:sp>
-        <p:nvSpPr>
-          <p:cNvPr id="2" name="TextBox 1"/>
+              <a:t>S</a:t>
+            </a:r>
+            <a:endParaRPr lang="en-CA" dirty="0"/>
+          </a:p>
+        </p:txBody>
+      </p:sp>
+      <p:sp>
+        <p:nvSpPr>
+          <p:cNvPr id="13" name="TextBox 12"/>
           <p:cNvSpPr txBox="1"/>
           <p:nvPr/>
         </p:nvSpPr>
         <p:spPr>
           <a:xfrm>
-            <a:off x="168103" y="939787"/>
-            <a:ext cx="4361692" cy="646331"/>
-          </a:xfrm>
-          <a:prstGeom prst="rect">
-            <a:avLst/>
-          </a:prstGeom>
-          <a:noFill/>
-        </p:spPr>
-        <p:txBody>
-          <a:bodyPr wrap="square" rtlCol="0">
-            <a:spAutoFit/>
-          </a:bodyPr>
-          <a:lstStyle/>
-          <a:p>
-            <a:r>
-              <a:rPr lang="en-CA" dirty="0" smtClean="0"/>
-              <a:t>Compared to session 1, things are more dissimilar in session 2</a:t>
-            </a:r>
-            <a:endParaRPr lang="en-CA" dirty="0"/>
-          </a:p>
-        </p:txBody>
-      </p:sp>
-      <p:sp>
-        <p:nvSpPr>
-          <p:cNvPr id="3" name="TextBox 2"/>
-          <p:cNvSpPr txBox="1"/>
-          <p:nvPr/>
-        </p:nvSpPr>
-        <p:spPr>
-          <a:xfrm>
-            <a:off x="5322832" y="4422801"/>
-            <a:ext cx="2727542" cy="1754327"/>
+            <a:off x="4598011" y="2726643"/>
+            <a:ext cx="390026" cy="369332"/>
           </a:xfrm>
           <a:prstGeom prst="rect">
             <a:avLst/>
@@ -5035,42 +5918,7 @@
           <a:p>
             <a:r>
               <a:rPr lang="en-CA" dirty="0" smtClean="0"/>
-              <a:t>Instrumental-spoken: most</a:t>
-            </a:r>
-          </a:p>
-          <a:p>
-            <a:r>
-              <a:rPr lang="en-CA" dirty="0" smtClean="0"/>
-              <a:t>Spoken-whole</a:t>
-            </a:r>
-          </a:p>
-          <a:p>
-            <a:r>
-              <a:rPr lang="en-CA" dirty="0" err="1" smtClean="0"/>
-              <a:t>acapella</a:t>
-            </a:r>
-            <a:r>
-              <a:rPr lang="en-CA" dirty="0" smtClean="0"/>
-              <a:t>-instrumental</a:t>
-            </a:r>
-          </a:p>
-          <a:p>
-            <a:r>
-              <a:rPr lang="en-CA" dirty="0" err="1" smtClean="0"/>
-              <a:t>Acapella</a:t>
-            </a:r>
-            <a:r>
-              <a:rPr lang="en-CA" dirty="0" smtClean="0"/>
-              <a:t>-spoken</a:t>
-            </a:r>
-          </a:p>
-          <a:p>
-            <a:endParaRPr lang="en-CA" dirty="0"/>
-          </a:p>
-          <a:p>
-            <a:r>
-              <a:rPr lang="en-CA" dirty="0" smtClean="0"/>
-              <a:t>??</a:t>
+              <a:t>W</a:t>
             </a:r>
             <a:endParaRPr lang="en-CA" dirty="0"/>
           </a:p>
@@ -5079,25 +5927,25 @@
     </p:spTree>
     <p:extLst>
       <p:ext uri="{BB962C8B-B14F-4D97-AF65-F5344CB8AC3E}">
-        <p14:creationId xmlns:p14="http://schemas.microsoft.com/office/powerpoint/2010/main" val="3003338468"/>
+        <p14:creationId xmlns:p14="http://schemas.microsoft.com/office/powerpoint/2010/main" val="872039428"/>
       </p:ext>
     </p:extLst>
   </p:cSld>
   <p:clrMapOvr>
     <a:masterClrMapping/>
   </p:clrMapOvr>
-  <mc:AlternateContent xmlns:mc="http://schemas.openxmlformats.org/markup-compatibility/2006">
-    <mc:Choice xmlns:p14="http://schemas.microsoft.com/office/powerpoint/2010/main" Requires="p14">
+  <mc:AlternateContent xmlns:mc="http://schemas.openxmlformats.org/markup-compatibility/2006" xmlns:p14="http://schemas.microsoft.com/office/powerpoint/2010/main">
+    <mc:Choice Requires="p14">
       <p:transition spd="slow" p14:dur="2000"/>
     </mc:Choice>
-    <mc:Fallback>
+    <mc:Fallback xmlns="">
       <p:transition xmlns:p14="http://schemas.microsoft.com/office/powerpoint/2010/main" spd="slow"/>
     </mc:Fallback>
   </mc:AlternateContent>
   <p:timing>
     <p:tnLst>
       <p:par>
-        <p:cTn xmlns:p14="http://schemas.microsoft.com/office/powerpoint/2010/main" id="1" dur="indefinite" restart="never" nodeType="tmRoot"/>
+        <p:cTn id="1" dur="indefinite" restart="never" nodeType="tmRoot"/>
       </p:par>
     </p:tnLst>
   </p:timing>
@@ -5129,8 +5977,8 @@
         </p:nvSpPr>
         <p:spPr>
           <a:xfrm>
-            <a:off x="977900" y="419100"/>
-            <a:ext cx="1625791" cy="369332"/>
+            <a:off x="838200" y="381000"/>
+            <a:ext cx="1051302" cy="369332"/>
           </a:xfrm>
           <a:prstGeom prst="rect">
             <a:avLst/>
@@ -5145,7 +5993,7 @@
           <a:p>
             <a:r>
               <a:rPr lang="en-CA" dirty="0" smtClean="0"/>
-              <a:t>Session 1 and 2</a:t>
+              <a:t>Session 2</a:t>
             </a:r>
             <a:endParaRPr lang="en-CA" dirty="0"/>
           </a:p>
@@ -5153,7 +6001,7 @@
       </p:sp>
       <p:pic>
         <p:nvPicPr>
-          <p:cNvPr id="5" name="Picture 4" descr="Screen Shot 2019-02-13 at 11.39.31 AM.png"/>
+          <p:cNvPr id="5" name="Picture 4" descr="Screen Shot 2019-02-13 at 11.39.18 AM.png"/>
           <p:cNvPicPr>
             <a:picLocks noChangeAspect="1"/>
           </p:cNvPicPr>
@@ -5173,8 +6021,8 @@
         </p:blipFill>
         <p:spPr>
           <a:xfrm>
-            <a:off x="4109787" y="232573"/>
-            <a:ext cx="4667601" cy="3544695"/>
+            <a:off x="4543993" y="381000"/>
+            <a:ext cx="4371407" cy="3276600"/>
           </a:xfrm>
           <a:prstGeom prst="rect">
             <a:avLst/>
@@ -5183,7 +6031,7 @@
       </p:pic>
       <p:pic>
         <p:nvPicPr>
-          <p:cNvPr id="6" name="Picture 5" descr="Screen Shot 2019-02-13 at 11.49.12 AM.png"/>
+          <p:cNvPr id="6" name="Picture 5" descr="Screen Shot 2019-02-13 at 11.49.01 AM.png"/>
           <p:cNvPicPr>
             <a:picLocks noChangeAspect="1"/>
           </p:cNvPicPr>
@@ -5203,8 +6051,8 @@
         </p:blipFill>
         <p:spPr>
           <a:xfrm>
-            <a:off x="259725" y="3129473"/>
-            <a:ext cx="4216674" cy="3182547"/>
+            <a:off x="317500" y="3326327"/>
+            <a:ext cx="4406900" cy="3290373"/>
           </a:xfrm>
           <a:prstGeom prst="rect">
             <a:avLst/>
@@ -5213,102 +6061,14 @@
       </p:pic>
       <p:sp>
         <p:nvSpPr>
-          <p:cNvPr id="2" name="Left Bracket 1"/>
-          <p:cNvSpPr/>
-          <p:nvPr/>
-        </p:nvSpPr>
-        <p:spPr>
-          <a:xfrm>
-            <a:off x="4045815" y="523854"/>
-            <a:ext cx="288052" cy="1335500"/>
-          </a:xfrm>
-          <a:prstGeom prst="leftBracket">
-            <a:avLst/>
-          </a:prstGeom>
-          <a:ln w="38100">
-            <a:solidFill>
-              <a:schemeClr val="tx1"/>
-            </a:solidFill>
-          </a:ln>
-          <a:effectLst/>
-        </p:spPr>
-        <p:style>
-          <a:lnRef idx="2">
-            <a:schemeClr val="accent1"/>
-          </a:lnRef>
-          <a:fillRef idx="0">
-            <a:schemeClr val="accent1"/>
-          </a:fillRef>
-          <a:effectRef idx="1">
-            <a:schemeClr val="accent1"/>
-          </a:effectRef>
-          <a:fontRef idx="minor">
-            <a:schemeClr val="tx1"/>
-          </a:fontRef>
-        </p:style>
-        <p:txBody>
-          <a:bodyPr rtlCol="0" anchor="ctr"/>
-          <a:lstStyle/>
-          <a:p>
-            <a:pPr algn="ctr"/>
-            <a:endParaRPr lang="en-CA" dirty="0"/>
-          </a:p>
-        </p:txBody>
-      </p:sp>
-      <p:sp>
-        <p:nvSpPr>
-          <p:cNvPr id="7" name="Left Bracket 6"/>
-          <p:cNvSpPr/>
-          <p:nvPr/>
-        </p:nvSpPr>
-        <p:spPr>
-          <a:xfrm>
-            <a:off x="4045815" y="2007027"/>
-            <a:ext cx="288052" cy="1335500"/>
-          </a:xfrm>
-          <a:prstGeom prst="leftBracket">
-            <a:avLst/>
-          </a:prstGeom>
-          <a:ln w="38100">
-            <a:solidFill>
-              <a:schemeClr val="tx1"/>
-            </a:solidFill>
-          </a:ln>
-          <a:effectLst/>
-        </p:spPr>
-        <p:style>
-          <a:lnRef idx="2">
-            <a:schemeClr val="accent1"/>
-          </a:lnRef>
-          <a:fillRef idx="0">
-            <a:schemeClr val="accent1"/>
-          </a:fillRef>
-          <a:effectRef idx="1">
-            <a:schemeClr val="accent1"/>
-          </a:effectRef>
-          <a:fontRef idx="minor">
-            <a:schemeClr val="tx1"/>
-          </a:fontRef>
-        </p:style>
-        <p:txBody>
-          <a:bodyPr rtlCol="0" anchor="ctr"/>
-          <a:lstStyle/>
-          <a:p>
-            <a:pPr algn="ctr"/>
-            <a:endParaRPr lang="en-CA" dirty="0"/>
-          </a:p>
-        </p:txBody>
-      </p:sp>
-      <p:sp>
-        <p:nvSpPr>
-          <p:cNvPr id="3" name="TextBox 2"/>
+          <p:cNvPr id="7" name="TextBox 6"/>
           <p:cNvSpPr txBox="1"/>
           <p:nvPr/>
         </p:nvSpPr>
         <p:spPr>
-          <a:xfrm>
-            <a:off x="2815049" y="1006891"/>
-            <a:ext cx="1051302" cy="369332"/>
+          <a:xfrm rot="3679062">
+            <a:off x="5105400" y="3356525"/>
+            <a:ext cx="1031239" cy="369332"/>
           </a:xfrm>
           <a:prstGeom prst="rect">
             <a:avLst/>
@@ -5323,7 +6083,11 @@
           <a:p>
             <a:r>
               <a:rPr lang="en-CA" dirty="0" smtClean="0"/>
-              <a:t>Session 1</a:t>
+              <a:t>A </a:t>
+            </a:r>
+            <a:r>
+              <a:rPr lang="en-CA" dirty="0" err="1" smtClean="0"/>
+              <a:t>capella</a:t>
             </a:r>
             <a:endParaRPr lang="en-CA" dirty="0"/>
           </a:p>
@@ -5336,9 +6100,9 @@
           <p:nvPr/>
         </p:nvSpPr>
         <p:spPr>
-          <a:xfrm>
-            <a:off x="2815049" y="2487866"/>
-            <a:ext cx="1051302" cy="369332"/>
+          <a:xfrm rot="3679062">
+            <a:off x="5703971" y="3513745"/>
+            <a:ext cx="1389661" cy="369332"/>
           </a:xfrm>
           <a:prstGeom prst="rect">
             <a:avLst/>
@@ -5353,7 +6117,7 @@
           <a:p>
             <a:r>
               <a:rPr lang="en-CA" dirty="0" smtClean="0"/>
-              <a:t>Session 2</a:t>
+              <a:t>instrumental</a:t>
             </a:r>
             <a:endParaRPr lang="en-CA" dirty="0"/>
           </a:p>
@@ -5366,9 +6130,9 @@
           <p:nvPr/>
         </p:nvSpPr>
         <p:spPr>
-          <a:xfrm>
-            <a:off x="4983809" y="3592602"/>
-            <a:ext cx="1051302" cy="369332"/>
+          <a:xfrm rot="3679062">
+            <a:off x="6575811" y="3356526"/>
+            <a:ext cx="859017" cy="369332"/>
           </a:xfrm>
           <a:prstGeom prst="rect">
             <a:avLst/>
@@ -5383,7 +6147,7 @@
           <a:p>
             <a:r>
               <a:rPr lang="en-CA" dirty="0" smtClean="0"/>
-              <a:t>Session 1</a:t>
+              <a:t>spoken</a:t>
             </a:r>
             <a:endParaRPr lang="en-CA" dirty="0"/>
           </a:p>
@@ -5396,9 +6160,9 @@
           <p:nvPr/>
         </p:nvSpPr>
         <p:spPr>
-          <a:xfrm>
-            <a:off x="6607373" y="3601487"/>
-            <a:ext cx="1051302" cy="369332"/>
+          <a:xfrm rot="3679062">
+            <a:off x="7402697" y="3432069"/>
+            <a:ext cx="760507" cy="369332"/>
           </a:xfrm>
           <a:prstGeom prst="rect">
             <a:avLst/>
@@ -5413,7 +6177,7 @@
           <a:p>
             <a:r>
               <a:rPr lang="en-CA" dirty="0" smtClean="0"/>
-              <a:t>Session 2</a:t>
+              <a:t>whole</a:t>
             </a:r>
             <a:endParaRPr lang="en-CA" dirty="0"/>
           </a:p>
@@ -5427,8 +6191,8 @@
         </p:nvSpPr>
         <p:spPr>
           <a:xfrm>
-            <a:off x="4662034" y="4216279"/>
-            <a:ext cx="4115354" cy="2031325"/>
+            <a:off x="4622427" y="704334"/>
+            <a:ext cx="318229" cy="369332"/>
           </a:xfrm>
           <a:prstGeom prst="rect">
             <a:avLst/>
@@ -5443,35 +6207,192 @@
           <a:p>
             <a:r>
               <a:rPr lang="en-CA" dirty="0" smtClean="0"/>
-              <a:t>Session 1 and session 2 are very dissimilar</a:t>
-            </a:r>
-          </a:p>
-          <a:p>
-            <a:endParaRPr lang="en-CA" dirty="0"/>
-          </a:p>
+              <a:t>A</a:t>
+            </a:r>
+          </a:p>
+        </p:txBody>
+      </p:sp>
+      <p:sp>
+        <p:nvSpPr>
+          <p:cNvPr id="12" name="TextBox 11"/>
+          <p:cNvSpPr txBox="1"/>
+          <p:nvPr/>
+        </p:nvSpPr>
+        <p:spPr>
+          <a:xfrm>
+            <a:off x="4666742" y="1428234"/>
+            <a:ext cx="242825" cy="369332"/>
+          </a:xfrm>
+          <a:prstGeom prst="rect">
+            <a:avLst/>
+          </a:prstGeom>
+          <a:noFill/>
+        </p:spPr>
+        <p:txBody>
+          <a:bodyPr wrap="none" rtlCol="0">
+            <a:spAutoFit/>
+          </a:bodyPr>
+          <a:lstStyle/>
           <a:p>
             <a:r>
               <a:rPr lang="en-CA" dirty="0" smtClean="0"/>
-              <a:t>Most dissimilar across sessions: </a:t>
-            </a:r>
-          </a:p>
+              <a:t>I</a:t>
+            </a:r>
+            <a:endParaRPr lang="en-CA" dirty="0"/>
+          </a:p>
+        </p:txBody>
+      </p:sp>
+      <p:sp>
+        <p:nvSpPr>
+          <p:cNvPr id="13" name="TextBox 12"/>
+          <p:cNvSpPr txBox="1"/>
+          <p:nvPr/>
+        </p:nvSpPr>
+        <p:spPr>
+          <a:xfrm>
+            <a:off x="4666742" y="2088634"/>
+            <a:ext cx="290727" cy="369332"/>
+          </a:xfrm>
+          <a:prstGeom prst="rect">
+            <a:avLst/>
+          </a:prstGeom>
+          <a:noFill/>
+        </p:spPr>
+        <p:txBody>
+          <a:bodyPr wrap="none" rtlCol="0">
+            <a:spAutoFit/>
+          </a:bodyPr>
+          <a:lstStyle/>
           <a:p>
             <a:r>
               <a:rPr lang="en-CA" dirty="0" smtClean="0"/>
-              <a:t>Instrumental(2/6)-spoken(3/7)</a:t>
-            </a:r>
-            <a:br>
+              <a:t>S</a:t>
+            </a:r>
+            <a:endParaRPr lang="en-CA" dirty="0"/>
+          </a:p>
+        </p:txBody>
+      </p:sp>
+      <p:sp>
+        <p:nvSpPr>
+          <p:cNvPr id="14" name="TextBox 13"/>
+          <p:cNvSpPr txBox="1"/>
+          <p:nvPr/>
+        </p:nvSpPr>
+        <p:spPr>
+          <a:xfrm>
+            <a:off x="4598011" y="2815543"/>
+            <a:ext cx="390026" cy="369332"/>
+          </a:xfrm>
+          <a:prstGeom prst="rect">
+            <a:avLst/>
+          </a:prstGeom>
+          <a:noFill/>
+        </p:spPr>
+        <p:txBody>
+          <a:bodyPr wrap="none" rtlCol="0">
+            <a:spAutoFit/>
+          </a:bodyPr>
+          <a:lstStyle/>
+          <a:p>
+            <a:r>
               <a:rPr lang="en-CA" dirty="0" smtClean="0"/>
-            </a:br>
-            <a:endParaRPr lang="en-CA" dirty="0" smtClean="0"/>
+              <a:t>W</a:t>
+            </a:r>
+            <a:endParaRPr lang="en-CA" dirty="0"/>
+          </a:p>
+        </p:txBody>
+      </p:sp>
+      <p:sp>
+        <p:nvSpPr>
+          <p:cNvPr id="2" name="TextBox 1"/>
+          <p:cNvSpPr txBox="1"/>
+          <p:nvPr/>
+        </p:nvSpPr>
+        <p:spPr>
+          <a:xfrm>
+            <a:off x="168103" y="939787"/>
+            <a:ext cx="4361692" cy="646331"/>
+          </a:xfrm>
+          <a:prstGeom prst="rect">
+            <a:avLst/>
+          </a:prstGeom>
+          <a:noFill/>
+        </p:spPr>
+        <p:txBody>
+          <a:bodyPr wrap="square" rtlCol="0">
+            <a:spAutoFit/>
+          </a:bodyPr>
+          <a:lstStyle/>
+          <a:p>
+            <a:r>
+              <a:rPr lang="en-CA" dirty="0" smtClean="0"/>
+              <a:t>Compared to session 1, things are more dissimilar in session 2</a:t>
+            </a:r>
+            <a:endParaRPr lang="en-CA" dirty="0"/>
+          </a:p>
+        </p:txBody>
+      </p:sp>
+      <p:sp>
+        <p:nvSpPr>
+          <p:cNvPr id="3" name="TextBox 2"/>
+          <p:cNvSpPr txBox="1"/>
+          <p:nvPr/>
+        </p:nvSpPr>
+        <p:spPr>
+          <a:xfrm>
+            <a:off x="5322832" y="4422801"/>
+            <a:ext cx="2727542" cy="1754327"/>
+          </a:xfrm>
+          <a:prstGeom prst="rect">
+            <a:avLst/>
+          </a:prstGeom>
+          <a:noFill/>
+        </p:spPr>
+        <p:txBody>
+          <a:bodyPr wrap="none" rtlCol="0">
+            <a:spAutoFit/>
+          </a:bodyPr>
+          <a:lstStyle/>
+          <a:p>
+            <a:r>
+              <a:rPr lang="en-CA" dirty="0" smtClean="0"/>
+              <a:t>Instrumental-spoken: most</a:t>
+            </a:r>
+          </a:p>
+          <a:p>
+            <a:r>
+              <a:rPr lang="en-CA" dirty="0" smtClean="0"/>
+              <a:t>Spoken-whole</a:t>
+            </a:r>
+          </a:p>
+          <a:p>
+            <a:r>
+              <a:rPr lang="en-CA" dirty="0" err="1" smtClean="0"/>
+              <a:t>acapella</a:t>
+            </a:r>
+            <a:r>
+              <a:rPr lang="en-CA" dirty="0" smtClean="0"/>
+              <a:t>-instrumental</a:t>
+            </a:r>
+          </a:p>
+          <a:p>
+            <a:r>
+              <a:rPr lang="en-CA" dirty="0" err="1" smtClean="0"/>
+              <a:t>Acapella</a:t>
+            </a:r>
+            <a:r>
+              <a:rPr lang="en-CA" dirty="0" smtClean="0"/>
+              <a:t>-spoken</a:t>
+            </a:r>
+          </a:p>
+          <a:p>
+            <a:endParaRPr lang="en-CA" dirty="0"/>
           </a:p>
           <a:p>
             <a:r>
               <a:rPr lang="en-CA" dirty="0" smtClean="0"/>
               <a:t>??</a:t>
             </a:r>
-          </a:p>
-          <a:p>
             <a:endParaRPr lang="en-CA" dirty="0"/>
           </a:p>
         </p:txBody>
@@ -5479,25 +6400,25 @@
     </p:spTree>
     <p:extLst>
       <p:ext uri="{BB962C8B-B14F-4D97-AF65-F5344CB8AC3E}">
-        <p14:creationId xmlns:p14="http://schemas.microsoft.com/office/powerpoint/2010/main" val="2153979071"/>
+        <p14:creationId xmlns:p14="http://schemas.microsoft.com/office/powerpoint/2010/main" val="3003338468"/>
       </p:ext>
     </p:extLst>
   </p:cSld>
   <p:clrMapOvr>
     <a:masterClrMapping/>
   </p:clrMapOvr>
-  <mc:AlternateContent xmlns:mc="http://schemas.openxmlformats.org/markup-compatibility/2006">
-    <mc:Choice xmlns:p14="http://schemas.microsoft.com/office/powerpoint/2010/main" Requires="p14">
+  <mc:AlternateContent xmlns:mc="http://schemas.openxmlformats.org/markup-compatibility/2006" xmlns:p14="http://schemas.microsoft.com/office/powerpoint/2010/main">
+    <mc:Choice Requires="p14">
       <p:transition spd="slow" p14:dur="2000"/>
     </mc:Choice>
-    <mc:Fallback>
+    <mc:Fallback xmlns="">
       <p:transition xmlns:p14="http://schemas.microsoft.com/office/powerpoint/2010/main" spd="slow"/>
     </mc:Fallback>
   </mc:AlternateContent>
   <p:timing>
     <p:tnLst>
       <p:par>
-        <p:cTn xmlns:p14="http://schemas.microsoft.com/office/powerpoint/2010/main" id="1" dur="indefinite" restart="never" nodeType="tmRoot"/>
+        <p:cTn id="1" dur="indefinite" restart="never" nodeType="tmRoot"/>
       </p:par>
     </p:tnLst>
   </p:timing>
@@ -5521,9 +6442,39 @@
           <a:chExt cx="0" cy="0"/>
         </a:xfrm>
       </p:grpSpPr>
+      <p:sp>
+        <p:nvSpPr>
+          <p:cNvPr id="4" name="TextBox 3"/>
+          <p:cNvSpPr txBox="1"/>
+          <p:nvPr/>
+        </p:nvSpPr>
+        <p:spPr>
+          <a:xfrm>
+            <a:off x="977900" y="419100"/>
+            <a:ext cx="1625791" cy="369332"/>
+          </a:xfrm>
+          <a:prstGeom prst="rect">
+            <a:avLst/>
+          </a:prstGeom>
+          <a:noFill/>
+        </p:spPr>
+        <p:txBody>
+          <a:bodyPr wrap="none" rtlCol="0">
+            <a:spAutoFit/>
+          </a:bodyPr>
+          <a:lstStyle/>
+          <a:p>
+            <a:r>
+              <a:rPr lang="en-CA" dirty="0" smtClean="0"/>
+              <a:t>Session 1 and 2</a:t>
+            </a:r>
+            <a:endParaRPr lang="en-CA" dirty="0"/>
+          </a:p>
+        </p:txBody>
+      </p:sp>
       <p:pic>
         <p:nvPicPr>
-          <p:cNvPr id="4" name="Picture 3" descr="Screen Shot 2019-02-13 at 11.41.02 AM.png"/>
+          <p:cNvPr id="5" name="Picture 4" descr="Screen Shot 2019-02-13 at 11.39.31 AM.png"/>
           <p:cNvPicPr>
             <a:picLocks noChangeAspect="1"/>
           </p:cNvPicPr>
@@ -5543,47 +6494,17 @@
         </p:blipFill>
         <p:spPr>
           <a:xfrm>
-            <a:off x="4517172" y="208186"/>
-            <a:ext cx="4378056" cy="3301356"/>
+            <a:off x="4109787" y="232573"/>
+            <a:ext cx="4667601" cy="3544695"/>
           </a:xfrm>
           <a:prstGeom prst="rect">
             <a:avLst/>
           </a:prstGeom>
         </p:spPr>
       </p:pic>
-      <p:sp>
-        <p:nvSpPr>
-          <p:cNvPr id="5" name="TextBox 4"/>
-          <p:cNvSpPr txBox="1"/>
-          <p:nvPr/>
-        </p:nvSpPr>
-        <p:spPr>
-          <a:xfrm>
-            <a:off x="342900" y="323334"/>
-            <a:ext cx="1972715" cy="369332"/>
-          </a:xfrm>
-          <a:prstGeom prst="rect">
-            <a:avLst/>
-          </a:prstGeom>
-          <a:noFill/>
-        </p:spPr>
-        <p:txBody>
-          <a:bodyPr wrap="none" rtlCol="0">
-            <a:spAutoFit/>
-          </a:bodyPr>
-          <a:lstStyle/>
-          <a:p>
-            <a:r>
-              <a:rPr lang="en-CA" dirty="0" smtClean="0"/>
-              <a:t>Familiar songs only</a:t>
-            </a:r>
-            <a:endParaRPr lang="en-CA" dirty="0"/>
-          </a:p>
-        </p:txBody>
-      </p:sp>
       <p:pic>
         <p:nvPicPr>
-          <p:cNvPr id="6" name="Picture 5" descr="Screen Shot 2019-02-13 at 11.46.21 AM.png"/>
+          <p:cNvPr id="6" name="Picture 5" descr="Screen Shot 2019-02-13 at 11.49.12 AM.png"/>
           <p:cNvPicPr>
             <a:picLocks noChangeAspect="1"/>
           </p:cNvPicPr>
@@ -5603,8 +6524,8 @@
         </p:blipFill>
         <p:spPr>
           <a:xfrm>
-            <a:off x="186150" y="3077097"/>
-            <a:ext cx="4730858" cy="3530751"/>
+            <a:off x="259725" y="3129473"/>
+            <a:ext cx="4216674" cy="3182547"/>
           </a:xfrm>
           <a:prstGeom prst="rect">
             <a:avLst/>
@@ -5613,13 +6534,13 @@
       </p:pic>
       <p:sp>
         <p:nvSpPr>
-          <p:cNvPr id="7" name="Left Bracket 6"/>
+          <p:cNvPr id="2" name="Left Bracket 1"/>
           <p:cNvSpPr/>
           <p:nvPr/>
         </p:nvSpPr>
         <p:spPr>
           <a:xfrm>
-            <a:off x="4571466" y="445918"/>
+            <a:off x="4045815" y="523854"/>
             <a:ext cx="288052" cy="1335500"/>
           </a:xfrm>
           <a:prstGeom prst="leftBracket">
@@ -5657,13 +6578,13 @@
       </p:sp>
       <p:sp>
         <p:nvSpPr>
-          <p:cNvPr id="8" name="Left Bracket 7"/>
+          <p:cNvPr id="7" name="Left Bracket 6"/>
           <p:cNvSpPr/>
           <p:nvPr/>
         </p:nvSpPr>
         <p:spPr>
           <a:xfrm>
-            <a:off x="4571466" y="1929091"/>
+            <a:off x="4045815" y="2007027"/>
             <a:ext cx="288052" cy="1335500"/>
           </a:xfrm>
           <a:prstGeom prst="leftBracket">
@@ -5701,13 +6622,13 @@
       </p:sp>
       <p:sp>
         <p:nvSpPr>
-          <p:cNvPr id="9" name="TextBox 8"/>
+          <p:cNvPr id="3" name="TextBox 2"/>
           <p:cNvSpPr txBox="1"/>
           <p:nvPr/>
         </p:nvSpPr>
         <p:spPr>
           <a:xfrm>
-            <a:off x="3340700" y="928955"/>
+            <a:off x="2815049" y="1006891"/>
             <a:ext cx="1051302" cy="369332"/>
           </a:xfrm>
           <a:prstGeom prst="rect">
@@ -5731,13 +6652,13 @@
       </p:sp>
       <p:sp>
         <p:nvSpPr>
-          <p:cNvPr id="10" name="TextBox 9"/>
+          <p:cNvPr id="8" name="TextBox 7"/>
           <p:cNvSpPr txBox="1"/>
           <p:nvPr/>
         </p:nvSpPr>
         <p:spPr>
           <a:xfrm>
-            <a:off x="3340700" y="2409930"/>
+            <a:off x="2815049" y="2487866"/>
             <a:ext cx="1051302" cy="369332"/>
           </a:xfrm>
           <a:prstGeom prst="rect">
@@ -5761,13 +6682,13 @@
       </p:sp>
       <p:sp>
         <p:nvSpPr>
-          <p:cNvPr id="11" name="TextBox 10"/>
+          <p:cNvPr id="9" name="TextBox 8"/>
           <p:cNvSpPr txBox="1"/>
           <p:nvPr/>
         </p:nvSpPr>
         <p:spPr>
           <a:xfrm>
-            <a:off x="5273781" y="3500403"/>
+            <a:off x="4983809" y="3592602"/>
             <a:ext cx="1051302" cy="369332"/>
           </a:xfrm>
           <a:prstGeom prst="rect">
@@ -5791,13 +6712,13 @@
       </p:sp>
       <p:sp>
         <p:nvSpPr>
-          <p:cNvPr id="12" name="TextBox 11"/>
+          <p:cNvPr id="10" name="TextBox 9"/>
           <p:cNvSpPr txBox="1"/>
           <p:nvPr/>
         </p:nvSpPr>
         <p:spPr>
           <a:xfrm>
-            <a:off x="6910438" y="3488224"/>
+            <a:off x="6607373" y="3601487"/>
             <a:ext cx="1051302" cy="369332"/>
           </a:xfrm>
           <a:prstGeom prst="rect">
@@ -5821,14 +6742,14 @@
       </p:sp>
       <p:sp>
         <p:nvSpPr>
-          <p:cNvPr id="2" name="TextBox 1"/>
+          <p:cNvPr id="11" name="TextBox 10"/>
           <p:cNvSpPr txBox="1"/>
           <p:nvPr/>
         </p:nvSpPr>
         <p:spPr>
           <a:xfrm>
-            <a:off x="5014716" y="4056450"/>
-            <a:ext cx="3783950" cy="1754327"/>
+            <a:off x="4662034" y="4216279"/>
+            <a:ext cx="4115354" cy="2031325"/>
           </a:xfrm>
           <a:prstGeom prst="rect">
             <a:avLst/>
@@ -5836,30 +6757,42 @@
           <a:noFill/>
         </p:spPr>
         <p:txBody>
-          <a:bodyPr wrap="square" rtlCol="0">
+          <a:bodyPr wrap="none" rtlCol="0">
             <a:spAutoFit/>
           </a:bodyPr>
           <a:lstStyle/>
           <a:p>
             <a:r>
               <a:rPr lang="en-CA" dirty="0" smtClean="0"/>
-              <a:t>More similarities within session than across</a:t>
-            </a:r>
+              <a:t>Session 1 and session 2 are very dissimilar</a:t>
+            </a:r>
+          </a:p>
+          <a:p>
+            <a:endParaRPr lang="en-CA" dirty="0"/>
           </a:p>
           <a:p>
             <a:r>
               <a:rPr lang="en-CA" dirty="0" smtClean="0"/>
-              <a:t>But no difference between session 1 and 2</a:t>
-            </a:r>
-          </a:p>
-          <a:p>
-            <a:endParaRPr lang="en-CA" dirty="0"/>
+              <a:t>Most dissimilar across sessions: </a:t>
+            </a:r>
+          </a:p>
+          <a:p>
+            <a:r>
+              <a:rPr lang="en-CA" dirty="0" smtClean="0"/>
+              <a:t>Instrumental(2/6)-spoken(3/7)</a:t>
+            </a:r>
+            <a:br>
+              <a:rPr lang="en-CA" dirty="0" smtClean="0"/>
+            </a:br>
+            <a:endParaRPr lang="en-CA" dirty="0" smtClean="0"/>
           </a:p>
           <a:p>
             <a:r>
               <a:rPr lang="en-CA" dirty="0" smtClean="0"/>
               <a:t>??</a:t>
             </a:r>
+          </a:p>
+          <a:p>
             <a:endParaRPr lang="en-CA" dirty="0"/>
           </a:p>
         </p:txBody>
@@ -5867,25 +6800,25 @@
     </p:spTree>
     <p:extLst>
       <p:ext uri="{BB962C8B-B14F-4D97-AF65-F5344CB8AC3E}">
-        <p14:creationId xmlns:p14="http://schemas.microsoft.com/office/powerpoint/2010/main" val="2204930963"/>
+        <p14:creationId xmlns:p14="http://schemas.microsoft.com/office/powerpoint/2010/main" val="2153979071"/>
       </p:ext>
     </p:extLst>
   </p:cSld>
   <p:clrMapOvr>
     <a:masterClrMapping/>
   </p:clrMapOvr>
-  <mc:AlternateContent xmlns:mc="http://schemas.openxmlformats.org/markup-compatibility/2006">
-    <mc:Choice xmlns:p14="http://schemas.microsoft.com/office/powerpoint/2010/main" Requires="p14">
+  <mc:AlternateContent xmlns:mc="http://schemas.openxmlformats.org/markup-compatibility/2006" xmlns:p14="http://schemas.microsoft.com/office/powerpoint/2010/main">
+    <mc:Choice Requires="p14">
       <p:transition spd="slow" p14:dur="2000"/>
     </mc:Choice>
-    <mc:Fallback>
+    <mc:Fallback xmlns="">
       <p:transition xmlns:p14="http://schemas.microsoft.com/office/powerpoint/2010/main" spd="slow"/>
     </mc:Fallback>
   </mc:AlternateContent>
   <p:timing>
     <p:tnLst>
       <p:par>
-        <p:cTn xmlns:p14="http://schemas.microsoft.com/office/powerpoint/2010/main" id="1" dur="indefinite" restart="never" nodeType="tmRoot"/>
+        <p:cTn id="1" dur="indefinite" restart="never" nodeType="tmRoot"/>
       </p:par>
     </p:tnLst>
   </p:timing>
@@ -5911,7 +6844,7 @@
       </p:grpSpPr>
       <p:pic>
         <p:nvPicPr>
-          <p:cNvPr id="4" name="Picture 3" descr="Screen Shot 2019-02-13 at 11.41.12 AM.png"/>
+          <p:cNvPr id="4" name="Picture 3" descr="Screen Shot 2019-02-13 at 11.41.02 AM.png"/>
           <p:cNvPicPr>
             <a:picLocks noChangeAspect="1"/>
           </p:cNvPicPr>
@@ -5931,8 +6864,8 @@
         </p:blipFill>
         <p:spPr>
           <a:xfrm>
-            <a:off x="4294587" y="266972"/>
-            <a:ext cx="4653013" cy="3464655"/>
+            <a:off x="4517172" y="208186"/>
+            <a:ext cx="4378056" cy="3301356"/>
           </a:xfrm>
           <a:prstGeom prst="rect">
             <a:avLst/>
@@ -5947,8 +6880,8 @@
         </p:nvSpPr>
         <p:spPr>
           <a:xfrm>
-            <a:off x="366612" y="368300"/>
-            <a:ext cx="2210862" cy="369332"/>
+            <a:off x="342900" y="323334"/>
+            <a:ext cx="1972715" cy="369332"/>
           </a:xfrm>
           <a:prstGeom prst="rect">
             <a:avLst/>
@@ -5963,7 +6896,7 @@
           <a:p>
             <a:r>
               <a:rPr lang="en-CA" dirty="0" smtClean="0"/>
-              <a:t>Unfamiliar songs only</a:t>
+              <a:t>Familiar songs only</a:t>
             </a:r>
             <a:endParaRPr lang="en-CA" dirty="0"/>
           </a:p>
@@ -5971,7 +6904,7 @@
       </p:sp>
       <p:pic>
         <p:nvPicPr>
-          <p:cNvPr id="6" name="Picture 5" descr="Screen Shot 2019-02-13 at 11.46.49 AM.png"/>
+          <p:cNvPr id="6" name="Picture 5" descr="Screen Shot 2019-02-13 at 11.46.21 AM.png"/>
           <p:cNvPicPr>
             <a:picLocks noChangeAspect="1"/>
           </p:cNvPicPr>
@@ -5991,8 +6924,8 @@
         </p:blipFill>
         <p:spPr>
           <a:xfrm>
-            <a:off x="366612" y="3221132"/>
-            <a:ext cx="4577946" cy="3394294"/>
+            <a:off x="186150" y="3077097"/>
+            <a:ext cx="4730858" cy="3530751"/>
           </a:xfrm>
           <a:prstGeom prst="rect">
             <a:avLst/>
@@ -6007,7 +6940,7 @@
         </p:nvSpPr>
         <p:spPr>
           <a:xfrm>
-            <a:off x="4375071" y="445918"/>
+            <a:off x="4571466" y="445918"/>
             <a:ext cx="288052" cy="1335500"/>
           </a:xfrm>
           <a:prstGeom prst="leftBracket">
@@ -6051,7 +6984,7 @@
         </p:nvSpPr>
         <p:spPr>
           <a:xfrm>
-            <a:off x="4375071" y="1929091"/>
+            <a:off x="4571466" y="1929091"/>
             <a:ext cx="288052" cy="1335500"/>
           </a:xfrm>
           <a:prstGeom prst="leftBracket">
@@ -6095,7 +7028,7 @@
         </p:nvSpPr>
         <p:spPr>
           <a:xfrm>
-            <a:off x="3144305" y="928955"/>
+            <a:off x="3340700" y="928955"/>
             <a:ext cx="1051302" cy="369332"/>
           </a:xfrm>
           <a:prstGeom prst="rect">
@@ -6125,7 +7058,7 @@
         </p:nvSpPr>
         <p:spPr>
           <a:xfrm>
-            <a:off x="3144305" y="2409930"/>
+            <a:off x="3340700" y="2409930"/>
             <a:ext cx="1051302" cy="369332"/>
           </a:xfrm>
           <a:prstGeom prst="rect">
@@ -6209,7 +7142,7 @@
       </p:sp>
       <p:sp>
         <p:nvSpPr>
-          <p:cNvPr id="13" name="TextBox 12"/>
+          <p:cNvPr id="2" name="TextBox 1"/>
           <p:cNvSpPr txBox="1"/>
           <p:nvPr/>
         </p:nvSpPr>
@@ -6255,25 +7188,25 @@
     </p:spTree>
     <p:extLst>
       <p:ext uri="{BB962C8B-B14F-4D97-AF65-F5344CB8AC3E}">
-        <p14:creationId xmlns:p14="http://schemas.microsoft.com/office/powerpoint/2010/main" val="4289227938"/>
+        <p14:creationId xmlns:p14="http://schemas.microsoft.com/office/powerpoint/2010/main" val="2204930963"/>
       </p:ext>
     </p:extLst>
   </p:cSld>
   <p:clrMapOvr>
     <a:masterClrMapping/>
   </p:clrMapOvr>
-  <mc:AlternateContent xmlns:mc="http://schemas.openxmlformats.org/markup-compatibility/2006">
-    <mc:Choice xmlns:p14="http://schemas.microsoft.com/office/powerpoint/2010/main" Requires="p14">
+  <mc:AlternateContent xmlns:mc="http://schemas.openxmlformats.org/markup-compatibility/2006" xmlns:p14="http://schemas.microsoft.com/office/powerpoint/2010/main">
+    <mc:Choice Requires="p14">
       <p:transition spd="slow" p14:dur="2000"/>
     </mc:Choice>
-    <mc:Fallback>
+    <mc:Fallback xmlns="">
       <p:transition xmlns:p14="http://schemas.microsoft.com/office/powerpoint/2010/main" spd="slow"/>
     </mc:Fallback>
   </mc:AlternateContent>
   <p:timing>
     <p:tnLst>
       <p:par>
-        <p:cTn xmlns:p14="http://schemas.microsoft.com/office/powerpoint/2010/main" id="1" dur="indefinite" restart="never" nodeType="tmRoot"/>
+        <p:cTn id="1" dur="indefinite" restart="never" nodeType="tmRoot"/>
       </p:par>
     </p:tnLst>
   </p:timing>
@@ -6281,7 +7214,7 @@
 </file>
 
 <file path=ppt/slides/slide7.xml><?xml version="1.0" encoding="utf-8"?>
-<p:sld xmlns:a="http://schemas.openxmlformats.org/drawingml/2006/main" xmlns:r="http://schemas.openxmlformats.org/officeDocument/2006/relationships" xmlns:p="http://schemas.openxmlformats.org/presentationml/2006/main">
+<p:sld xmlns:a="http://schemas.openxmlformats.org/drawingml/2006/main" xmlns:r="http://schemas.openxmlformats.org/officeDocument/2006/relationships" xmlns:p="http://schemas.openxmlformats.org/presentationml/2006/main" show="0">
   <p:cSld>
     <p:spTree>
       <p:nvGrpSpPr>
@@ -6299,7 +7232,7 @@
       </p:grpSpPr>
       <p:pic>
         <p:nvPicPr>
-          <p:cNvPr id="4" name="Picture 3" descr="Screen Shot 2019-02-13 at 11.41.24 AM.png"/>
+          <p:cNvPr id="4" name="Picture 3" descr="Screen Shot 2019-02-13 at 11.41.12 AM.png"/>
           <p:cNvPicPr>
             <a:picLocks noChangeAspect="1"/>
           </p:cNvPicPr>
@@ -6319,8 +7252,8 @@
         </p:blipFill>
         <p:spPr>
           <a:xfrm>
-            <a:off x="4082983" y="196334"/>
-            <a:ext cx="4943177" cy="3731876"/>
+            <a:off x="4294587" y="266972"/>
+            <a:ext cx="4653013" cy="3464655"/>
           </a:xfrm>
           <a:prstGeom prst="rect">
             <a:avLst/>
@@ -6335,8 +7268,8 @@
         </p:nvSpPr>
         <p:spPr>
           <a:xfrm>
-            <a:off x="177800" y="196334"/>
-            <a:ext cx="2182246" cy="923330"/>
+            <a:off x="366612" y="368300"/>
+            <a:ext cx="2210862" cy="369332"/>
           </a:xfrm>
           <a:prstGeom prst="rect">
             <a:avLst/>
@@ -6351,28 +7284,42 @@
           <a:p>
             <a:r>
               <a:rPr lang="en-CA" dirty="0" smtClean="0"/>
-              <a:t>Familiar &amp; </a:t>
-            </a:r>
-            <a:r>
-              <a:rPr lang="en-CA" dirty="0" smtClean="0"/>
-              <a:t>Unfamiliar</a:t>
-            </a:r>
-          </a:p>
-          <a:p>
-            <a:r>
-              <a:rPr lang="en-CA" dirty="0" smtClean="0"/>
-              <a:t>Ses1 &amp; Ses2</a:t>
-            </a:r>
-          </a:p>
-          <a:p>
-            <a:r>
-              <a:rPr lang="en-CA" dirty="0" smtClean="0"/>
-              <a:t>GW mask</a:t>
-            </a:r>
-            <a:endParaRPr lang="en-CA" dirty="0"/>
-          </a:p>
-        </p:txBody>
-      </p:sp>
+              <a:t>Unfamiliar songs only</a:t>
+            </a:r>
+            <a:endParaRPr lang="en-CA" dirty="0"/>
+          </a:p>
+        </p:txBody>
+      </p:sp>
+      <p:pic>
+        <p:nvPicPr>
+          <p:cNvPr id="6" name="Picture 5" descr="Screen Shot 2019-02-13 at 11.46.49 AM.png"/>
+          <p:cNvPicPr>
+            <a:picLocks noChangeAspect="1"/>
+          </p:cNvPicPr>
+          <p:nvPr/>
+        </p:nvPicPr>
+        <p:blipFill>
+          <a:blip r:embed="rId4">
+            <a:extLst>
+              <a:ext uri="{28A0092B-C50C-407E-A947-70E740481C1C}">
+                <a14:useLocalDpi xmlns:a14="http://schemas.microsoft.com/office/drawing/2010/main" val="0"/>
+              </a:ext>
+            </a:extLst>
+          </a:blip>
+          <a:stretch>
+            <a:fillRect/>
+          </a:stretch>
+        </p:blipFill>
+        <p:spPr>
+          <a:xfrm>
+            <a:off x="366612" y="3221132"/>
+            <a:ext cx="4577946" cy="3394294"/>
+          </a:xfrm>
+          <a:prstGeom prst="rect">
+            <a:avLst/>
+          </a:prstGeom>
+        </p:spPr>
+      </p:pic>
       <p:sp>
         <p:nvSpPr>
           <p:cNvPr id="7" name="Left Bracket 6"/>
@@ -6381,8 +7328,8 @@
         </p:nvSpPr>
         <p:spPr>
           <a:xfrm>
-            <a:off x="3125263" y="462559"/>
-            <a:ext cx="316163" cy="1527734"/>
+            <a:off x="4375071" y="445918"/>
+            <a:ext cx="288052" cy="1335500"/>
           </a:xfrm>
           <a:prstGeom prst="leftBracket">
             <a:avLst/>
@@ -6425,8 +7372,8 @@
         </p:nvSpPr>
         <p:spPr>
           <a:xfrm>
-            <a:off x="3119581" y="1990293"/>
-            <a:ext cx="316163" cy="1527734"/>
+            <a:off x="4375071" y="1929091"/>
+            <a:ext cx="288052" cy="1335500"/>
           </a:xfrm>
           <a:prstGeom prst="leftBracket">
             <a:avLst/>
@@ -6469,7 +7416,7 @@
         </p:nvSpPr>
         <p:spPr>
           <a:xfrm>
-            <a:off x="2093003" y="928955"/>
+            <a:off x="3144305" y="928955"/>
             <a:ext cx="1051302" cy="369332"/>
           </a:xfrm>
           <a:prstGeom prst="rect">
@@ -6499,7 +7446,7 @@
         </p:nvSpPr>
         <p:spPr>
           <a:xfrm>
-            <a:off x="2093003" y="2409930"/>
+            <a:off x="3144305" y="2409930"/>
             <a:ext cx="1051302" cy="369332"/>
           </a:xfrm>
           <a:prstGeom prst="rect">
@@ -6523,190 +7470,14 @@
       </p:sp>
       <p:sp>
         <p:nvSpPr>
-          <p:cNvPr id="11" name="Left Bracket 10"/>
-          <p:cNvSpPr/>
-          <p:nvPr/>
-        </p:nvSpPr>
-        <p:spPr>
-          <a:xfrm>
-            <a:off x="4411981" y="462559"/>
-            <a:ext cx="106785" cy="661391"/>
-          </a:xfrm>
-          <a:prstGeom prst="leftBracket">
-            <a:avLst/>
-          </a:prstGeom>
-          <a:ln w="38100">
-            <a:solidFill>
-              <a:schemeClr val="tx1"/>
-            </a:solidFill>
-          </a:ln>
-          <a:effectLst/>
-        </p:spPr>
-        <p:style>
-          <a:lnRef idx="2">
-            <a:schemeClr val="accent1"/>
-          </a:lnRef>
-          <a:fillRef idx="0">
-            <a:schemeClr val="accent1"/>
-          </a:fillRef>
-          <a:effectRef idx="1">
-            <a:schemeClr val="accent1"/>
-          </a:effectRef>
-          <a:fontRef idx="minor">
-            <a:schemeClr val="tx1"/>
-          </a:fontRef>
-        </p:style>
-        <p:txBody>
-          <a:bodyPr rtlCol="0" anchor="ctr"/>
-          <a:lstStyle/>
-          <a:p>
-            <a:pPr algn="ctr"/>
-            <a:endParaRPr lang="en-CA" dirty="0"/>
-          </a:p>
-        </p:txBody>
-      </p:sp>
-      <p:sp>
-        <p:nvSpPr>
-          <p:cNvPr id="12" name="Left Bracket 11"/>
-          <p:cNvSpPr/>
-          <p:nvPr/>
-        </p:nvSpPr>
-        <p:spPr>
-          <a:xfrm>
-            <a:off x="4411981" y="1210213"/>
-            <a:ext cx="106785" cy="715904"/>
-          </a:xfrm>
-          <a:prstGeom prst="leftBracket">
-            <a:avLst/>
-          </a:prstGeom>
-          <a:ln w="38100">
-            <a:solidFill>
-              <a:schemeClr val="tx1"/>
-            </a:solidFill>
-          </a:ln>
-          <a:effectLst/>
-        </p:spPr>
-        <p:style>
-          <a:lnRef idx="2">
-            <a:schemeClr val="accent1"/>
-          </a:lnRef>
-          <a:fillRef idx="0">
-            <a:schemeClr val="accent1"/>
-          </a:fillRef>
-          <a:effectRef idx="1">
-            <a:schemeClr val="accent1"/>
-          </a:effectRef>
-          <a:fontRef idx="minor">
-            <a:schemeClr val="tx1"/>
-          </a:fontRef>
-        </p:style>
-        <p:txBody>
-          <a:bodyPr rtlCol="0" anchor="ctr"/>
-          <a:lstStyle/>
-          <a:p>
-            <a:pPr algn="ctr"/>
-            <a:endParaRPr lang="en-CA" dirty="0"/>
-          </a:p>
-        </p:txBody>
-      </p:sp>
-      <p:sp>
-        <p:nvSpPr>
-          <p:cNvPr id="14" name="Left Bracket 13"/>
-          <p:cNvSpPr/>
-          <p:nvPr/>
-        </p:nvSpPr>
-        <p:spPr>
-          <a:xfrm>
-            <a:off x="4411981" y="1990293"/>
-            <a:ext cx="106785" cy="715904"/>
-          </a:xfrm>
-          <a:prstGeom prst="leftBracket">
-            <a:avLst/>
-          </a:prstGeom>
-          <a:ln w="38100">
-            <a:solidFill>
-              <a:schemeClr val="tx1"/>
-            </a:solidFill>
-          </a:ln>
-          <a:effectLst/>
-        </p:spPr>
-        <p:style>
-          <a:lnRef idx="2">
-            <a:schemeClr val="accent1"/>
-          </a:lnRef>
-          <a:fillRef idx="0">
-            <a:schemeClr val="accent1"/>
-          </a:fillRef>
-          <a:effectRef idx="1">
-            <a:schemeClr val="accent1"/>
-          </a:effectRef>
-          <a:fontRef idx="minor">
-            <a:schemeClr val="tx1"/>
-          </a:fontRef>
-        </p:style>
-        <p:txBody>
-          <a:bodyPr rtlCol="0" anchor="ctr"/>
-          <a:lstStyle/>
-          <a:p>
-            <a:pPr algn="ctr"/>
-            <a:endParaRPr lang="en-CA" dirty="0"/>
-          </a:p>
-        </p:txBody>
-      </p:sp>
-      <p:sp>
-        <p:nvSpPr>
-          <p:cNvPr id="15" name="Left Bracket 14"/>
-          <p:cNvSpPr/>
-          <p:nvPr/>
-        </p:nvSpPr>
-        <p:spPr>
-          <a:xfrm>
-            <a:off x="4410712" y="2779262"/>
-            <a:ext cx="106785" cy="715904"/>
-          </a:xfrm>
-          <a:prstGeom prst="leftBracket">
-            <a:avLst/>
-          </a:prstGeom>
-          <a:ln w="38100">
-            <a:solidFill>
-              <a:schemeClr val="tx1"/>
-            </a:solidFill>
-          </a:ln>
-          <a:effectLst/>
-        </p:spPr>
-        <p:style>
-          <a:lnRef idx="2">
-            <a:schemeClr val="accent1"/>
-          </a:lnRef>
-          <a:fillRef idx="0">
-            <a:schemeClr val="accent1"/>
-          </a:fillRef>
-          <a:effectRef idx="1">
-            <a:schemeClr val="accent1"/>
-          </a:effectRef>
-          <a:fontRef idx="minor">
-            <a:schemeClr val="tx1"/>
-          </a:fontRef>
-        </p:style>
-        <p:txBody>
-          <a:bodyPr rtlCol="0" anchor="ctr"/>
-          <a:lstStyle/>
-          <a:p>
-            <a:pPr algn="ctr"/>
-            <a:endParaRPr lang="en-CA" dirty="0"/>
-          </a:p>
-        </p:txBody>
-      </p:sp>
-      <p:sp>
-        <p:nvSpPr>
-          <p:cNvPr id="2" name="TextBox 1"/>
+          <p:cNvPr id="11" name="TextBox 10"/>
           <p:cNvSpPr txBox="1"/>
           <p:nvPr/>
         </p:nvSpPr>
         <p:spPr>
           <a:xfrm>
-            <a:off x="3746500" y="602734"/>
-            <a:ext cx="550075" cy="369332"/>
+            <a:off x="5273781" y="3500403"/>
+            <a:ext cx="1051302" cy="369332"/>
           </a:xfrm>
           <a:prstGeom prst="rect">
             <a:avLst/>
@@ -6720,23 +7491,23 @@
           <a:lstStyle/>
           <a:p>
             <a:r>
-              <a:rPr lang="en-CA" dirty="0" err="1" smtClean="0"/>
-              <a:t>fam</a:t>
-            </a:r>
-            <a:endParaRPr lang="en-CA" dirty="0"/>
-          </a:p>
-        </p:txBody>
-      </p:sp>
-      <p:sp>
-        <p:nvSpPr>
-          <p:cNvPr id="3" name="TextBox 2"/>
+              <a:rPr lang="en-CA" dirty="0" smtClean="0"/>
+              <a:t>Session 1</a:t>
+            </a:r>
+            <a:endParaRPr lang="en-CA" dirty="0"/>
+          </a:p>
+        </p:txBody>
+      </p:sp>
+      <p:sp>
+        <p:nvSpPr>
+          <p:cNvPr id="12" name="TextBox 11"/>
           <p:cNvSpPr txBox="1"/>
           <p:nvPr/>
         </p:nvSpPr>
         <p:spPr>
           <a:xfrm>
-            <a:off x="3618082" y="1326634"/>
-            <a:ext cx="792630" cy="369332"/>
+            <a:off x="6910438" y="3488224"/>
+            <a:ext cx="1051302" cy="369332"/>
           </a:xfrm>
           <a:prstGeom prst="rect">
             <a:avLst/>
@@ -6750,510 +7521,6 @@
           <a:lstStyle/>
           <a:p>
             <a:r>
-              <a:rPr lang="en-CA" dirty="0" err="1" smtClean="0"/>
-              <a:t>unfam</a:t>
-            </a:r>
-            <a:endParaRPr lang="en-CA" dirty="0"/>
-          </a:p>
-        </p:txBody>
-      </p:sp>
-      <p:sp>
-        <p:nvSpPr>
-          <p:cNvPr id="16" name="TextBox 15"/>
-          <p:cNvSpPr txBox="1"/>
-          <p:nvPr/>
-        </p:nvSpPr>
-        <p:spPr>
-          <a:xfrm>
-            <a:off x="3747769" y="2152134"/>
-            <a:ext cx="550075" cy="369332"/>
-          </a:xfrm>
-          <a:prstGeom prst="rect">
-            <a:avLst/>
-          </a:prstGeom>
-          <a:noFill/>
-        </p:spPr>
-        <p:txBody>
-          <a:bodyPr wrap="none" rtlCol="0">
-            <a:spAutoFit/>
-          </a:bodyPr>
-          <a:lstStyle/>
-          <a:p>
-            <a:r>
-              <a:rPr lang="en-CA" dirty="0" err="1" smtClean="0"/>
-              <a:t>fam</a:t>
-            </a:r>
-            <a:endParaRPr lang="en-CA" dirty="0"/>
-          </a:p>
-        </p:txBody>
-      </p:sp>
-      <p:sp>
-        <p:nvSpPr>
-          <p:cNvPr id="17" name="TextBox 16"/>
-          <p:cNvSpPr txBox="1"/>
-          <p:nvPr/>
-        </p:nvSpPr>
-        <p:spPr>
-          <a:xfrm>
-            <a:off x="3619351" y="2876034"/>
-            <a:ext cx="792630" cy="369332"/>
-          </a:xfrm>
-          <a:prstGeom prst="rect">
-            <a:avLst/>
-          </a:prstGeom>
-          <a:noFill/>
-        </p:spPr>
-        <p:txBody>
-          <a:bodyPr wrap="none" rtlCol="0">
-            <a:spAutoFit/>
-          </a:bodyPr>
-          <a:lstStyle/>
-          <a:p>
-            <a:r>
-              <a:rPr lang="en-CA" dirty="0" err="1" smtClean="0"/>
-              <a:t>unfam</a:t>
-            </a:r>
-            <a:endParaRPr lang="en-CA" dirty="0"/>
-          </a:p>
-        </p:txBody>
-      </p:sp>
-      <p:sp>
-        <p:nvSpPr>
-          <p:cNvPr id="19" name="Left Bracket 18"/>
-          <p:cNvSpPr/>
-          <p:nvPr/>
-        </p:nvSpPr>
-        <p:spPr>
-          <a:xfrm rot="16200000">
-            <a:off x="5353420" y="3644792"/>
-            <a:ext cx="347968" cy="1671841"/>
-          </a:xfrm>
-          <a:prstGeom prst="leftBracket">
-            <a:avLst/>
-          </a:prstGeom>
-          <a:ln w="38100">
-            <a:solidFill>
-              <a:schemeClr val="tx1"/>
-            </a:solidFill>
-          </a:ln>
-          <a:effectLst/>
-        </p:spPr>
-        <p:style>
-          <a:lnRef idx="2">
-            <a:schemeClr val="accent1"/>
-          </a:lnRef>
-          <a:fillRef idx="0">
-            <a:schemeClr val="accent1"/>
-          </a:fillRef>
-          <a:effectRef idx="1">
-            <a:schemeClr val="accent1"/>
-          </a:effectRef>
-          <a:fontRef idx="minor">
-            <a:schemeClr val="tx1"/>
-          </a:fontRef>
-        </p:style>
-        <p:txBody>
-          <a:bodyPr rtlCol="0" anchor="ctr"/>
-          <a:lstStyle/>
-          <a:p>
-            <a:pPr algn="ctr"/>
-            <a:endParaRPr lang="en-CA" dirty="0"/>
-          </a:p>
-        </p:txBody>
-      </p:sp>
-      <p:sp>
-        <p:nvSpPr>
-          <p:cNvPr id="20" name="Left Bracket 19"/>
-          <p:cNvSpPr/>
-          <p:nvPr/>
-        </p:nvSpPr>
-        <p:spPr>
-          <a:xfrm rot="16200000">
-            <a:off x="7025262" y="3644792"/>
-            <a:ext cx="347968" cy="1671841"/>
-          </a:xfrm>
-          <a:prstGeom prst="leftBracket">
-            <a:avLst/>
-          </a:prstGeom>
-          <a:ln w="38100">
-            <a:solidFill>
-              <a:schemeClr val="tx1"/>
-            </a:solidFill>
-          </a:ln>
-          <a:effectLst/>
-        </p:spPr>
-        <p:style>
-          <a:lnRef idx="2">
-            <a:schemeClr val="accent1"/>
-          </a:lnRef>
-          <a:fillRef idx="0">
-            <a:schemeClr val="accent1"/>
-          </a:fillRef>
-          <a:effectRef idx="1">
-            <a:schemeClr val="accent1"/>
-          </a:effectRef>
-          <a:fontRef idx="minor">
-            <a:schemeClr val="tx1"/>
-          </a:fontRef>
-        </p:style>
-        <p:txBody>
-          <a:bodyPr rtlCol="0" anchor="ctr"/>
-          <a:lstStyle/>
-          <a:p>
-            <a:pPr algn="ctr"/>
-            <a:endParaRPr lang="en-CA" dirty="0"/>
-          </a:p>
-        </p:txBody>
-      </p:sp>
-      <p:sp>
-        <p:nvSpPr>
-          <p:cNvPr id="21" name="Left Bracket 20"/>
-          <p:cNvSpPr/>
-          <p:nvPr/>
-        </p:nvSpPr>
-        <p:spPr>
-          <a:xfrm rot="16200000">
-            <a:off x="5032511" y="3561636"/>
-            <a:ext cx="149230" cy="733148"/>
-          </a:xfrm>
-          <a:prstGeom prst="leftBracket">
-            <a:avLst/>
-          </a:prstGeom>
-          <a:ln w="38100">
-            <a:solidFill>
-              <a:schemeClr val="tx1"/>
-            </a:solidFill>
-          </a:ln>
-          <a:effectLst/>
-        </p:spPr>
-        <p:style>
-          <a:lnRef idx="2">
-            <a:schemeClr val="accent1"/>
-          </a:lnRef>
-          <a:fillRef idx="0">
-            <a:schemeClr val="accent1"/>
-          </a:fillRef>
-          <a:effectRef idx="1">
-            <a:schemeClr val="accent1"/>
-          </a:effectRef>
-          <a:fontRef idx="minor">
-            <a:schemeClr val="tx1"/>
-          </a:fontRef>
-        </p:style>
-        <p:txBody>
-          <a:bodyPr rtlCol="0" anchor="ctr"/>
-          <a:lstStyle/>
-          <a:p>
-            <a:pPr algn="ctr"/>
-            <a:endParaRPr lang="en-CA" dirty="0"/>
-          </a:p>
-        </p:txBody>
-      </p:sp>
-      <p:sp>
-        <p:nvSpPr>
-          <p:cNvPr id="22" name="Left Bracket 21"/>
-          <p:cNvSpPr/>
-          <p:nvPr/>
-        </p:nvSpPr>
-        <p:spPr>
-          <a:xfrm rot="16200000">
-            <a:off x="5858011" y="3561636"/>
-            <a:ext cx="149230" cy="733148"/>
-          </a:xfrm>
-          <a:prstGeom prst="leftBracket">
-            <a:avLst/>
-          </a:prstGeom>
-          <a:ln w="38100">
-            <a:solidFill>
-              <a:schemeClr val="tx1"/>
-            </a:solidFill>
-          </a:ln>
-          <a:effectLst/>
-        </p:spPr>
-        <p:style>
-          <a:lnRef idx="2">
-            <a:schemeClr val="accent1"/>
-          </a:lnRef>
-          <a:fillRef idx="0">
-            <a:schemeClr val="accent1"/>
-          </a:fillRef>
-          <a:effectRef idx="1">
-            <a:schemeClr val="accent1"/>
-          </a:effectRef>
-          <a:fontRef idx="minor">
-            <a:schemeClr val="tx1"/>
-          </a:fontRef>
-        </p:style>
-        <p:txBody>
-          <a:bodyPr rtlCol="0" anchor="ctr"/>
-          <a:lstStyle/>
-          <a:p>
-            <a:pPr algn="ctr"/>
-            <a:endParaRPr lang="en-CA" dirty="0"/>
-          </a:p>
-        </p:txBody>
-      </p:sp>
-      <p:sp>
-        <p:nvSpPr>
-          <p:cNvPr id="23" name="Left Bracket 22"/>
-          <p:cNvSpPr/>
-          <p:nvPr/>
-        </p:nvSpPr>
-        <p:spPr>
-          <a:xfrm rot="16200000">
-            <a:off x="6655284" y="3561635"/>
-            <a:ext cx="149230" cy="733148"/>
-          </a:xfrm>
-          <a:prstGeom prst="leftBracket">
-            <a:avLst/>
-          </a:prstGeom>
-          <a:ln w="38100">
-            <a:solidFill>
-              <a:schemeClr val="tx1"/>
-            </a:solidFill>
-          </a:ln>
-          <a:effectLst/>
-        </p:spPr>
-        <p:style>
-          <a:lnRef idx="2">
-            <a:schemeClr val="accent1"/>
-          </a:lnRef>
-          <a:fillRef idx="0">
-            <a:schemeClr val="accent1"/>
-          </a:fillRef>
-          <a:effectRef idx="1">
-            <a:schemeClr val="accent1"/>
-          </a:effectRef>
-          <a:fontRef idx="minor">
-            <a:schemeClr val="tx1"/>
-          </a:fontRef>
-        </p:style>
-        <p:txBody>
-          <a:bodyPr rtlCol="0" anchor="ctr"/>
-          <a:lstStyle/>
-          <a:p>
-            <a:pPr algn="ctr"/>
-            <a:endParaRPr lang="en-CA" dirty="0"/>
-          </a:p>
-        </p:txBody>
-      </p:sp>
-      <p:sp>
-        <p:nvSpPr>
-          <p:cNvPr id="24" name="Left Bracket 23"/>
-          <p:cNvSpPr/>
-          <p:nvPr/>
-        </p:nvSpPr>
-        <p:spPr>
-          <a:xfrm rot="16200000">
-            <a:off x="7489961" y="3564805"/>
-            <a:ext cx="149230" cy="733148"/>
-          </a:xfrm>
-          <a:prstGeom prst="leftBracket">
-            <a:avLst/>
-          </a:prstGeom>
-          <a:ln w="38100">
-            <a:solidFill>
-              <a:schemeClr val="tx1"/>
-            </a:solidFill>
-          </a:ln>
-          <a:effectLst/>
-        </p:spPr>
-        <p:style>
-          <a:lnRef idx="2">
-            <a:schemeClr val="accent1"/>
-          </a:lnRef>
-          <a:fillRef idx="0">
-            <a:schemeClr val="accent1"/>
-          </a:fillRef>
-          <a:effectRef idx="1">
-            <a:schemeClr val="accent1"/>
-          </a:effectRef>
-          <a:fontRef idx="minor">
-            <a:schemeClr val="tx1"/>
-          </a:fontRef>
-        </p:style>
-        <p:txBody>
-          <a:bodyPr rtlCol="0" anchor="ctr"/>
-          <a:lstStyle/>
-          <a:p>
-            <a:pPr algn="ctr"/>
-            <a:endParaRPr lang="en-CA" dirty="0"/>
-          </a:p>
-        </p:txBody>
-      </p:sp>
-      <p:sp>
-        <p:nvSpPr>
-          <p:cNvPr id="25" name="TextBox 24"/>
-          <p:cNvSpPr txBox="1"/>
-          <p:nvPr/>
-        </p:nvSpPr>
-        <p:spPr>
-          <a:xfrm>
-            <a:off x="4806950" y="3922892"/>
-            <a:ext cx="550075" cy="369332"/>
-          </a:xfrm>
-          <a:prstGeom prst="rect">
-            <a:avLst/>
-          </a:prstGeom>
-          <a:noFill/>
-        </p:spPr>
-        <p:txBody>
-          <a:bodyPr wrap="none" rtlCol="0">
-            <a:spAutoFit/>
-          </a:bodyPr>
-          <a:lstStyle/>
-          <a:p>
-            <a:r>
-              <a:rPr lang="en-CA" dirty="0" err="1" smtClean="0"/>
-              <a:t>fam</a:t>
-            </a:r>
-            <a:endParaRPr lang="en-CA" dirty="0"/>
-          </a:p>
-        </p:txBody>
-      </p:sp>
-      <p:sp>
-        <p:nvSpPr>
-          <p:cNvPr id="26" name="TextBox 25"/>
-          <p:cNvSpPr txBox="1"/>
-          <p:nvPr/>
-        </p:nvSpPr>
-        <p:spPr>
-          <a:xfrm>
-            <a:off x="5564345" y="3911996"/>
-            <a:ext cx="792630" cy="369332"/>
-          </a:xfrm>
-          <a:prstGeom prst="rect">
-            <a:avLst/>
-          </a:prstGeom>
-          <a:noFill/>
-        </p:spPr>
-        <p:txBody>
-          <a:bodyPr wrap="none" rtlCol="0">
-            <a:spAutoFit/>
-          </a:bodyPr>
-          <a:lstStyle/>
-          <a:p>
-            <a:r>
-              <a:rPr lang="en-CA" dirty="0" err="1" smtClean="0"/>
-              <a:t>unfam</a:t>
-            </a:r>
-            <a:endParaRPr lang="en-CA" dirty="0"/>
-          </a:p>
-        </p:txBody>
-      </p:sp>
-      <p:sp>
-        <p:nvSpPr>
-          <p:cNvPr id="27" name="TextBox 26"/>
-          <p:cNvSpPr txBox="1"/>
-          <p:nvPr/>
-        </p:nvSpPr>
-        <p:spPr>
-          <a:xfrm>
-            <a:off x="6440607" y="3926406"/>
-            <a:ext cx="550075" cy="369332"/>
-          </a:xfrm>
-          <a:prstGeom prst="rect">
-            <a:avLst/>
-          </a:prstGeom>
-          <a:noFill/>
-        </p:spPr>
-        <p:txBody>
-          <a:bodyPr wrap="none" rtlCol="0">
-            <a:spAutoFit/>
-          </a:bodyPr>
-          <a:lstStyle/>
-          <a:p>
-            <a:r>
-              <a:rPr lang="en-CA" dirty="0" err="1" smtClean="0"/>
-              <a:t>fam</a:t>
-            </a:r>
-            <a:endParaRPr lang="en-CA" dirty="0"/>
-          </a:p>
-        </p:txBody>
-      </p:sp>
-      <p:sp>
-        <p:nvSpPr>
-          <p:cNvPr id="28" name="TextBox 27"/>
-          <p:cNvSpPr txBox="1"/>
-          <p:nvPr/>
-        </p:nvSpPr>
-        <p:spPr>
-          <a:xfrm>
-            <a:off x="7198002" y="3915510"/>
-            <a:ext cx="792630" cy="369332"/>
-          </a:xfrm>
-          <a:prstGeom prst="rect">
-            <a:avLst/>
-          </a:prstGeom>
-          <a:noFill/>
-        </p:spPr>
-        <p:txBody>
-          <a:bodyPr wrap="none" rtlCol="0">
-            <a:spAutoFit/>
-          </a:bodyPr>
-          <a:lstStyle/>
-          <a:p>
-            <a:r>
-              <a:rPr lang="en-CA" dirty="0" err="1" smtClean="0"/>
-              <a:t>unfam</a:t>
-            </a:r>
-            <a:endParaRPr lang="en-CA" dirty="0"/>
-          </a:p>
-        </p:txBody>
-      </p:sp>
-      <p:sp>
-        <p:nvSpPr>
-          <p:cNvPr id="29" name="TextBox 28"/>
-          <p:cNvSpPr txBox="1"/>
-          <p:nvPr/>
-        </p:nvSpPr>
-        <p:spPr>
-          <a:xfrm>
-            <a:off x="5038694" y="4629297"/>
-            <a:ext cx="1051302" cy="369332"/>
-          </a:xfrm>
-          <a:prstGeom prst="rect">
-            <a:avLst/>
-          </a:prstGeom>
-          <a:noFill/>
-        </p:spPr>
-        <p:txBody>
-          <a:bodyPr wrap="none" rtlCol="0">
-            <a:spAutoFit/>
-          </a:bodyPr>
-          <a:lstStyle/>
-          <a:p>
-            <a:r>
-              <a:rPr lang="en-CA" dirty="0" smtClean="0"/>
-              <a:t>Session 1</a:t>
-            </a:r>
-            <a:endParaRPr lang="en-CA" dirty="0"/>
-          </a:p>
-        </p:txBody>
-      </p:sp>
-      <p:sp>
-        <p:nvSpPr>
-          <p:cNvPr id="30" name="TextBox 29"/>
-          <p:cNvSpPr txBox="1"/>
-          <p:nvPr/>
-        </p:nvSpPr>
-        <p:spPr>
-          <a:xfrm>
-            <a:off x="6672351" y="4648347"/>
-            <a:ext cx="1051302" cy="369332"/>
-          </a:xfrm>
-          <a:prstGeom prst="rect">
-            <a:avLst/>
-          </a:prstGeom>
-          <a:noFill/>
-        </p:spPr>
-        <p:txBody>
-          <a:bodyPr wrap="none" rtlCol="0">
-            <a:spAutoFit/>
-          </a:bodyPr>
-          <a:lstStyle/>
-          <a:p>
-            <a:r>
               <a:rPr lang="en-CA" dirty="0" smtClean="0"/>
               <a:t>Session 2</a:t>
             </a:r>
@@ -7263,14 +7530,14 @@
       </p:sp>
       <p:sp>
         <p:nvSpPr>
-          <p:cNvPr id="31" name="TextBox 30"/>
+          <p:cNvPr id="13" name="TextBox 12"/>
           <p:cNvSpPr txBox="1"/>
           <p:nvPr/>
         </p:nvSpPr>
         <p:spPr>
           <a:xfrm>
-            <a:off x="4569074" y="5062813"/>
-            <a:ext cx="4457086" cy="1754327"/>
+            <a:off x="5014716" y="4056450"/>
+            <a:ext cx="3783950" cy="1754327"/>
           </a:xfrm>
           <a:prstGeom prst="rect">
             <a:avLst/>
@@ -7285,298 +7552,23 @@
           <a:p>
             <a:r>
               <a:rPr lang="en-CA" dirty="0" smtClean="0"/>
-              <a:t>Most dissimilar across sessions</a:t>
-            </a:r>
-          </a:p>
-          <a:p>
-            <a:r>
-              <a:rPr lang="en-CA" dirty="0" err="1" smtClean="0"/>
-              <a:t>Fam-unfam</a:t>
-            </a:r>
+              <a:t>More similarities within session than across</a:t>
+            </a:r>
+          </a:p>
+          <a:p>
             <a:r>
               <a:rPr lang="en-CA" dirty="0" smtClean="0"/>
-              <a:t> comparisons are more dissimilar than </a:t>
-            </a:r>
-            <a:r>
-              <a:rPr lang="en-CA" dirty="0" err="1" smtClean="0"/>
-              <a:t>fam-fam</a:t>
-            </a:r>
+              <a:t>But no difference between session 1 and 2</a:t>
+            </a:r>
+          </a:p>
+          <a:p>
+            <a:endParaRPr lang="en-CA" dirty="0"/>
+          </a:p>
+          <a:p>
             <a:r>
               <a:rPr lang="en-CA" dirty="0" smtClean="0"/>
-              <a:t> or </a:t>
-            </a:r>
-            <a:r>
-              <a:rPr lang="en-CA" dirty="0" err="1" smtClean="0"/>
-              <a:t>unfam-unfam</a:t>
-            </a:r>
-            <a:endParaRPr lang="en-CA" dirty="0" smtClean="0"/>
-          </a:p>
-          <a:p>
-            <a:endParaRPr lang="en-CA" dirty="0"/>
-          </a:p>
-          <a:p>
-            <a:r>
-              <a:rPr lang="en-CA" dirty="0" smtClean="0"/>
-              <a:t>Whole brain is significant because individual searchlights return whole brain</a:t>
-            </a:r>
-            <a:r>
-              <a:rPr lang="mr-IN" dirty="0" smtClean="0"/>
-              <a:t>…</a:t>
-            </a:r>
-            <a:endParaRPr lang="en-CA" dirty="0"/>
-          </a:p>
-        </p:txBody>
-      </p:sp>
-      <p:pic>
-        <p:nvPicPr>
-          <p:cNvPr id="13" name="Picture 12" descr="Screen Shot 2019-02-20 at 11.59.15 AM.png"/>
-          <p:cNvPicPr>
-            <a:picLocks noChangeAspect="1"/>
-          </p:cNvPicPr>
-          <p:nvPr/>
-        </p:nvPicPr>
-        <p:blipFill>
-          <a:blip r:embed="rId4">
-            <a:extLst>
-              <a:ext uri="{28A0092B-C50C-407E-A947-70E740481C1C}">
-                <a14:useLocalDpi xmlns:a14="http://schemas.microsoft.com/office/drawing/2010/main" val="0"/>
-              </a:ext>
-            </a:extLst>
-          </a:blip>
-          <a:stretch>
-            <a:fillRect/>
-          </a:stretch>
-        </p:blipFill>
-        <p:spPr>
-          <a:xfrm>
-            <a:off x="0" y="3495166"/>
-            <a:ext cx="4486615" cy="3362833"/>
-          </a:xfrm>
-          <a:prstGeom prst="rect">
-            <a:avLst/>
-          </a:prstGeom>
-        </p:spPr>
-      </p:pic>
-      <p:sp>
-        <p:nvSpPr>
-          <p:cNvPr id="18" name="Rectangle 17"/>
-          <p:cNvSpPr/>
-          <p:nvPr/>
-        </p:nvSpPr>
-        <p:spPr>
-          <a:xfrm>
-            <a:off x="6325140" y="1990293"/>
-            <a:ext cx="872862" cy="747654"/>
-          </a:xfrm>
-          <a:prstGeom prst="rect">
-            <a:avLst/>
-          </a:prstGeom>
-          <a:noFill/>
-          <a:ln w="44450">
-            <a:solidFill>
-              <a:srgbClr val="FF0000"/>
-            </a:solidFill>
-          </a:ln>
-          <a:effectLst/>
-        </p:spPr>
-        <p:style>
-          <a:lnRef idx="1">
-            <a:schemeClr val="accent1"/>
-          </a:lnRef>
-          <a:fillRef idx="3">
-            <a:schemeClr val="accent1"/>
-          </a:fillRef>
-          <a:effectRef idx="2">
-            <a:schemeClr val="accent1"/>
-          </a:effectRef>
-          <a:fontRef idx="minor">
-            <a:schemeClr val="lt1"/>
-          </a:fontRef>
-        </p:style>
-        <p:txBody>
-          <a:bodyPr rtlCol="0" anchor="ctr"/>
-          <a:lstStyle/>
-          <a:p>
-            <a:pPr algn="ctr"/>
-            <a:endParaRPr lang="en-CA" dirty="0" smtClean="0"/>
-          </a:p>
-          <a:p>
-            <a:pPr algn="ctr"/>
-            <a:r>
-              <a:rPr lang="en-CA" dirty="0" smtClean="0"/>
-              <a:t/>
-            </a:r>
-          </a:p>
-          <a:p>
-            <a:pPr algn="ctr"/>
-            <a:endParaRPr lang="en-CA" dirty="0"/>
-          </a:p>
-        </p:txBody>
-      </p:sp>
-      <p:sp>
-        <p:nvSpPr>
-          <p:cNvPr id="32" name="Rectangle 31"/>
-          <p:cNvSpPr/>
-          <p:nvPr/>
-        </p:nvSpPr>
-        <p:spPr>
-          <a:xfrm>
-            <a:off x="4675885" y="462559"/>
-            <a:ext cx="872862" cy="747654"/>
-          </a:xfrm>
-          <a:prstGeom prst="rect">
-            <a:avLst/>
-          </a:prstGeom>
-          <a:noFill/>
-          <a:ln w="44450">
-            <a:solidFill>
-              <a:srgbClr val="FF0000"/>
-            </a:solidFill>
-          </a:ln>
-          <a:effectLst/>
-        </p:spPr>
-        <p:style>
-          <a:lnRef idx="1">
-            <a:schemeClr val="accent1"/>
-          </a:lnRef>
-          <a:fillRef idx="3">
-            <a:schemeClr val="accent1"/>
-          </a:fillRef>
-          <a:effectRef idx="2">
-            <a:schemeClr val="accent1"/>
-          </a:effectRef>
-          <a:fontRef idx="minor">
-            <a:schemeClr val="lt1"/>
-          </a:fontRef>
-        </p:style>
-        <p:txBody>
-          <a:bodyPr rtlCol="0" anchor="ctr"/>
-          <a:lstStyle/>
-          <a:p>
-            <a:pPr algn="ctr"/>
-            <a:endParaRPr lang="en-CA" dirty="0" smtClean="0"/>
-          </a:p>
-          <a:p>
-            <a:pPr algn="ctr"/>
-            <a:r>
-              <a:rPr lang="en-CA" dirty="0" smtClean="0"/>
-              <a:t/>
-            </a:r>
-          </a:p>
-          <a:p>
-            <a:pPr algn="ctr"/>
-            <a:endParaRPr lang="en-CA" dirty="0"/>
-          </a:p>
-        </p:txBody>
-      </p:sp>
-      <p:sp>
-        <p:nvSpPr>
-          <p:cNvPr id="33" name="Rectangle 32"/>
-          <p:cNvSpPr/>
-          <p:nvPr/>
-        </p:nvSpPr>
-        <p:spPr>
-          <a:xfrm>
-            <a:off x="5484113" y="1242639"/>
-            <a:ext cx="872862" cy="747654"/>
-          </a:xfrm>
-          <a:prstGeom prst="rect">
-            <a:avLst/>
-          </a:prstGeom>
-          <a:noFill/>
-          <a:ln w="44450">
-            <a:solidFill>
-              <a:schemeClr val="accent5"/>
-            </a:solidFill>
-          </a:ln>
-          <a:effectLst/>
-        </p:spPr>
-        <p:style>
-          <a:lnRef idx="1">
-            <a:schemeClr val="accent1"/>
-          </a:lnRef>
-          <a:fillRef idx="3">
-            <a:schemeClr val="accent1"/>
-          </a:fillRef>
-          <a:effectRef idx="2">
-            <a:schemeClr val="accent1"/>
-          </a:effectRef>
-          <a:fontRef idx="minor">
-            <a:schemeClr val="lt1"/>
-          </a:fontRef>
-        </p:style>
-        <p:txBody>
-          <a:bodyPr rtlCol="0" anchor="ctr"/>
-          <a:lstStyle/>
-          <a:p>
-            <a:pPr algn="ctr"/>
-            <a:endParaRPr lang="en-CA" dirty="0" smtClean="0"/>
-          </a:p>
-          <a:p>
-            <a:pPr algn="ctr"/>
-            <a:r>
-              <a:rPr lang="en-CA" dirty="0" smtClean="0"/>
-              <a:t/>
-            </a:r>
-          </a:p>
-          <a:p>
-            <a:pPr algn="ctr"/>
-            <a:endParaRPr lang="en-CA" dirty="0"/>
-          </a:p>
-        </p:txBody>
-      </p:sp>
-      <p:sp>
-        <p:nvSpPr>
-          <p:cNvPr id="34" name="Rectangle 33"/>
-          <p:cNvSpPr/>
-          <p:nvPr/>
-        </p:nvSpPr>
-        <p:spPr>
-          <a:xfrm>
-            <a:off x="7162305" y="2779262"/>
-            <a:ext cx="872862" cy="747654"/>
-          </a:xfrm>
-          <a:prstGeom prst="rect">
-            <a:avLst/>
-          </a:prstGeom>
-          <a:noFill/>
-          <a:ln w="44450">
-            <a:solidFill>
-              <a:schemeClr val="accent5"/>
-            </a:solidFill>
-          </a:ln>
-          <a:effectLst/>
-        </p:spPr>
-        <p:style>
-          <a:lnRef idx="1">
-            <a:schemeClr val="accent1"/>
-          </a:lnRef>
-          <a:fillRef idx="3">
-            <a:schemeClr val="accent1"/>
-          </a:fillRef>
-          <a:effectRef idx="2">
-            <a:schemeClr val="accent1"/>
-          </a:effectRef>
-          <a:fontRef idx="minor">
-            <a:schemeClr val="lt1"/>
-          </a:fontRef>
-        </p:style>
-        <p:txBody>
-          <a:bodyPr rtlCol="0" anchor="ctr"/>
-          <a:lstStyle/>
-          <a:p>
-            <a:pPr algn="ctr"/>
-            <a:endParaRPr lang="en-CA" dirty="0" smtClean="0"/>
-          </a:p>
-          <a:p>
-            <a:pPr algn="ctr"/>
-            <a:r>
-              <a:rPr lang="en-CA" dirty="0" smtClean="0"/>
-              <a:t/>
-            </a:r>
-          </a:p>
-          <a:p>
-            <a:pPr algn="ctr"/>
+              <a:t>??</a:t>
+            </a:r>
             <a:endParaRPr lang="en-CA" dirty="0"/>
           </a:p>
         </p:txBody>
@@ -7584,17 +7576,25 @@
     </p:spTree>
     <p:extLst>
       <p:ext uri="{BB962C8B-B14F-4D97-AF65-F5344CB8AC3E}">
-        <p14:creationId xmlns:p14="http://schemas.microsoft.com/office/powerpoint/2010/main" val="1589415185"/>
+        <p14:creationId xmlns:p14="http://schemas.microsoft.com/office/powerpoint/2010/main" val="4289227938"/>
       </p:ext>
     </p:extLst>
   </p:cSld>
   <p:clrMapOvr>
     <a:masterClrMapping/>
   </p:clrMapOvr>
+  <mc:AlternateContent xmlns:mc="http://schemas.openxmlformats.org/markup-compatibility/2006" xmlns:p14="http://schemas.microsoft.com/office/powerpoint/2010/main">
+    <mc:Choice Requires="p14">
+      <p:transition spd="slow" p14:dur="2000"/>
+    </mc:Choice>
+    <mc:Fallback xmlns="">
+      <p:transition xmlns:p14="http://schemas.microsoft.com/office/powerpoint/2010/main" spd="slow"/>
+    </mc:Fallback>
+  </mc:AlternateContent>
   <p:timing>
     <p:tnLst>
       <p:par>
-        <p:cTn xmlns:p14="http://schemas.microsoft.com/office/powerpoint/2010/main" id="1" dur="indefinite" restart="never" nodeType="tmRoot"/>
+        <p:cTn id="1" dur="indefinite" restart="never" nodeType="tmRoot"/>
       </p:par>
     </p:tnLst>
   </p:timing>

--- a/Music and Memory/fMRI analysis/2019.02-SearchlightDSMsummary.pptx
+++ b/Music and Memory/fMRI analysis/2019.02-SearchlightDSMsummary.pptx
@@ -5,16 +5,17 @@
     <p:sldMasterId id="2147483648" r:id="rId1"/>
   </p:sldMasterIdLst>
   <p:notesMasterIdLst>
-    <p:notesMasterId r:id="rId9"/>
+    <p:notesMasterId r:id="rId10"/>
   </p:notesMasterIdLst>
   <p:sldIdLst>
     <p:sldId id="262" r:id="rId2"/>
-    <p:sldId id="256" r:id="rId3"/>
-    <p:sldId id="257" r:id="rId4"/>
-    <p:sldId id="258" r:id="rId5"/>
-    <p:sldId id="259" r:id="rId6"/>
-    <p:sldId id="260" r:id="rId7"/>
-    <p:sldId id="261" r:id="rId8"/>
+    <p:sldId id="263" r:id="rId3"/>
+    <p:sldId id="261" r:id="rId4"/>
+    <p:sldId id="256" r:id="rId5"/>
+    <p:sldId id="257" r:id="rId6"/>
+    <p:sldId id="258" r:id="rId7"/>
+    <p:sldId id="259" r:id="rId8"/>
+    <p:sldId id="260" r:id="rId9"/>
   </p:sldIdLst>
   <p:sldSz cx="9144000" cy="6858000" type="screen4x3"/>
   <p:notesSz cx="6858000" cy="9144000"/>
@@ -198,7 +199,7 @@
           <a:p>
             <a:fld id="{A7E2B4F6-8C79-8D44-BD9B-529472060FDD}" type="datetimeFigureOut">
               <a:rPr lang="en-US" smtClean="0"/>
-              <a:t>19-02-20</a:t>
+              <a:t>19-03-01</a:t>
             </a:fld>
             <a:endParaRPr lang="en-CA"/>
           </a:p>
@@ -512,17 +513,37 @@
           <a:p>
             <a:r>
               <a:rPr lang="en-CA" dirty="0" smtClean="0"/>
-              <a:t>1234 (</a:t>
-            </a:r>
-            <a:r>
-              <a:rPr lang="en-CA" dirty="0" err="1" smtClean="0"/>
-              <a:t>aisw</a:t>
-            </a:r>
-            <a:r>
-              <a:rPr lang="en-CA" smtClean="0"/>
-              <a:t>)</a:t>
-            </a:r>
-            <a:endParaRPr lang="en-CA"/>
+              <a:t>Ses1</a:t>
+            </a:r>
+            <a:r>
+              <a:rPr lang="en-CA" baseline="0" dirty="0" smtClean="0"/>
+              <a:t>fam ses1unfam ses2fam ses2unfam</a:t>
+            </a:r>
+          </a:p>
+          <a:p>
+            <a:r>
+              <a:rPr lang="en-CA" baseline="0" dirty="0" smtClean="0"/>
+              <a:t>1234</a:t>
+            </a:r>
+          </a:p>
+          <a:p>
+            <a:r>
+              <a:rPr lang="en-CA" baseline="0" dirty="0" smtClean="0"/>
+              <a:t>----- Meeting Notes (19-03-01 14:27) -----</a:t>
+            </a:r>
+          </a:p>
+          <a:p>
+            <a:r>
+              <a:rPr lang="en-CA" baseline="0" dirty="0" smtClean="0"/>
+              <a:t>conjunction - areas active during both conditions.</a:t>
+            </a:r>
+          </a:p>
+          <a:p>
+            <a:r>
+              <a:rPr lang="en-CA" smtClean="0"/>
+              <a:t>Check GLM</a:t>
+            </a:r>
+            <a:endParaRPr lang="en-CA" dirty="0"/>
           </a:p>
         </p:txBody>
       </p:sp>
@@ -543,7 +564,7 @@
           <a:p>
             <a:fld id="{2D2FB20A-B284-ED41-8DE6-7EE10E3CF2DE}" type="slidenum">
               <a:rPr lang="en-CA" smtClean="0"/>
-              <a:t>2</a:t>
+              <a:t>3</a:t>
             </a:fld>
             <a:endParaRPr lang="en-CA"/>
           </a:p>
@@ -552,7 +573,7 @@
     </p:spTree>
     <p:extLst>
       <p:ext uri="{BB962C8B-B14F-4D97-AF65-F5344CB8AC3E}">
-        <p14:creationId xmlns:p14="http://schemas.microsoft.com/office/powerpoint/2010/main" val="3298005378"/>
+        <p14:creationId xmlns:p14="http://schemas.microsoft.com/office/powerpoint/2010/main" val="4278522967"/>
       </p:ext>
     </p:extLst>
   </p:cSld>
@@ -608,9 +629,17 @@
           <a:p>
             <a:r>
               <a:rPr lang="en-CA" dirty="0" smtClean="0"/>
-              <a:t>1234</a:t>
-            </a:r>
-            <a:endParaRPr lang="en-CA" dirty="0"/>
+              <a:t>1234 (</a:t>
+            </a:r>
+            <a:r>
+              <a:rPr lang="en-CA" dirty="0" err="1" smtClean="0"/>
+              <a:t>aisw</a:t>
+            </a:r>
+            <a:r>
+              <a:rPr lang="en-CA" smtClean="0"/>
+              <a:t>)</a:t>
+            </a:r>
+            <a:endParaRPr lang="en-CA"/>
           </a:p>
         </p:txBody>
       </p:sp>
@@ -631,7 +660,7 @@
           <a:p>
             <a:fld id="{2D2FB20A-B284-ED41-8DE6-7EE10E3CF2DE}" type="slidenum">
               <a:rPr lang="en-CA" smtClean="0"/>
-              <a:t>3</a:t>
+              <a:t>4</a:t>
             </a:fld>
             <a:endParaRPr lang="en-CA"/>
           </a:p>
@@ -640,7 +669,7 @@
     </p:spTree>
     <p:extLst>
       <p:ext uri="{BB962C8B-B14F-4D97-AF65-F5344CB8AC3E}">
-        <p14:creationId xmlns:p14="http://schemas.microsoft.com/office/powerpoint/2010/main" val="510918305"/>
+        <p14:creationId xmlns:p14="http://schemas.microsoft.com/office/powerpoint/2010/main" val="3298005378"/>
       </p:ext>
     </p:extLst>
   </p:cSld>
@@ -696,21 +725,7 @@
           <a:p>
             <a:r>
               <a:rPr lang="en-CA" dirty="0" smtClean="0"/>
-              <a:t>Ses1 ses2</a:t>
-            </a:r>
-          </a:p>
-          <a:p>
-            <a:r>
-              <a:rPr lang="en-CA" dirty="0" smtClean="0"/>
-              <a:t>1234 1234 (</a:t>
-            </a:r>
-            <a:r>
-              <a:rPr lang="en-CA" dirty="0" err="1" smtClean="0"/>
-              <a:t>aisw</a:t>
-            </a:r>
-            <a:r>
-              <a:rPr lang="en-CA" dirty="0" smtClean="0"/>
-              <a:t>)</a:t>
+              <a:t>1234</a:t>
             </a:r>
             <a:endParaRPr lang="en-CA" dirty="0"/>
           </a:p>
@@ -733,7 +748,7 @@
           <a:p>
             <a:fld id="{2D2FB20A-B284-ED41-8DE6-7EE10E3CF2DE}" type="slidenum">
               <a:rPr lang="en-CA" smtClean="0"/>
-              <a:t>4</a:t>
+              <a:t>5</a:t>
             </a:fld>
             <a:endParaRPr lang="en-CA"/>
           </a:p>
@@ -742,7 +757,7 @@
     </p:spTree>
     <p:extLst>
       <p:ext uri="{BB962C8B-B14F-4D97-AF65-F5344CB8AC3E}">
-        <p14:creationId xmlns:p14="http://schemas.microsoft.com/office/powerpoint/2010/main" val="2106446322"/>
+        <p14:creationId xmlns:p14="http://schemas.microsoft.com/office/powerpoint/2010/main" val="510918305"/>
       </p:ext>
     </p:extLst>
   </p:cSld>
@@ -798,13 +813,21 @@
           <a:p>
             <a:r>
               <a:rPr lang="en-CA" dirty="0" smtClean="0"/>
-              <a:t>Ses1fam ses2fam</a:t>
+              <a:t>Ses1 ses2</a:t>
             </a:r>
           </a:p>
           <a:p>
             <a:r>
               <a:rPr lang="en-CA" dirty="0" smtClean="0"/>
-              <a:t>1234</a:t>
+              <a:t>1234 1234 (</a:t>
+            </a:r>
+            <a:r>
+              <a:rPr lang="en-CA" dirty="0" err="1" smtClean="0"/>
+              <a:t>aisw</a:t>
+            </a:r>
+            <a:r>
+              <a:rPr lang="en-CA" dirty="0" smtClean="0"/>
+              <a:t>)</a:t>
             </a:r>
             <a:endParaRPr lang="en-CA" dirty="0"/>
           </a:p>
@@ -827,7 +850,7 @@
           <a:p>
             <a:fld id="{2D2FB20A-B284-ED41-8DE6-7EE10E3CF2DE}" type="slidenum">
               <a:rPr lang="en-CA" smtClean="0"/>
-              <a:t>5</a:t>
+              <a:t>6</a:t>
             </a:fld>
             <a:endParaRPr lang="en-CA"/>
           </a:p>
@@ -836,7 +859,7 @@
     </p:spTree>
     <p:extLst>
       <p:ext uri="{BB962C8B-B14F-4D97-AF65-F5344CB8AC3E}">
-        <p14:creationId xmlns:p14="http://schemas.microsoft.com/office/powerpoint/2010/main" val="2692817510"/>
+        <p14:creationId xmlns:p14="http://schemas.microsoft.com/office/powerpoint/2010/main" val="2106446322"/>
       </p:ext>
     </p:extLst>
   </p:cSld>
@@ -892,13 +915,8 @@
           <a:p>
             <a:r>
               <a:rPr lang="en-CA" dirty="0" smtClean="0"/>
-              <a:t>Ses1unfam</a:t>
-            </a:r>
-            <a:r>
-              <a:rPr lang="en-CA" baseline="0" dirty="0" smtClean="0"/>
-              <a:t> ses2unfam</a:t>
-            </a:r>
-            <a:endParaRPr lang="en-CA" dirty="0" smtClean="0"/>
+              <a:t>Ses1fam ses2fam</a:t>
+            </a:r>
           </a:p>
           <a:p>
             <a:r>
@@ -926,7 +944,7 @@
           <a:p>
             <a:fld id="{2D2FB20A-B284-ED41-8DE6-7EE10E3CF2DE}" type="slidenum">
               <a:rPr lang="en-CA" smtClean="0"/>
-              <a:t>6</a:t>
+              <a:t>7</a:t>
             </a:fld>
             <a:endParaRPr lang="en-CA"/>
           </a:p>
@@ -935,7 +953,7 @@
     </p:spTree>
     <p:extLst>
       <p:ext uri="{BB962C8B-B14F-4D97-AF65-F5344CB8AC3E}">
-        <p14:creationId xmlns:p14="http://schemas.microsoft.com/office/powerpoint/2010/main" val="2693777290"/>
+        <p14:creationId xmlns:p14="http://schemas.microsoft.com/office/powerpoint/2010/main" val="2692817510"/>
       </p:ext>
     </p:extLst>
   </p:cSld>
@@ -991,16 +1009,17 @@
           <a:p>
             <a:r>
               <a:rPr lang="en-CA" dirty="0" smtClean="0"/>
-              <a:t>Ses1</a:t>
+              <a:t>Ses1unfam</a:t>
             </a:r>
             <a:r>
               <a:rPr lang="en-CA" baseline="0" dirty="0" smtClean="0"/>
-              <a:t>fam ses1unfam ses2fam ses2unfam</a:t>
-            </a:r>
-          </a:p>
-          <a:p>
-            <a:r>
-              <a:rPr lang="en-CA" baseline="0" dirty="0" smtClean="0"/>
+              <a:t> ses2unfam</a:t>
+            </a:r>
+            <a:endParaRPr lang="en-CA" dirty="0" smtClean="0"/>
+          </a:p>
+          <a:p>
+            <a:r>
+              <a:rPr lang="en-CA" dirty="0" smtClean="0"/>
               <a:t>1234</a:t>
             </a:r>
             <a:endParaRPr lang="en-CA" dirty="0"/>
@@ -1024,7 +1043,7 @@
           <a:p>
             <a:fld id="{2D2FB20A-B284-ED41-8DE6-7EE10E3CF2DE}" type="slidenum">
               <a:rPr lang="en-CA" smtClean="0"/>
-              <a:t>7</a:t>
+              <a:t>8</a:t>
             </a:fld>
             <a:endParaRPr lang="en-CA"/>
           </a:p>
@@ -1033,7 +1052,7 @@
     </p:spTree>
     <p:extLst>
       <p:ext uri="{BB962C8B-B14F-4D97-AF65-F5344CB8AC3E}">
-        <p14:creationId xmlns:p14="http://schemas.microsoft.com/office/powerpoint/2010/main" val="4278522967"/>
+        <p14:creationId xmlns:p14="http://schemas.microsoft.com/office/powerpoint/2010/main" val="2693777290"/>
       </p:ext>
     </p:extLst>
   </p:cSld>
@@ -1224,7 +1243,7 @@
           <a:p>
             <a:fld id="{3E12EA3E-02B0-D24F-961B-C60513F183AC}" type="datetimeFigureOut">
               <a:rPr lang="en-US" smtClean="0"/>
-              <a:t>19-02-20</a:t>
+              <a:t>19-03-01</a:t>
             </a:fld>
             <a:endParaRPr lang="en-CA"/>
           </a:p>
@@ -1394,7 +1413,7 @@
           <a:p>
             <a:fld id="{3E12EA3E-02B0-D24F-961B-C60513F183AC}" type="datetimeFigureOut">
               <a:rPr lang="en-US" smtClean="0"/>
-              <a:t>19-02-20</a:t>
+              <a:t>19-03-01</a:t>
             </a:fld>
             <a:endParaRPr lang="en-CA"/>
           </a:p>
@@ -1574,7 +1593,7 @@
           <a:p>
             <a:fld id="{3E12EA3E-02B0-D24F-961B-C60513F183AC}" type="datetimeFigureOut">
               <a:rPr lang="en-US" smtClean="0"/>
-              <a:t>19-02-20</a:t>
+              <a:t>19-03-01</a:t>
             </a:fld>
             <a:endParaRPr lang="en-CA"/>
           </a:p>
@@ -1744,7 +1763,7 @@
           <a:p>
             <a:fld id="{3E12EA3E-02B0-D24F-961B-C60513F183AC}" type="datetimeFigureOut">
               <a:rPr lang="en-US" smtClean="0"/>
-              <a:t>19-02-20</a:t>
+              <a:t>19-03-01</a:t>
             </a:fld>
             <a:endParaRPr lang="en-CA"/>
           </a:p>
@@ -1990,7 +2009,7 @@
           <a:p>
             <a:fld id="{3E12EA3E-02B0-D24F-961B-C60513F183AC}" type="datetimeFigureOut">
               <a:rPr lang="en-US" smtClean="0"/>
-              <a:t>19-02-20</a:t>
+              <a:t>19-03-01</a:t>
             </a:fld>
             <a:endParaRPr lang="en-CA"/>
           </a:p>
@@ -2278,7 +2297,7 @@
           <a:p>
             <a:fld id="{3E12EA3E-02B0-D24F-961B-C60513F183AC}" type="datetimeFigureOut">
               <a:rPr lang="en-US" smtClean="0"/>
-              <a:t>19-02-20</a:t>
+              <a:t>19-03-01</a:t>
             </a:fld>
             <a:endParaRPr lang="en-CA"/>
           </a:p>
@@ -2700,7 +2719,7 @@
           <a:p>
             <a:fld id="{3E12EA3E-02B0-D24F-961B-C60513F183AC}" type="datetimeFigureOut">
               <a:rPr lang="en-US" smtClean="0"/>
-              <a:t>19-02-20</a:t>
+              <a:t>19-03-01</a:t>
             </a:fld>
             <a:endParaRPr lang="en-CA"/>
           </a:p>
@@ -2818,7 +2837,7 @@
           <a:p>
             <a:fld id="{3E12EA3E-02B0-D24F-961B-C60513F183AC}" type="datetimeFigureOut">
               <a:rPr lang="en-US" smtClean="0"/>
-              <a:t>19-02-20</a:t>
+              <a:t>19-03-01</a:t>
             </a:fld>
             <a:endParaRPr lang="en-CA"/>
           </a:p>
@@ -2913,7 +2932,7 @@
           <a:p>
             <a:fld id="{3E12EA3E-02B0-D24F-961B-C60513F183AC}" type="datetimeFigureOut">
               <a:rPr lang="en-US" smtClean="0"/>
-              <a:t>19-02-20</a:t>
+              <a:t>19-03-01</a:t>
             </a:fld>
             <a:endParaRPr lang="en-CA"/>
           </a:p>
@@ -3190,7 +3209,7 @@
           <a:p>
             <a:fld id="{3E12EA3E-02B0-D24F-961B-C60513F183AC}" type="datetimeFigureOut">
               <a:rPr lang="en-US" smtClean="0"/>
-              <a:t>19-02-20</a:t>
+              <a:t>19-03-01</a:t>
             </a:fld>
             <a:endParaRPr lang="en-CA"/>
           </a:p>
@@ -3443,7 +3462,7 @@
           <a:p>
             <a:fld id="{3E12EA3E-02B0-D24F-961B-C60513F183AC}" type="datetimeFigureOut">
               <a:rPr lang="en-US" smtClean="0"/>
-              <a:t>19-02-20</a:t>
+              <a:t>19-03-01</a:t>
             </a:fld>
             <a:endParaRPr lang="en-CA"/>
           </a:p>
@@ -3656,7 +3675,7 @@
           <a:p>
             <a:fld id="{3E12EA3E-02B0-D24F-961B-C60513F183AC}" type="datetimeFigureOut">
               <a:rPr lang="en-US" smtClean="0"/>
-              <a:t>19-02-20</a:t>
+              <a:t>19-03-01</a:t>
             </a:fld>
             <a:endParaRPr lang="en-CA"/>
           </a:p>
@@ -4183,7 +4202,7 @@
 </file>
 
 <file path=ppt/slides/slide2.xml><?xml version="1.0" encoding="utf-8"?>
-<p:sld xmlns:a="http://schemas.openxmlformats.org/drawingml/2006/main" xmlns:r="http://schemas.openxmlformats.org/officeDocument/2006/relationships" xmlns:p="http://schemas.openxmlformats.org/presentationml/2006/main" show="0">
+<p:sld xmlns:a="http://schemas.openxmlformats.org/drawingml/2006/main" xmlns:r="http://schemas.openxmlformats.org/officeDocument/2006/relationships" xmlns:p="http://schemas.openxmlformats.org/presentationml/2006/main">
   <p:cSld>
     <p:spTree>
       <p:nvGrpSpPr>
@@ -4201,403 +4220,48 @@
       </p:grpSpPr>
       <p:sp>
         <p:nvSpPr>
-          <p:cNvPr id="4" name="TextBox 3"/>
-          <p:cNvSpPr txBox="1"/>
-          <p:nvPr/>
-        </p:nvSpPr>
-        <p:spPr>
-          <a:xfrm>
-            <a:off x="965200" y="800100"/>
-            <a:ext cx="1051302" cy="369332"/>
-          </a:xfrm>
-          <a:prstGeom prst="rect">
-            <a:avLst/>
-          </a:prstGeom>
-          <a:noFill/>
-        </p:spPr>
-        <p:txBody>
-          <a:bodyPr wrap="none" rtlCol="0">
-            <a:spAutoFit/>
-          </a:bodyPr>
+          <p:cNvPr id="2" name="Title 1"/>
+          <p:cNvSpPr>
+            <a:spLocks noGrp="1"/>
+          </p:cNvSpPr>
+          <p:nvPr>
+            <p:ph type="title"/>
+          </p:nvPr>
+        </p:nvSpPr>
+        <p:spPr/>
+        <p:txBody>
+          <a:bodyPr/>
+          <a:lstStyle/>
+          <a:p>
+            <a:endParaRPr lang="en-CA"/>
+          </a:p>
+        </p:txBody>
+      </p:sp>
+      <p:sp>
+        <p:nvSpPr>
+          <p:cNvPr id="3" name="Content Placeholder 2"/>
+          <p:cNvSpPr>
+            <a:spLocks noGrp="1"/>
+          </p:cNvSpPr>
+          <p:nvPr>
+            <p:ph idx="1"/>
+          </p:nvPr>
+        </p:nvSpPr>
+        <p:spPr/>
+        <p:txBody>
+          <a:bodyPr/>
           <a:lstStyle/>
           <a:p>
             <a:r>
               <a:rPr lang="en-CA" dirty="0" smtClean="0"/>
-              <a:t>Session 1</a:t>
-            </a:r>
-            <a:endParaRPr lang="en-CA" dirty="0"/>
-          </a:p>
-        </p:txBody>
-      </p:sp>
-      <p:pic>
-        <p:nvPicPr>
-          <p:cNvPr id="5" name="Picture 4" descr="Screen Shot 2019-02-13 at 11.39.06 AM.png"/>
-          <p:cNvPicPr>
-            <a:picLocks noChangeAspect="1"/>
-          </p:cNvPicPr>
-          <p:nvPr/>
-        </p:nvPicPr>
-        <p:blipFill>
-          <a:blip r:embed="rId3">
-            <a:extLst>
-              <a:ext uri="{28A0092B-C50C-407E-A947-70E740481C1C}">
-                <a14:useLocalDpi xmlns:a14="http://schemas.microsoft.com/office/drawing/2010/main" val="0"/>
-              </a:ext>
-            </a:extLst>
-          </a:blip>
-          <a:stretch>
-            <a:fillRect/>
-          </a:stretch>
-        </p:blipFill>
-        <p:spPr>
-          <a:xfrm>
-            <a:off x="4533900" y="240268"/>
-            <a:ext cx="4450158" cy="3357557"/>
-          </a:xfrm>
-          <a:prstGeom prst="rect">
-            <a:avLst/>
-          </a:prstGeom>
-        </p:spPr>
-      </p:pic>
-      <p:pic>
-        <p:nvPicPr>
-          <p:cNvPr id="6" name="Picture 5" descr="Screen Shot 2019-02-13 at 11.48.46 AM.png"/>
-          <p:cNvPicPr>
-            <a:picLocks noChangeAspect="1"/>
-          </p:cNvPicPr>
-          <p:nvPr/>
-        </p:nvPicPr>
-        <p:blipFill>
-          <a:blip r:embed="rId4">
-            <a:extLst>
-              <a:ext uri="{28A0092B-C50C-407E-A947-70E740481C1C}">
-                <a14:useLocalDpi xmlns:a14="http://schemas.microsoft.com/office/drawing/2010/main" val="0"/>
-              </a:ext>
-            </a:extLst>
-          </a:blip>
-          <a:stretch>
-            <a:fillRect/>
-          </a:stretch>
-        </p:blipFill>
-        <p:spPr>
-          <a:xfrm>
-            <a:off x="0" y="3175000"/>
-            <a:ext cx="4788155" cy="3568700"/>
-          </a:xfrm>
-          <a:prstGeom prst="rect">
-            <a:avLst/>
-          </a:prstGeom>
-        </p:spPr>
-      </p:pic>
-      <p:sp>
-        <p:nvSpPr>
-          <p:cNvPr id="2" name="TextBox 1"/>
-          <p:cNvSpPr txBox="1"/>
-          <p:nvPr/>
-        </p:nvSpPr>
-        <p:spPr>
-          <a:xfrm rot="3679062">
-            <a:off x="5105400" y="3267625"/>
-            <a:ext cx="1031239" cy="369332"/>
-          </a:xfrm>
-          <a:prstGeom prst="rect">
-            <a:avLst/>
-          </a:prstGeom>
-          <a:noFill/>
-        </p:spPr>
-        <p:txBody>
-          <a:bodyPr wrap="none" rtlCol="0">
-            <a:spAutoFit/>
-          </a:bodyPr>
-          <a:lstStyle/>
-          <a:p>
+              <a:t>As participants become more familiar with the stimuli, the amount of dissimilarity between the stimuli should increase</a:t>
+            </a:r>
+          </a:p>
+          <a:p>
+            <a:pPr lvl="1"/>
             <a:r>
               <a:rPr lang="en-CA" dirty="0" smtClean="0"/>
-              <a:t>A </a:t>
-            </a:r>
-            <a:r>
-              <a:rPr lang="en-CA" dirty="0" err="1" smtClean="0"/>
-              <a:t>capella</a:t>
-            </a:r>
-            <a:endParaRPr lang="en-CA" dirty="0"/>
-          </a:p>
-        </p:txBody>
-      </p:sp>
-      <p:sp>
-        <p:nvSpPr>
-          <p:cNvPr id="7" name="TextBox 6"/>
-          <p:cNvSpPr txBox="1"/>
-          <p:nvPr/>
-        </p:nvSpPr>
-        <p:spPr>
-          <a:xfrm rot="3679062">
-            <a:off x="5703971" y="3424845"/>
-            <a:ext cx="1389661" cy="369332"/>
-          </a:xfrm>
-          <a:prstGeom prst="rect">
-            <a:avLst/>
-          </a:prstGeom>
-          <a:noFill/>
-        </p:spPr>
-        <p:txBody>
-          <a:bodyPr wrap="none" rtlCol="0">
-            <a:spAutoFit/>
-          </a:bodyPr>
-          <a:lstStyle/>
-          <a:p>
-            <a:r>
-              <a:rPr lang="en-CA" dirty="0" smtClean="0"/>
-              <a:t>instrumental</a:t>
-            </a:r>
-            <a:endParaRPr lang="en-CA" dirty="0"/>
-          </a:p>
-        </p:txBody>
-      </p:sp>
-      <p:sp>
-        <p:nvSpPr>
-          <p:cNvPr id="8" name="TextBox 7"/>
-          <p:cNvSpPr txBox="1"/>
-          <p:nvPr/>
-        </p:nvSpPr>
-        <p:spPr>
-          <a:xfrm rot="3679062">
-            <a:off x="6575811" y="3267626"/>
-            <a:ext cx="859017" cy="369332"/>
-          </a:xfrm>
-          <a:prstGeom prst="rect">
-            <a:avLst/>
-          </a:prstGeom>
-          <a:noFill/>
-        </p:spPr>
-        <p:txBody>
-          <a:bodyPr wrap="none" rtlCol="0">
-            <a:spAutoFit/>
-          </a:bodyPr>
-          <a:lstStyle/>
-          <a:p>
-            <a:r>
-              <a:rPr lang="en-CA" dirty="0" smtClean="0"/>
-              <a:t>spoken</a:t>
-            </a:r>
-            <a:endParaRPr lang="en-CA" dirty="0"/>
-          </a:p>
-        </p:txBody>
-      </p:sp>
-      <p:sp>
-        <p:nvSpPr>
-          <p:cNvPr id="9" name="TextBox 8"/>
-          <p:cNvSpPr txBox="1"/>
-          <p:nvPr/>
-        </p:nvSpPr>
-        <p:spPr>
-          <a:xfrm rot="3679062">
-            <a:off x="7402697" y="3343169"/>
-            <a:ext cx="760507" cy="369332"/>
-          </a:xfrm>
-          <a:prstGeom prst="rect">
-            <a:avLst/>
-          </a:prstGeom>
-          <a:noFill/>
-        </p:spPr>
-        <p:txBody>
-          <a:bodyPr wrap="none" rtlCol="0">
-            <a:spAutoFit/>
-          </a:bodyPr>
-          <a:lstStyle/>
-          <a:p>
-            <a:r>
-              <a:rPr lang="en-CA" dirty="0" smtClean="0"/>
-              <a:t>whole</a:t>
-            </a:r>
-            <a:endParaRPr lang="en-CA" dirty="0"/>
-          </a:p>
-        </p:txBody>
-      </p:sp>
-      <p:sp>
-        <p:nvSpPr>
-          <p:cNvPr id="3" name="TextBox 2"/>
-          <p:cNvSpPr txBox="1"/>
-          <p:nvPr/>
-        </p:nvSpPr>
-        <p:spPr>
-          <a:xfrm>
-            <a:off x="5029556" y="4307713"/>
-            <a:ext cx="4010646" cy="1477328"/>
-          </a:xfrm>
-          <a:prstGeom prst="rect">
-            <a:avLst/>
-          </a:prstGeom>
-          <a:noFill/>
-        </p:spPr>
-        <p:txBody>
-          <a:bodyPr wrap="none" rtlCol="0">
-            <a:spAutoFit/>
-          </a:bodyPr>
-          <a:lstStyle/>
-          <a:p>
-            <a:r>
-              <a:rPr lang="en-CA" dirty="0" smtClean="0"/>
-              <a:t>spoken</a:t>
-            </a:r>
-            <a:r>
-              <a:rPr lang="mr-IN" dirty="0" smtClean="0"/>
-              <a:t>–</a:t>
-            </a:r>
-            <a:r>
-              <a:rPr lang="en-CA" dirty="0" smtClean="0"/>
-              <a:t> instrumental: most dissimilar</a:t>
-            </a:r>
-          </a:p>
-          <a:p>
-            <a:r>
-              <a:rPr lang="en-CA" dirty="0" err="1" smtClean="0"/>
-              <a:t>Acapella</a:t>
-            </a:r>
-            <a:r>
-              <a:rPr lang="en-CA" dirty="0"/>
-              <a:t>-</a:t>
-            </a:r>
-            <a:r>
-              <a:rPr lang="en-CA" dirty="0" smtClean="0"/>
-              <a:t>instrumental: next most </a:t>
-            </a:r>
-            <a:r>
-              <a:rPr lang="en-CA" dirty="0" err="1" smtClean="0"/>
-              <a:t>dissim</a:t>
-            </a:r>
-            <a:r>
-              <a:rPr lang="en-CA" dirty="0" smtClean="0"/>
-              <a:t>.</a:t>
-            </a:r>
-          </a:p>
-          <a:p>
-            <a:endParaRPr lang="en-CA" dirty="0"/>
-          </a:p>
-          <a:p>
-            <a:endParaRPr lang="en-CA" dirty="0" smtClean="0"/>
-          </a:p>
-          <a:p>
-            <a:r>
-              <a:rPr lang="en-CA" dirty="0" smtClean="0"/>
-              <a:t>??</a:t>
-            </a:r>
-          </a:p>
-        </p:txBody>
-      </p:sp>
-      <p:sp>
-        <p:nvSpPr>
-          <p:cNvPr id="10" name="TextBox 9"/>
-          <p:cNvSpPr txBox="1"/>
-          <p:nvPr/>
-        </p:nvSpPr>
-        <p:spPr>
-          <a:xfrm>
-            <a:off x="4622427" y="615434"/>
-            <a:ext cx="318229" cy="369332"/>
-          </a:xfrm>
-          <a:prstGeom prst="rect">
-            <a:avLst/>
-          </a:prstGeom>
-          <a:noFill/>
-        </p:spPr>
-        <p:txBody>
-          <a:bodyPr wrap="none" rtlCol="0">
-            <a:spAutoFit/>
-          </a:bodyPr>
-          <a:lstStyle/>
-          <a:p>
-            <a:r>
-              <a:rPr lang="en-CA" dirty="0" smtClean="0"/>
-              <a:t>A</a:t>
-            </a:r>
-          </a:p>
-        </p:txBody>
-      </p:sp>
-      <p:sp>
-        <p:nvSpPr>
-          <p:cNvPr id="11" name="TextBox 10"/>
-          <p:cNvSpPr txBox="1"/>
-          <p:nvPr/>
-        </p:nvSpPr>
-        <p:spPr>
-          <a:xfrm>
-            <a:off x="4666742" y="1339334"/>
-            <a:ext cx="242825" cy="369332"/>
-          </a:xfrm>
-          <a:prstGeom prst="rect">
-            <a:avLst/>
-          </a:prstGeom>
-          <a:noFill/>
-        </p:spPr>
-        <p:txBody>
-          <a:bodyPr wrap="none" rtlCol="0">
-            <a:spAutoFit/>
-          </a:bodyPr>
-          <a:lstStyle/>
-          <a:p>
-            <a:r>
-              <a:rPr lang="en-CA" dirty="0" smtClean="0"/>
-              <a:t>I</a:t>
-            </a:r>
-            <a:endParaRPr lang="en-CA" dirty="0"/>
-          </a:p>
-        </p:txBody>
-      </p:sp>
-      <p:sp>
-        <p:nvSpPr>
-          <p:cNvPr id="12" name="TextBox 11"/>
-          <p:cNvSpPr txBox="1"/>
-          <p:nvPr/>
-        </p:nvSpPr>
-        <p:spPr>
-          <a:xfrm>
-            <a:off x="4666742" y="1999734"/>
-            <a:ext cx="290727" cy="369332"/>
-          </a:xfrm>
-          <a:prstGeom prst="rect">
-            <a:avLst/>
-          </a:prstGeom>
-          <a:noFill/>
-        </p:spPr>
-        <p:txBody>
-          <a:bodyPr wrap="none" rtlCol="0">
-            <a:spAutoFit/>
-          </a:bodyPr>
-          <a:lstStyle/>
-          <a:p>
-            <a:r>
-              <a:rPr lang="en-CA" dirty="0" smtClean="0"/>
-              <a:t>S</a:t>
-            </a:r>
-            <a:endParaRPr lang="en-CA" dirty="0"/>
-          </a:p>
-        </p:txBody>
-      </p:sp>
-      <p:sp>
-        <p:nvSpPr>
-          <p:cNvPr id="13" name="TextBox 12"/>
-          <p:cNvSpPr txBox="1"/>
-          <p:nvPr/>
-        </p:nvSpPr>
-        <p:spPr>
-          <a:xfrm>
-            <a:off x="4598011" y="2726643"/>
-            <a:ext cx="390026" cy="369332"/>
-          </a:xfrm>
-          <a:prstGeom prst="rect">
-            <a:avLst/>
-          </a:prstGeom>
-          <a:noFill/>
-        </p:spPr>
-        <p:txBody>
-          <a:bodyPr wrap="none" rtlCol="0">
-            <a:spAutoFit/>
-          </a:bodyPr>
-          <a:lstStyle/>
-          <a:p>
-            <a:r>
-              <a:rPr lang="en-CA" dirty="0" smtClean="0"/>
-              <a:t>W</a:t>
+              <a:t>i.e. it should be easier to tell familiar stimuli apart</a:t>
             </a:r>
             <a:endParaRPr lang="en-CA" dirty="0"/>
           </a:p>
@@ -4606,21 +4270,13 @@
     </p:spTree>
     <p:extLst>
       <p:ext uri="{BB962C8B-B14F-4D97-AF65-F5344CB8AC3E}">
-        <p14:creationId xmlns:p14="http://schemas.microsoft.com/office/powerpoint/2010/main" val="872039428"/>
+        <p14:creationId xmlns:p14="http://schemas.microsoft.com/office/powerpoint/2010/main" val="215350961"/>
       </p:ext>
     </p:extLst>
   </p:cSld>
   <p:clrMapOvr>
     <a:masterClrMapping/>
   </p:clrMapOvr>
-  <mc:AlternateContent xmlns:mc="http://schemas.openxmlformats.org/markup-compatibility/2006">
-    <mc:Choice xmlns:p14="http://schemas.microsoft.com/office/powerpoint/2010/main" Requires="p14">
-      <p:transition spd="slow" p14:dur="2000"/>
-    </mc:Choice>
-    <mc:Fallback>
-      <p:transition xmlns:p14="http://schemas.microsoft.com/office/powerpoint/2010/main" spd="slow"/>
-    </mc:Fallback>
-  </mc:AlternateContent>
   <p:timing>
     <p:tnLst>
       <p:par>
@@ -4632,7 +4288,7 @@
 </file>
 
 <file path=ppt/slides/slide3.xml><?xml version="1.0" encoding="utf-8"?>
-<p:sld xmlns:a="http://schemas.openxmlformats.org/drawingml/2006/main" xmlns:r="http://schemas.openxmlformats.org/officeDocument/2006/relationships" xmlns:p="http://schemas.openxmlformats.org/presentationml/2006/main" show="0">
+<p:sld xmlns:a="http://schemas.openxmlformats.org/drawingml/2006/main" xmlns:r="http://schemas.openxmlformats.org/officeDocument/2006/relationships" xmlns:p="http://schemas.openxmlformats.org/presentationml/2006/main">
   <p:cSld>
     <p:spTree>
       <p:nvGrpSpPr>
@@ -4648,39 +4304,9 @@
           <a:chExt cx="0" cy="0"/>
         </a:xfrm>
       </p:grpSpPr>
-      <p:sp>
-        <p:nvSpPr>
-          <p:cNvPr id="4" name="TextBox 3"/>
-          <p:cNvSpPr txBox="1"/>
-          <p:nvPr/>
-        </p:nvSpPr>
-        <p:spPr>
-          <a:xfrm>
-            <a:off x="838200" y="381000"/>
-            <a:ext cx="1051302" cy="369332"/>
-          </a:xfrm>
-          <a:prstGeom prst="rect">
-            <a:avLst/>
-          </a:prstGeom>
-          <a:noFill/>
-        </p:spPr>
-        <p:txBody>
-          <a:bodyPr wrap="none" rtlCol="0">
-            <a:spAutoFit/>
-          </a:bodyPr>
-          <a:lstStyle/>
-          <a:p>
-            <a:r>
-              <a:rPr lang="en-CA" dirty="0" smtClean="0"/>
-              <a:t>Session 2</a:t>
-            </a:r>
-            <a:endParaRPr lang="en-CA" dirty="0"/>
-          </a:p>
-        </p:txBody>
-      </p:sp>
       <p:pic>
         <p:nvPicPr>
-          <p:cNvPr id="5" name="Picture 4" descr="Screen Shot 2019-02-13 at 11.39.18 AM.png"/>
+          <p:cNvPr id="4" name="Picture 3" descr="Screen Shot 2019-02-13 at 11.41.24 AM.png"/>
           <p:cNvPicPr>
             <a:picLocks noChangeAspect="1"/>
           </p:cNvPicPr>
@@ -4700,17 +4326,1013 @@
         </p:blipFill>
         <p:spPr>
           <a:xfrm>
-            <a:off x="4543993" y="381000"/>
-            <a:ext cx="4371407" cy="3276600"/>
+            <a:off x="4082983" y="196334"/>
+            <a:ext cx="4943177" cy="3731876"/>
           </a:xfrm>
           <a:prstGeom prst="rect">
             <a:avLst/>
           </a:prstGeom>
         </p:spPr>
       </p:pic>
+      <p:sp>
+        <p:nvSpPr>
+          <p:cNvPr id="5" name="TextBox 4"/>
+          <p:cNvSpPr txBox="1"/>
+          <p:nvPr/>
+        </p:nvSpPr>
+        <p:spPr>
+          <a:xfrm>
+            <a:off x="177800" y="196334"/>
+            <a:ext cx="2182246" cy="923330"/>
+          </a:xfrm>
+          <a:prstGeom prst="rect">
+            <a:avLst/>
+          </a:prstGeom>
+          <a:noFill/>
+        </p:spPr>
+        <p:txBody>
+          <a:bodyPr wrap="none" rtlCol="0">
+            <a:spAutoFit/>
+          </a:bodyPr>
+          <a:lstStyle/>
+          <a:p>
+            <a:r>
+              <a:rPr lang="en-CA" dirty="0" smtClean="0"/>
+              <a:t>Familiar &amp; Unfamiliar</a:t>
+            </a:r>
+          </a:p>
+          <a:p>
+            <a:r>
+              <a:rPr lang="en-CA" dirty="0" smtClean="0"/>
+              <a:t>Ses1 &amp; Ses2</a:t>
+            </a:r>
+          </a:p>
+          <a:p>
+            <a:r>
+              <a:rPr lang="en-CA" dirty="0" smtClean="0"/>
+              <a:t>GW mask</a:t>
+            </a:r>
+            <a:endParaRPr lang="en-CA" dirty="0"/>
+          </a:p>
+        </p:txBody>
+      </p:sp>
+      <p:sp>
+        <p:nvSpPr>
+          <p:cNvPr id="7" name="Left Bracket 6"/>
+          <p:cNvSpPr/>
+          <p:nvPr/>
+        </p:nvSpPr>
+        <p:spPr>
+          <a:xfrm>
+            <a:off x="3125263" y="462559"/>
+            <a:ext cx="316163" cy="1527734"/>
+          </a:xfrm>
+          <a:prstGeom prst="leftBracket">
+            <a:avLst/>
+          </a:prstGeom>
+          <a:ln w="38100">
+            <a:solidFill>
+              <a:schemeClr val="tx1"/>
+            </a:solidFill>
+          </a:ln>
+          <a:effectLst/>
+        </p:spPr>
+        <p:style>
+          <a:lnRef idx="2">
+            <a:schemeClr val="accent1"/>
+          </a:lnRef>
+          <a:fillRef idx="0">
+            <a:schemeClr val="accent1"/>
+          </a:fillRef>
+          <a:effectRef idx="1">
+            <a:schemeClr val="accent1"/>
+          </a:effectRef>
+          <a:fontRef idx="minor">
+            <a:schemeClr val="tx1"/>
+          </a:fontRef>
+        </p:style>
+        <p:txBody>
+          <a:bodyPr rtlCol="0" anchor="ctr"/>
+          <a:lstStyle/>
+          <a:p>
+            <a:pPr algn="ctr"/>
+            <a:endParaRPr lang="en-CA" dirty="0"/>
+          </a:p>
+        </p:txBody>
+      </p:sp>
+      <p:sp>
+        <p:nvSpPr>
+          <p:cNvPr id="8" name="Left Bracket 7"/>
+          <p:cNvSpPr/>
+          <p:nvPr/>
+        </p:nvSpPr>
+        <p:spPr>
+          <a:xfrm>
+            <a:off x="3119581" y="1990293"/>
+            <a:ext cx="316163" cy="1527734"/>
+          </a:xfrm>
+          <a:prstGeom prst="leftBracket">
+            <a:avLst/>
+          </a:prstGeom>
+          <a:ln w="38100">
+            <a:solidFill>
+              <a:schemeClr val="tx1"/>
+            </a:solidFill>
+          </a:ln>
+          <a:effectLst/>
+        </p:spPr>
+        <p:style>
+          <a:lnRef idx="2">
+            <a:schemeClr val="accent1"/>
+          </a:lnRef>
+          <a:fillRef idx="0">
+            <a:schemeClr val="accent1"/>
+          </a:fillRef>
+          <a:effectRef idx="1">
+            <a:schemeClr val="accent1"/>
+          </a:effectRef>
+          <a:fontRef idx="minor">
+            <a:schemeClr val="tx1"/>
+          </a:fontRef>
+        </p:style>
+        <p:txBody>
+          <a:bodyPr rtlCol="0" anchor="ctr"/>
+          <a:lstStyle/>
+          <a:p>
+            <a:pPr algn="ctr"/>
+            <a:endParaRPr lang="en-CA" dirty="0"/>
+          </a:p>
+        </p:txBody>
+      </p:sp>
+      <p:sp>
+        <p:nvSpPr>
+          <p:cNvPr id="9" name="TextBox 8"/>
+          <p:cNvSpPr txBox="1"/>
+          <p:nvPr/>
+        </p:nvSpPr>
+        <p:spPr>
+          <a:xfrm>
+            <a:off x="2093003" y="928955"/>
+            <a:ext cx="1051302" cy="369332"/>
+          </a:xfrm>
+          <a:prstGeom prst="rect">
+            <a:avLst/>
+          </a:prstGeom>
+          <a:noFill/>
+        </p:spPr>
+        <p:txBody>
+          <a:bodyPr wrap="none" rtlCol="0">
+            <a:spAutoFit/>
+          </a:bodyPr>
+          <a:lstStyle/>
+          <a:p>
+            <a:r>
+              <a:rPr lang="en-CA" dirty="0" smtClean="0"/>
+              <a:t>Session 1</a:t>
+            </a:r>
+            <a:endParaRPr lang="en-CA" dirty="0"/>
+          </a:p>
+        </p:txBody>
+      </p:sp>
+      <p:sp>
+        <p:nvSpPr>
+          <p:cNvPr id="10" name="TextBox 9"/>
+          <p:cNvSpPr txBox="1"/>
+          <p:nvPr/>
+        </p:nvSpPr>
+        <p:spPr>
+          <a:xfrm>
+            <a:off x="2093003" y="2409930"/>
+            <a:ext cx="1051302" cy="369332"/>
+          </a:xfrm>
+          <a:prstGeom prst="rect">
+            <a:avLst/>
+          </a:prstGeom>
+          <a:noFill/>
+        </p:spPr>
+        <p:txBody>
+          <a:bodyPr wrap="none" rtlCol="0">
+            <a:spAutoFit/>
+          </a:bodyPr>
+          <a:lstStyle/>
+          <a:p>
+            <a:r>
+              <a:rPr lang="en-CA" dirty="0" smtClean="0"/>
+              <a:t>Session 2</a:t>
+            </a:r>
+            <a:endParaRPr lang="en-CA" dirty="0"/>
+          </a:p>
+        </p:txBody>
+      </p:sp>
+      <p:sp>
+        <p:nvSpPr>
+          <p:cNvPr id="11" name="Left Bracket 10"/>
+          <p:cNvSpPr/>
+          <p:nvPr/>
+        </p:nvSpPr>
+        <p:spPr>
+          <a:xfrm>
+            <a:off x="4411981" y="462559"/>
+            <a:ext cx="106785" cy="661391"/>
+          </a:xfrm>
+          <a:prstGeom prst="leftBracket">
+            <a:avLst/>
+          </a:prstGeom>
+          <a:ln w="38100">
+            <a:solidFill>
+              <a:schemeClr val="tx1"/>
+            </a:solidFill>
+          </a:ln>
+          <a:effectLst/>
+        </p:spPr>
+        <p:style>
+          <a:lnRef idx="2">
+            <a:schemeClr val="accent1"/>
+          </a:lnRef>
+          <a:fillRef idx="0">
+            <a:schemeClr val="accent1"/>
+          </a:fillRef>
+          <a:effectRef idx="1">
+            <a:schemeClr val="accent1"/>
+          </a:effectRef>
+          <a:fontRef idx="minor">
+            <a:schemeClr val="tx1"/>
+          </a:fontRef>
+        </p:style>
+        <p:txBody>
+          <a:bodyPr rtlCol="0" anchor="ctr"/>
+          <a:lstStyle/>
+          <a:p>
+            <a:pPr algn="ctr"/>
+            <a:endParaRPr lang="en-CA" dirty="0"/>
+          </a:p>
+        </p:txBody>
+      </p:sp>
+      <p:sp>
+        <p:nvSpPr>
+          <p:cNvPr id="12" name="Left Bracket 11"/>
+          <p:cNvSpPr/>
+          <p:nvPr/>
+        </p:nvSpPr>
+        <p:spPr>
+          <a:xfrm>
+            <a:off x="4411981" y="1210213"/>
+            <a:ext cx="106785" cy="715904"/>
+          </a:xfrm>
+          <a:prstGeom prst="leftBracket">
+            <a:avLst/>
+          </a:prstGeom>
+          <a:ln w="38100">
+            <a:solidFill>
+              <a:schemeClr val="tx1"/>
+            </a:solidFill>
+          </a:ln>
+          <a:effectLst/>
+        </p:spPr>
+        <p:style>
+          <a:lnRef idx="2">
+            <a:schemeClr val="accent1"/>
+          </a:lnRef>
+          <a:fillRef idx="0">
+            <a:schemeClr val="accent1"/>
+          </a:fillRef>
+          <a:effectRef idx="1">
+            <a:schemeClr val="accent1"/>
+          </a:effectRef>
+          <a:fontRef idx="minor">
+            <a:schemeClr val="tx1"/>
+          </a:fontRef>
+        </p:style>
+        <p:txBody>
+          <a:bodyPr rtlCol="0" anchor="ctr"/>
+          <a:lstStyle/>
+          <a:p>
+            <a:pPr algn="ctr"/>
+            <a:endParaRPr lang="en-CA" dirty="0"/>
+          </a:p>
+        </p:txBody>
+      </p:sp>
+      <p:sp>
+        <p:nvSpPr>
+          <p:cNvPr id="14" name="Left Bracket 13"/>
+          <p:cNvSpPr/>
+          <p:nvPr/>
+        </p:nvSpPr>
+        <p:spPr>
+          <a:xfrm>
+            <a:off x="4411981" y="1990293"/>
+            <a:ext cx="106785" cy="715904"/>
+          </a:xfrm>
+          <a:prstGeom prst="leftBracket">
+            <a:avLst/>
+          </a:prstGeom>
+          <a:ln w="38100">
+            <a:solidFill>
+              <a:schemeClr val="tx1"/>
+            </a:solidFill>
+          </a:ln>
+          <a:effectLst/>
+        </p:spPr>
+        <p:style>
+          <a:lnRef idx="2">
+            <a:schemeClr val="accent1"/>
+          </a:lnRef>
+          <a:fillRef idx="0">
+            <a:schemeClr val="accent1"/>
+          </a:fillRef>
+          <a:effectRef idx="1">
+            <a:schemeClr val="accent1"/>
+          </a:effectRef>
+          <a:fontRef idx="minor">
+            <a:schemeClr val="tx1"/>
+          </a:fontRef>
+        </p:style>
+        <p:txBody>
+          <a:bodyPr rtlCol="0" anchor="ctr"/>
+          <a:lstStyle/>
+          <a:p>
+            <a:pPr algn="ctr"/>
+            <a:endParaRPr lang="en-CA" dirty="0"/>
+          </a:p>
+        </p:txBody>
+      </p:sp>
+      <p:sp>
+        <p:nvSpPr>
+          <p:cNvPr id="15" name="Left Bracket 14"/>
+          <p:cNvSpPr/>
+          <p:nvPr/>
+        </p:nvSpPr>
+        <p:spPr>
+          <a:xfrm>
+            <a:off x="4410712" y="2779262"/>
+            <a:ext cx="106785" cy="715904"/>
+          </a:xfrm>
+          <a:prstGeom prst="leftBracket">
+            <a:avLst/>
+          </a:prstGeom>
+          <a:ln w="38100">
+            <a:solidFill>
+              <a:schemeClr val="tx1"/>
+            </a:solidFill>
+          </a:ln>
+          <a:effectLst/>
+        </p:spPr>
+        <p:style>
+          <a:lnRef idx="2">
+            <a:schemeClr val="accent1"/>
+          </a:lnRef>
+          <a:fillRef idx="0">
+            <a:schemeClr val="accent1"/>
+          </a:fillRef>
+          <a:effectRef idx="1">
+            <a:schemeClr val="accent1"/>
+          </a:effectRef>
+          <a:fontRef idx="minor">
+            <a:schemeClr val="tx1"/>
+          </a:fontRef>
+        </p:style>
+        <p:txBody>
+          <a:bodyPr rtlCol="0" anchor="ctr"/>
+          <a:lstStyle/>
+          <a:p>
+            <a:pPr algn="ctr"/>
+            <a:endParaRPr lang="en-CA" dirty="0"/>
+          </a:p>
+        </p:txBody>
+      </p:sp>
+      <p:sp>
+        <p:nvSpPr>
+          <p:cNvPr id="2" name="TextBox 1"/>
+          <p:cNvSpPr txBox="1"/>
+          <p:nvPr/>
+        </p:nvSpPr>
+        <p:spPr>
+          <a:xfrm>
+            <a:off x="3746500" y="602734"/>
+            <a:ext cx="550075" cy="369332"/>
+          </a:xfrm>
+          <a:prstGeom prst="rect">
+            <a:avLst/>
+          </a:prstGeom>
+          <a:noFill/>
+        </p:spPr>
+        <p:txBody>
+          <a:bodyPr wrap="none" rtlCol="0">
+            <a:spAutoFit/>
+          </a:bodyPr>
+          <a:lstStyle/>
+          <a:p>
+            <a:r>
+              <a:rPr lang="en-CA" dirty="0" err="1" smtClean="0"/>
+              <a:t>fam</a:t>
+            </a:r>
+            <a:endParaRPr lang="en-CA" dirty="0"/>
+          </a:p>
+        </p:txBody>
+      </p:sp>
+      <p:sp>
+        <p:nvSpPr>
+          <p:cNvPr id="3" name="TextBox 2"/>
+          <p:cNvSpPr txBox="1"/>
+          <p:nvPr/>
+        </p:nvSpPr>
+        <p:spPr>
+          <a:xfrm>
+            <a:off x="3618082" y="1326634"/>
+            <a:ext cx="792630" cy="369332"/>
+          </a:xfrm>
+          <a:prstGeom prst="rect">
+            <a:avLst/>
+          </a:prstGeom>
+          <a:noFill/>
+        </p:spPr>
+        <p:txBody>
+          <a:bodyPr wrap="none" rtlCol="0">
+            <a:spAutoFit/>
+          </a:bodyPr>
+          <a:lstStyle/>
+          <a:p>
+            <a:r>
+              <a:rPr lang="en-CA" dirty="0" err="1" smtClean="0"/>
+              <a:t>unfam</a:t>
+            </a:r>
+            <a:endParaRPr lang="en-CA" dirty="0"/>
+          </a:p>
+        </p:txBody>
+      </p:sp>
+      <p:sp>
+        <p:nvSpPr>
+          <p:cNvPr id="16" name="TextBox 15"/>
+          <p:cNvSpPr txBox="1"/>
+          <p:nvPr/>
+        </p:nvSpPr>
+        <p:spPr>
+          <a:xfrm>
+            <a:off x="3747769" y="2152134"/>
+            <a:ext cx="550075" cy="369332"/>
+          </a:xfrm>
+          <a:prstGeom prst="rect">
+            <a:avLst/>
+          </a:prstGeom>
+          <a:noFill/>
+        </p:spPr>
+        <p:txBody>
+          <a:bodyPr wrap="none" rtlCol="0">
+            <a:spAutoFit/>
+          </a:bodyPr>
+          <a:lstStyle/>
+          <a:p>
+            <a:r>
+              <a:rPr lang="en-CA" dirty="0" err="1" smtClean="0"/>
+              <a:t>fam</a:t>
+            </a:r>
+            <a:endParaRPr lang="en-CA" dirty="0"/>
+          </a:p>
+        </p:txBody>
+      </p:sp>
+      <p:sp>
+        <p:nvSpPr>
+          <p:cNvPr id="17" name="TextBox 16"/>
+          <p:cNvSpPr txBox="1"/>
+          <p:nvPr/>
+        </p:nvSpPr>
+        <p:spPr>
+          <a:xfrm>
+            <a:off x="3619351" y="2876034"/>
+            <a:ext cx="792630" cy="369332"/>
+          </a:xfrm>
+          <a:prstGeom prst="rect">
+            <a:avLst/>
+          </a:prstGeom>
+          <a:noFill/>
+        </p:spPr>
+        <p:txBody>
+          <a:bodyPr wrap="none" rtlCol="0">
+            <a:spAutoFit/>
+          </a:bodyPr>
+          <a:lstStyle/>
+          <a:p>
+            <a:r>
+              <a:rPr lang="en-CA" dirty="0" err="1" smtClean="0"/>
+              <a:t>unfam</a:t>
+            </a:r>
+            <a:endParaRPr lang="en-CA" dirty="0"/>
+          </a:p>
+        </p:txBody>
+      </p:sp>
+      <p:sp>
+        <p:nvSpPr>
+          <p:cNvPr id="19" name="Left Bracket 18"/>
+          <p:cNvSpPr/>
+          <p:nvPr/>
+        </p:nvSpPr>
+        <p:spPr>
+          <a:xfrm rot="16200000">
+            <a:off x="5353420" y="3644792"/>
+            <a:ext cx="347968" cy="1671841"/>
+          </a:xfrm>
+          <a:prstGeom prst="leftBracket">
+            <a:avLst/>
+          </a:prstGeom>
+          <a:ln w="38100">
+            <a:solidFill>
+              <a:schemeClr val="tx1"/>
+            </a:solidFill>
+          </a:ln>
+          <a:effectLst/>
+        </p:spPr>
+        <p:style>
+          <a:lnRef idx="2">
+            <a:schemeClr val="accent1"/>
+          </a:lnRef>
+          <a:fillRef idx="0">
+            <a:schemeClr val="accent1"/>
+          </a:fillRef>
+          <a:effectRef idx="1">
+            <a:schemeClr val="accent1"/>
+          </a:effectRef>
+          <a:fontRef idx="minor">
+            <a:schemeClr val="tx1"/>
+          </a:fontRef>
+        </p:style>
+        <p:txBody>
+          <a:bodyPr rtlCol="0" anchor="ctr"/>
+          <a:lstStyle/>
+          <a:p>
+            <a:pPr algn="ctr"/>
+            <a:endParaRPr lang="en-CA" dirty="0"/>
+          </a:p>
+        </p:txBody>
+      </p:sp>
+      <p:sp>
+        <p:nvSpPr>
+          <p:cNvPr id="20" name="Left Bracket 19"/>
+          <p:cNvSpPr/>
+          <p:nvPr/>
+        </p:nvSpPr>
+        <p:spPr>
+          <a:xfrm rot="16200000">
+            <a:off x="7025262" y="3644792"/>
+            <a:ext cx="347968" cy="1671841"/>
+          </a:xfrm>
+          <a:prstGeom prst="leftBracket">
+            <a:avLst/>
+          </a:prstGeom>
+          <a:ln w="38100">
+            <a:solidFill>
+              <a:schemeClr val="tx1"/>
+            </a:solidFill>
+          </a:ln>
+          <a:effectLst/>
+        </p:spPr>
+        <p:style>
+          <a:lnRef idx="2">
+            <a:schemeClr val="accent1"/>
+          </a:lnRef>
+          <a:fillRef idx="0">
+            <a:schemeClr val="accent1"/>
+          </a:fillRef>
+          <a:effectRef idx="1">
+            <a:schemeClr val="accent1"/>
+          </a:effectRef>
+          <a:fontRef idx="minor">
+            <a:schemeClr val="tx1"/>
+          </a:fontRef>
+        </p:style>
+        <p:txBody>
+          <a:bodyPr rtlCol="0" anchor="ctr"/>
+          <a:lstStyle/>
+          <a:p>
+            <a:pPr algn="ctr"/>
+            <a:endParaRPr lang="en-CA" dirty="0"/>
+          </a:p>
+        </p:txBody>
+      </p:sp>
+      <p:sp>
+        <p:nvSpPr>
+          <p:cNvPr id="21" name="Left Bracket 20"/>
+          <p:cNvSpPr/>
+          <p:nvPr/>
+        </p:nvSpPr>
+        <p:spPr>
+          <a:xfrm rot="16200000">
+            <a:off x="5032511" y="3561636"/>
+            <a:ext cx="149230" cy="733148"/>
+          </a:xfrm>
+          <a:prstGeom prst="leftBracket">
+            <a:avLst/>
+          </a:prstGeom>
+          <a:ln w="38100">
+            <a:solidFill>
+              <a:schemeClr val="tx1"/>
+            </a:solidFill>
+          </a:ln>
+          <a:effectLst/>
+        </p:spPr>
+        <p:style>
+          <a:lnRef idx="2">
+            <a:schemeClr val="accent1"/>
+          </a:lnRef>
+          <a:fillRef idx="0">
+            <a:schemeClr val="accent1"/>
+          </a:fillRef>
+          <a:effectRef idx="1">
+            <a:schemeClr val="accent1"/>
+          </a:effectRef>
+          <a:fontRef idx="minor">
+            <a:schemeClr val="tx1"/>
+          </a:fontRef>
+        </p:style>
+        <p:txBody>
+          <a:bodyPr rtlCol="0" anchor="ctr"/>
+          <a:lstStyle/>
+          <a:p>
+            <a:pPr algn="ctr"/>
+            <a:endParaRPr lang="en-CA" dirty="0"/>
+          </a:p>
+        </p:txBody>
+      </p:sp>
+      <p:sp>
+        <p:nvSpPr>
+          <p:cNvPr id="22" name="Left Bracket 21"/>
+          <p:cNvSpPr/>
+          <p:nvPr/>
+        </p:nvSpPr>
+        <p:spPr>
+          <a:xfrm rot="16200000">
+            <a:off x="5858011" y="3561636"/>
+            <a:ext cx="149230" cy="733148"/>
+          </a:xfrm>
+          <a:prstGeom prst="leftBracket">
+            <a:avLst/>
+          </a:prstGeom>
+          <a:ln w="38100">
+            <a:solidFill>
+              <a:schemeClr val="tx1"/>
+            </a:solidFill>
+          </a:ln>
+          <a:effectLst/>
+        </p:spPr>
+        <p:style>
+          <a:lnRef idx="2">
+            <a:schemeClr val="accent1"/>
+          </a:lnRef>
+          <a:fillRef idx="0">
+            <a:schemeClr val="accent1"/>
+          </a:fillRef>
+          <a:effectRef idx="1">
+            <a:schemeClr val="accent1"/>
+          </a:effectRef>
+          <a:fontRef idx="minor">
+            <a:schemeClr val="tx1"/>
+          </a:fontRef>
+        </p:style>
+        <p:txBody>
+          <a:bodyPr rtlCol="0" anchor="ctr"/>
+          <a:lstStyle/>
+          <a:p>
+            <a:pPr algn="ctr"/>
+            <a:endParaRPr lang="en-CA" dirty="0"/>
+          </a:p>
+        </p:txBody>
+      </p:sp>
+      <p:sp>
+        <p:nvSpPr>
+          <p:cNvPr id="23" name="Left Bracket 22"/>
+          <p:cNvSpPr/>
+          <p:nvPr/>
+        </p:nvSpPr>
+        <p:spPr>
+          <a:xfrm rot="16200000">
+            <a:off x="6655284" y="3561635"/>
+            <a:ext cx="149230" cy="733148"/>
+          </a:xfrm>
+          <a:prstGeom prst="leftBracket">
+            <a:avLst/>
+          </a:prstGeom>
+          <a:ln w="38100">
+            <a:solidFill>
+              <a:schemeClr val="tx1"/>
+            </a:solidFill>
+          </a:ln>
+          <a:effectLst/>
+        </p:spPr>
+        <p:style>
+          <a:lnRef idx="2">
+            <a:schemeClr val="accent1"/>
+          </a:lnRef>
+          <a:fillRef idx="0">
+            <a:schemeClr val="accent1"/>
+          </a:fillRef>
+          <a:effectRef idx="1">
+            <a:schemeClr val="accent1"/>
+          </a:effectRef>
+          <a:fontRef idx="minor">
+            <a:schemeClr val="tx1"/>
+          </a:fontRef>
+        </p:style>
+        <p:txBody>
+          <a:bodyPr rtlCol="0" anchor="ctr"/>
+          <a:lstStyle/>
+          <a:p>
+            <a:pPr algn="ctr"/>
+            <a:endParaRPr lang="en-CA" dirty="0"/>
+          </a:p>
+        </p:txBody>
+      </p:sp>
+      <p:sp>
+        <p:nvSpPr>
+          <p:cNvPr id="24" name="Left Bracket 23"/>
+          <p:cNvSpPr/>
+          <p:nvPr/>
+        </p:nvSpPr>
+        <p:spPr>
+          <a:xfrm rot="16200000">
+            <a:off x="7489961" y="3564805"/>
+            <a:ext cx="149230" cy="733148"/>
+          </a:xfrm>
+          <a:prstGeom prst="leftBracket">
+            <a:avLst/>
+          </a:prstGeom>
+          <a:ln w="38100">
+            <a:solidFill>
+              <a:schemeClr val="tx1"/>
+            </a:solidFill>
+          </a:ln>
+          <a:effectLst/>
+        </p:spPr>
+        <p:style>
+          <a:lnRef idx="2">
+            <a:schemeClr val="accent1"/>
+          </a:lnRef>
+          <a:fillRef idx="0">
+            <a:schemeClr val="accent1"/>
+          </a:fillRef>
+          <a:effectRef idx="1">
+            <a:schemeClr val="accent1"/>
+          </a:effectRef>
+          <a:fontRef idx="minor">
+            <a:schemeClr val="tx1"/>
+          </a:fontRef>
+        </p:style>
+        <p:txBody>
+          <a:bodyPr rtlCol="0" anchor="ctr"/>
+          <a:lstStyle/>
+          <a:p>
+            <a:pPr algn="ctr"/>
+            <a:endParaRPr lang="en-CA" dirty="0"/>
+          </a:p>
+        </p:txBody>
+      </p:sp>
+      <p:sp>
+        <p:nvSpPr>
+          <p:cNvPr id="25" name="TextBox 24"/>
+          <p:cNvSpPr txBox="1"/>
+          <p:nvPr/>
+        </p:nvSpPr>
+        <p:spPr>
+          <a:xfrm>
+            <a:off x="4806950" y="3922892"/>
+            <a:ext cx="550075" cy="369332"/>
+          </a:xfrm>
+          <a:prstGeom prst="rect">
+            <a:avLst/>
+          </a:prstGeom>
+          <a:noFill/>
+        </p:spPr>
+        <p:txBody>
+          <a:bodyPr wrap="none" rtlCol="0">
+            <a:spAutoFit/>
+          </a:bodyPr>
+          <a:lstStyle/>
+          <a:p>
+            <a:r>
+              <a:rPr lang="en-CA" dirty="0" err="1" smtClean="0"/>
+              <a:t>fam</a:t>
+            </a:r>
+            <a:endParaRPr lang="en-CA" dirty="0"/>
+          </a:p>
+        </p:txBody>
+      </p:sp>
+      <p:sp>
+        <p:nvSpPr>
+          <p:cNvPr id="26" name="TextBox 25"/>
+          <p:cNvSpPr txBox="1"/>
+          <p:nvPr/>
+        </p:nvSpPr>
+        <p:spPr>
+          <a:xfrm>
+            <a:off x="5564345" y="3911996"/>
+            <a:ext cx="792630" cy="369332"/>
+          </a:xfrm>
+          <a:prstGeom prst="rect">
+            <a:avLst/>
+          </a:prstGeom>
+          <a:noFill/>
+        </p:spPr>
+        <p:txBody>
+          <a:bodyPr wrap="none" rtlCol="0">
+            <a:spAutoFit/>
+          </a:bodyPr>
+          <a:lstStyle/>
+          <a:p>
+            <a:r>
+              <a:rPr lang="en-CA" dirty="0" err="1" smtClean="0"/>
+              <a:t>unfam</a:t>
+            </a:r>
+            <a:endParaRPr lang="en-CA" dirty="0"/>
+          </a:p>
+        </p:txBody>
+      </p:sp>
+      <p:sp>
+        <p:nvSpPr>
+          <p:cNvPr id="27" name="TextBox 26"/>
+          <p:cNvSpPr txBox="1"/>
+          <p:nvPr/>
+        </p:nvSpPr>
+        <p:spPr>
+          <a:xfrm>
+            <a:off x="6440607" y="3926406"/>
+            <a:ext cx="550075" cy="369332"/>
+          </a:xfrm>
+          <a:prstGeom prst="rect">
+            <a:avLst/>
+          </a:prstGeom>
+          <a:noFill/>
+        </p:spPr>
+        <p:txBody>
+          <a:bodyPr wrap="none" rtlCol="0">
+            <a:spAutoFit/>
+          </a:bodyPr>
+          <a:lstStyle/>
+          <a:p>
+            <a:r>
+              <a:rPr lang="en-CA" dirty="0" err="1" smtClean="0"/>
+              <a:t>fam</a:t>
+            </a:r>
+            <a:endParaRPr lang="en-CA" dirty="0"/>
+          </a:p>
+        </p:txBody>
+      </p:sp>
+      <p:sp>
+        <p:nvSpPr>
+          <p:cNvPr id="28" name="TextBox 27"/>
+          <p:cNvSpPr txBox="1"/>
+          <p:nvPr/>
+        </p:nvSpPr>
+        <p:spPr>
+          <a:xfrm>
+            <a:off x="7198002" y="3915510"/>
+            <a:ext cx="792630" cy="369332"/>
+          </a:xfrm>
+          <a:prstGeom prst="rect">
+            <a:avLst/>
+          </a:prstGeom>
+          <a:noFill/>
+        </p:spPr>
+        <p:txBody>
+          <a:bodyPr wrap="none" rtlCol="0">
+            <a:spAutoFit/>
+          </a:bodyPr>
+          <a:lstStyle/>
+          <a:p>
+            <a:r>
+              <a:rPr lang="en-CA" dirty="0" err="1" smtClean="0"/>
+              <a:t>unfam</a:t>
+            </a:r>
+            <a:endParaRPr lang="en-CA" dirty="0"/>
+          </a:p>
+        </p:txBody>
+      </p:sp>
+      <p:sp>
+        <p:nvSpPr>
+          <p:cNvPr id="29" name="TextBox 28"/>
+          <p:cNvSpPr txBox="1"/>
+          <p:nvPr/>
+        </p:nvSpPr>
+        <p:spPr>
+          <a:xfrm>
+            <a:off x="5038694" y="4629297"/>
+            <a:ext cx="1051302" cy="369332"/>
+          </a:xfrm>
+          <a:prstGeom prst="rect">
+            <a:avLst/>
+          </a:prstGeom>
+          <a:noFill/>
+        </p:spPr>
+        <p:txBody>
+          <a:bodyPr wrap="none" rtlCol="0">
+            <a:spAutoFit/>
+          </a:bodyPr>
+          <a:lstStyle/>
+          <a:p>
+            <a:r>
+              <a:rPr lang="en-CA" dirty="0" smtClean="0"/>
+              <a:t>Session 1</a:t>
+            </a:r>
+            <a:endParaRPr lang="en-CA" dirty="0"/>
+          </a:p>
+        </p:txBody>
+      </p:sp>
+      <p:sp>
+        <p:nvSpPr>
+          <p:cNvPr id="30" name="TextBox 29"/>
+          <p:cNvSpPr txBox="1"/>
+          <p:nvPr/>
+        </p:nvSpPr>
+        <p:spPr>
+          <a:xfrm>
+            <a:off x="6672351" y="4648347"/>
+            <a:ext cx="1051302" cy="369332"/>
+          </a:xfrm>
+          <a:prstGeom prst="rect">
+            <a:avLst/>
+          </a:prstGeom>
+          <a:noFill/>
+        </p:spPr>
+        <p:txBody>
+          <a:bodyPr wrap="none" rtlCol="0">
+            <a:spAutoFit/>
+          </a:bodyPr>
+          <a:lstStyle/>
+          <a:p>
+            <a:r>
+              <a:rPr lang="en-CA" dirty="0" smtClean="0"/>
+              <a:t>Session 2</a:t>
+            </a:r>
+            <a:endParaRPr lang="en-CA" dirty="0"/>
+          </a:p>
+        </p:txBody>
+      </p:sp>
+      <p:sp>
+        <p:nvSpPr>
+          <p:cNvPr id="31" name="TextBox 30"/>
+          <p:cNvSpPr txBox="1"/>
+          <p:nvPr/>
+        </p:nvSpPr>
+        <p:spPr>
+          <a:xfrm>
+            <a:off x="4569074" y="5062813"/>
+            <a:ext cx="4457086" cy="1754327"/>
+          </a:xfrm>
+          <a:prstGeom prst="rect">
+            <a:avLst/>
+          </a:prstGeom>
+          <a:noFill/>
+        </p:spPr>
+        <p:txBody>
+          <a:bodyPr wrap="square" rtlCol="0">
+            <a:spAutoFit/>
+          </a:bodyPr>
+          <a:lstStyle/>
+          <a:p>
+            <a:r>
+              <a:rPr lang="en-CA" dirty="0" smtClean="0"/>
+              <a:t>Most dissimilar across sessions</a:t>
+            </a:r>
+          </a:p>
+          <a:p>
+            <a:r>
+              <a:rPr lang="en-CA" dirty="0" err="1" smtClean="0"/>
+              <a:t>Fam-unfam</a:t>
+            </a:r>
+            <a:r>
+              <a:rPr lang="en-CA" dirty="0" smtClean="0"/>
+              <a:t> comparisons are more dissimilar than </a:t>
+            </a:r>
+            <a:r>
+              <a:rPr lang="en-CA" dirty="0" err="1" smtClean="0"/>
+              <a:t>fam-fam</a:t>
+            </a:r>
+            <a:r>
+              <a:rPr lang="en-CA" dirty="0" smtClean="0"/>
+              <a:t> or </a:t>
+            </a:r>
+            <a:r>
+              <a:rPr lang="en-CA" dirty="0" err="1" smtClean="0"/>
+              <a:t>unfam-unfam</a:t>
+            </a:r>
+            <a:endParaRPr lang="en-CA" dirty="0" smtClean="0"/>
+          </a:p>
+          <a:p>
+            <a:endParaRPr lang="en-CA" dirty="0"/>
+          </a:p>
+          <a:p>
+            <a:r>
+              <a:rPr lang="en-CA" dirty="0" smtClean="0"/>
+              <a:t>Whole brain is significant because individual searchlights return whole brain</a:t>
+            </a:r>
+            <a:r>
+              <a:rPr lang="mr-IN" dirty="0" smtClean="0"/>
+              <a:t>…</a:t>
+            </a:r>
+            <a:endParaRPr lang="en-CA" dirty="0"/>
+          </a:p>
+        </p:txBody>
+      </p:sp>
       <p:pic>
         <p:nvPicPr>
-          <p:cNvPr id="6" name="Picture 5" descr="Screen Shot 2019-02-13 at 11.49.01 AM.png"/>
+          <p:cNvPr id="13" name="Picture 12" descr="Screen Shot 2019-02-20 at 11.59.15 AM.png"/>
           <p:cNvPicPr>
             <a:picLocks noChangeAspect="1"/>
           </p:cNvPicPr>
@@ -4730,8 +5352,8 @@
         </p:blipFill>
         <p:spPr>
           <a:xfrm>
-            <a:off x="317500" y="3326327"/>
-            <a:ext cx="4406900" cy="3290373"/>
+            <a:off x="0" y="3495166"/>
+            <a:ext cx="4486615" cy="3362833"/>
           </a:xfrm>
           <a:prstGeom prst="rect">
             <a:avLst/>
@@ -4740,338 +5362,212 @@
       </p:pic>
       <p:sp>
         <p:nvSpPr>
-          <p:cNvPr id="7" name="TextBox 6"/>
-          <p:cNvSpPr txBox="1"/>
-          <p:nvPr/>
-        </p:nvSpPr>
-        <p:spPr>
-          <a:xfrm rot="3679062">
-            <a:off x="5105400" y="3356525"/>
-            <a:ext cx="1031239" cy="369332"/>
+          <p:cNvPr id="18" name="Rectangle 17"/>
+          <p:cNvSpPr/>
+          <p:nvPr/>
+        </p:nvSpPr>
+        <p:spPr>
+          <a:xfrm>
+            <a:off x="6325140" y="1990293"/>
+            <a:ext cx="872862" cy="747654"/>
           </a:xfrm>
           <a:prstGeom prst="rect">
             <a:avLst/>
           </a:prstGeom>
           <a:noFill/>
-        </p:spPr>
-        <p:txBody>
-          <a:bodyPr wrap="none" rtlCol="0">
-            <a:spAutoFit/>
-          </a:bodyPr>
-          <a:lstStyle/>
-          <a:p>
-            <a:r>
-              <a:rPr lang="en-CA" dirty="0" smtClean="0"/>
-              <a:t>A </a:t>
-            </a:r>
-            <a:r>
-              <a:rPr lang="en-CA" dirty="0" err="1" smtClean="0"/>
-              <a:t>capella</a:t>
-            </a:r>
-            <a:endParaRPr lang="en-CA" dirty="0"/>
-          </a:p>
-        </p:txBody>
-      </p:sp>
-      <p:sp>
-        <p:nvSpPr>
-          <p:cNvPr id="8" name="TextBox 7"/>
-          <p:cNvSpPr txBox="1"/>
-          <p:nvPr/>
-        </p:nvSpPr>
-        <p:spPr>
-          <a:xfrm rot="3679062">
-            <a:off x="5703971" y="3513745"/>
-            <a:ext cx="1389661" cy="369332"/>
+          <a:ln w="44450">
+            <a:solidFill>
+              <a:srgbClr val="FF0000"/>
+            </a:solidFill>
+          </a:ln>
+          <a:effectLst/>
+        </p:spPr>
+        <p:style>
+          <a:lnRef idx="1">
+            <a:schemeClr val="accent1"/>
+          </a:lnRef>
+          <a:fillRef idx="3">
+            <a:schemeClr val="accent1"/>
+          </a:fillRef>
+          <a:effectRef idx="2">
+            <a:schemeClr val="accent1"/>
+          </a:effectRef>
+          <a:fontRef idx="minor">
+            <a:schemeClr val="lt1"/>
+          </a:fontRef>
+        </p:style>
+        <p:txBody>
+          <a:bodyPr rtlCol="0" anchor="ctr"/>
+          <a:lstStyle/>
+          <a:p>
+            <a:pPr algn="ctr"/>
+            <a:endParaRPr lang="en-CA" dirty="0" smtClean="0"/>
+          </a:p>
+          <a:p>
+            <a:pPr algn="ctr"/>
+            <a:endParaRPr lang="en-CA" dirty="0" smtClean="0"/>
+          </a:p>
+          <a:p>
+            <a:pPr algn="ctr"/>
+            <a:endParaRPr lang="en-CA" dirty="0"/>
+          </a:p>
+        </p:txBody>
+      </p:sp>
+      <p:sp>
+        <p:nvSpPr>
+          <p:cNvPr id="32" name="Rectangle 31"/>
+          <p:cNvSpPr/>
+          <p:nvPr/>
+        </p:nvSpPr>
+        <p:spPr>
+          <a:xfrm>
+            <a:off x="4675885" y="462559"/>
+            <a:ext cx="872862" cy="747654"/>
           </a:xfrm>
           <a:prstGeom prst="rect">
             <a:avLst/>
           </a:prstGeom>
           <a:noFill/>
-        </p:spPr>
-        <p:txBody>
-          <a:bodyPr wrap="none" rtlCol="0">
-            <a:spAutoFit/>
-          </a:bodyPr>
-          <a:lstStyle/>
-          <a:p>
-            <a:r>
-              <a:rPr lang="en-CA" dirty="0" smtClean="0"/>
-              <a:t>instrumental</a:t>
-            </a:r>
-            <a:endParaRPr lang="en-CA" dirty="0"/>
-          </a:p>
-        </p:txBody>
-      </p:sp>
-      <p:sp>
-        <p:nvSpPr>
-          <p:cNvPr id="9" name="TextBox 8"/>
-          <p:cNvSpPr txBox="1"/>
-          <p:nvPr/>
-        </p:nvSpPr>
-        <p:spPr>
-          <a:xfrm rot="3679062">
-            <a:off x="6575811" y="3356526"/>
-            <a:ext cx="859017" cy="369332"/>
+          <a:ln w="44450">
+            <a:solidFill>
+              <a:srgbClr val="FF0000"/>
+            </a:solidFill>
+          </a:ln>
+          <a:effectLst/>
+        </p:spPr>
+        <p:style>
+          <a:lnRef idx="1">
+            <a:schemeClr val="accent1"/>
+          </a:lnRef>
+          <a:fillRef idx="3">
+            <a:schemeClr val="accent1"/>
+          </a:fillRef>
+          <a:effectRef idx="2">
+            <a:schemeClr val="accent1"/>
+          </a:effectRef>
+          <a:fontRef idx="minor">
+            <a:schemeClr val="lt1"/>
+          </a:fontRef>
+        </p:style>
+        <p:txBody>
+          <a:bodyPr rtlCol="0" anchor="ctr"/>
+          <a:lstStyle/>
+          <a:p>
+            <a:pPr algn="ctr"/>
+            <a:endParaRPr lang="en-CA" dirty="0" smtClean="0"/>
+          </a:p>
+          <a:p>
+            <a:pPr algn="ctr"/>
+            <a:endParaRPr lang="en-CA" dirty="0" smtClean="0"/>
+          </a:p>
+          <a:p>
+            <a:pPr algn="ctr"/>
+            <a:endParaRPr lang="en-CA" dirty="0"/>
+          </a:p>
+        </p:txBody>
+      </p:sp>
+      <p:sp>
+        <p:nvSpPr>
+          <p:cNvPr id="33" name="Rectangle 32"/>
+          <p:cNvSpPr/>
+          <p:nvPr/>
+        </p:nvSpPr>
+        <p:spPr>
+          <a:xfrm>
+            <a:off x="5484113" y="1242639"/>
+            <a:ext cx="872862" cy="747654"/>
           </a:xfrm>
           <a:prstGeom prst="rect">
             <a:avLst/>
           </a:prstGeom>
           <a:noFill/>
-        </p:spPr>
-        <p:txBody>
-          <a:bodyPr wrap="none" rtlCol="0">
-            <a:spAutoFit/>
-          </a:bodyPr>
-          <a:lstStyle/>
-          <a:p>
-            <a:r>
-              <a:rPr lang="en-CA" dirty="0" smtClean="0"/>
-              <a:t>spoken</a:t>
-            </a:r>
-            <a:endParaRPr lang="en-CA" dirty="0"/>
-          </a:p>
-        </p:txBody>
-      </p:sp>
-      <p:sp>
-        <p:nvSpPr>
-          <p:cNvPr id="10" name="TextBox 9"/>
-          <p:cNvSpPr txBox="1"/>
-          <p:nvPr/>
-        </p:nvSpPr>
-        <p:spPr>
-          <a:xfrm rot="3679062">
-            <a:off x="7402697" y="3432069"/>
-            <a:ext cx="760507" cy="369332"/>
+          <a:ln w="44450">
+            <a:solidFill>
+              <a:schemeClr val="accent5"/>
+            </a:solidFill>
+          </a:ln>
+          <a:effectLst/>
+        </p:spPr>
+        <p:style>
+          <a:lnRef idx="1">
+            <a:schemeClr val="accent1"/>
+          </a:lnRef>
+          <a:fillRef idx="3">
+            <a:schemeClr val="accent1"/>
+          </a:fillRef>
+          <a:effectRef idx="2">
+            <a:schemeClr val="accent1"/>
+          </a:effectRef>
+          <a:fontRef idx="minor">
+            <a:schemeClr val="lt1"/>
+          </a:fontRef>
+        </p:style>
+        <p:txBody>
+          <a:bodyPr rtlCol="0" anchor="ctr"/>
+          <a:lstStyle/>
+          <a:p>
+            <a:pPr algn="ctr"/>
+            <a:endParaRPr lang="en-CA" dirty="0" smtClean="0"/>
+          </a:p>
+          <a:p>
+            <a:pPr algn="ctr"/>
+            <a:endParaRPr lang="en-CA" dirty="0" smtClean="0"/>
+          </a:p>
+          <a:p>
+            <a:pPr algn="ctr"/>
+            <a:endParaRPr lang="en-CA" dirty="0"/>
+          </a:p>
+        </p:txBody>
+      </p:sp>
+      <p:sp>
+        <p:nvSpPr>
+          <p:cNvPr id="34" name="Rectangle 33"/>
+          <p:cNvSpPr/>
+          <p:nvPr/>
+        </p:nvSpPr>
+        <p:spPr>
+          <a:xfrm>
+            <a:off x="7162305" y="2779262"/>
+            <a:ext cx="872862" cy="747654"/>
           </a:xfrm>
           <a:prstGeom prst="rect">
             <a:avLst/>
           </a:prstGeom>
           <a:noFill/>
-        </p:spPr>
-        <p:txBody>
-          <a:bodyPr wrap="none" rtlCol="0">
-            <a:spAutoFit/>
-          </a:bodyPr>
-          <a:lstStyle/>
-          <a:p>
-            <a:r>
-              <a:rPr lang="en-CA" dirty="0" smtClean="0"/>
-              <a:t>whole</a:t>
-            </a:r>
-            <a:endParaRPr lang="en-CA" dirty="0"/>
-          </a:p>
-        </p:txBody>
-      </p:sp>
-      <p:sp>
-        <p:nvSpPr>
-          <p:cNvPr id="11" name="TextBox 10"/>
-          <p:cNvSpPr txBox="1"/>
-          <p:nvPr/>
-        </p:nvSpPr>
-        <p:spPr>
-          <a:xfrm>
-            <a:off x="4622427" y="704334"/>
-            <a:ext cx="318229" cy="369332"/>
-          </a:xfrm>
-          <a:prstGeom prst="rect">
-            <a:avLst/>
-          </a:prstGeom>
-          <a:noFill/>
-        </p:spPr>
-        <p:txBody>
-          <a:bodyPr wrap="none" rtlCol="0">
-            <a:spAutoFit/>
-          </a:bodyPr>
-          <a:lstStyle/>
-          <a:p>
-            <a:r>
-              <a:rPr lang="en-CA" dirty="0" smtClean="0"/>
-              <a:t>A</a:t>
-            </a:r>
-          </a:p>
-        </p:txBody>
-      </p:sp>
-      <p:sp>
-        <p:nvSpPr>
-          <p:cNvPr id="12" name="TextBox 11"/>
-          <p:cNvSpPr txBox="1"/>
-          <p:nvPr/>
-        </p:nvSpPr>
-        <p:spPr>
-          <a:xfrm>
-            <a:off x="4666742" y="1428234"/>
-            <a:ext cx="242825" cy="369332"/>
-          </a:xfrm>
-          <a:prstGeom prst="rect">
-            <a:avLst/>
-          </a:prstGeom>
-          <a:noFill/>
-        </p:spPr>
-        <p:txBody>
-          <a:bodyPr wrap="none" rtlCol="0">
-            <a:spAutoFit/>
-          </a:bodyPr>
-          <a:lstStyle/>
-          <a:p>
-            <a:r>
-              <a:rPr lang="en-CA" dirty="0" smtClean="0"/>
-              <a:t>I</a:t>
-            </a:r>
-            <a:endParaRPr lang="en-CA" dirty="0"/>
-          </a:p>
-        </p:txBody>
-      </p:sp>
-      <p:sp>
-        <p:nvSpPr>
-          <p:cNvPr id="13" name="TextBox 12"/>
-          <p:cNvSpPr txBox="1"/>
-          <p:nvPr/>
-        </p:nvSpPr>
-        <p:spPr>
-          <a:xfrm>
-            <a:off x="4666742" y="2088634"/>
-            <a:ext cx="290727" cy="369332"/>
-          </a:xfrm>
-          <a:prstGeom prst="rect">
-            <a:avLst/>
-          </a:prstGeom>
-          <a:noFill/>
-        </p:spPr>
-        <p:txBody>
-          <a:bodyPr wrap="none" rtlCol="0">
-            <a:spAutoFit/>
-          </a:bodyPr>
-          <a:lstStyle/>
-          <a:p>
-            <a:r>
-              <a:rPr lang="en-CA" dirty="0" smtClean="0"/>
-              <a:t>S</a:t>
-            </a:r>
-            <a:endParaRPr lang="en-CA" dirty="0"/>
-          </a:p>
-        </p:txBody>
-      </p:sp>
-      <p:sp>
-        <p:nvSpPr>
-          <p:cNvPr id="14" name="TextBox 13"/>
-          <p:cNvSpPr txBox="1"/>
-          <p:nvPr/>
-        </p:nvSpPr>
-        <p:spPr>
-          <a:xfrm>
-            <a:off x="4598011" y="2815543"/>
-            <a:ext cx="390026" cy="369332"/>
-          </a:xfrm>
-          <a:prstGeom prst="rect">
-            <a:avLst/>
-          </a:prstGeom>
-          <a:noFill/>
-        </p:spPr>
-        <p:txBody>
-          <a:bodyPr wrap="none" rtlCol="0">
-            <a:spAutoFit/>
-          </a:bodyPr>
-          <a:lstStyle/>
-          <a:p>
-            <a:r>
-              <a:rPr lang="en-CA" dirty="0" smtClean="0"/>
-              <a:t>W</a:t>
-            </a:r>
-            <a:endParaRPr lang="en-CA" dirty="0"/>
-          </a:p>
-        </p:txBody>
-      </p:sp>
-      <p:sp>
-        <p:nvSpPr>
-          <p:cNvPr id="2" name="TextBox 1"/>
-          <p:cNvSpPr txBox="1"/>
-          <p:nvPr/>
-        </p:nvSpPr>
-        <p:spPr>
-          <a:xfrm>
-            <a:off x="168103" y="939787"/>
-            <a:ext cx="4361692" cy="646331"/>
-          </a:xfrm>
-          <a:prstGeom prst="rect">
-            <a:avLst/>
-          </a:prstGeom>
-          <a:noFill/>
-        </p:spPr>
-        <p:txBody>
-          <a:bodyPr wrap="square" rtlCol="0">
-            <a:spAutoFit/>
-          </a:bodyPr>
-          <a:lstStyle/>
-          <a:p>
-            <a:r>
-              <a:rPr lang="en-CA" dirty="0" smtClean="0"/>
-              <a:t>Compared to session 1, things are more dissimilar in session 2</a:t>
-            </a:r>
-            <a:endParaRPr lang="en-CA" dirty="0"/>
-          </a:p>
-        </p:txBody>
-      </p:sp>
-      <p:sp>
-        <p:nvSpPr>
-          <p:cNvPr id="3" name="TextBox 2"/>
-          <p:cNvSpPr txBox="1"/>
-          <p:nvPr/>
-        </p:nvSpPr>
-        <p:spPr>
-          <a:xfrm>
-            <a:off x="5322832" y="4422801"/>
-            <a:ext cx="2727542" cy="1754327"/>
-          </a:xfrm>
-          <a:prstGeom prst="rect">
-            <a:avLst/>
-          </a:prstGeom>
-          <a:noFill/>
-        </p:spPr>
-        <p:txBody>
-          <a:bodyPr wrap="none" rtlCol="0">
-            <a:spAutoFit/>
-          </a:bodyPr>
-          <a:lstStyle/>
-          <a:p>
-            <a:r>
-              <a:rPr lang="en-CA" dirty="0" smtClean="0"/>
-              <a:t>Instrumental-spoken: most</a:t>
-            </a:r>
-          </a:p>
-          <a:p>
-            <a:r>
-              <a:rPr lang="en-CA" dirty="0" smtClean="0"/>
-              <a:t>Spoken-whole</a:t>
-            </a:r>
-          </a:p>
-          <a:p>
-            <a:r>
-              <a:rPr lang="en-CA" dirty="0" err="1" smtClean="0"/>
-              <a:t>acapella</a:t>
-            </a:r>
-            <a:r>
-              <a:rPr lang="en-CA" dirty="0" smtClean="0"/>
-              <a:t>-instrumental</a:t>
-            </a:r>
-          </a:p>
-          <a:p>
-            <a:r>
-              <a:rPr lang="en-CA" dirty="0" err="1" smtClean="0"/>
-              <a:t>Acapella</a:t>
-            </a:r>
-            <a:r>
-              <a:rPr lang="en-CA" dirty="0" smtClean="0"/>
-              <a:t>-spoken</a:t>
-            </a:r>
-          </a:p>
-          <a:p>
-            <a:endParaRPr lang="en-CA" dirty="0"/>
-          </a:p>
-          <a:p>
-            <a:r>
-              <a:rPr lang="en-CA" dirty="0" smtClean="0"/>
-              <a:t>??</a:t>
-            </a:r>
+          <a:ln w="44450">
+            <a:solidFill>
+              <a:schemeClr val="accent5"/>
+            </a:solidFill>
+          </a:ln>
+          <a:effectLst/>
+        </p:spPr>
+        <p:style>
+          <a:lnRef idx="1">
+            <a:schemeClr val="accent1"/>
+          </a:lnRef>
+          <a:fillRef idx="3">
+            <a:schemeClr val="accent1"/>
+          </a:fillRef>
+          <a:effectRef idx="2">
+            <a:schemeClr val="accent1"/>
+          </a:effectRef>
+          <a:fontRef idx="minor">
+            <a:schemeClr val="lt1"/>
+          </a:fontRef>
+        </p:style>
+        <p:txBody>
+          <a:bodyPr rtlCol="0" anchor="ctr"/>
+          <a:lstStyle/>
+          <a:p>
+            <a:pPr algn="ctr"/>
+            <a:endParaRPr lang="en-CA" dirty="0" smtClean="0"/>
+          </a:p>
+          <a:p>
+            <a:pPr algn="ctr"/>
+            <a:endParaRPr lang="en-CA" dirty="0" smtClean="0"/>
+          </a:p>
+          <a:p>
+            <a:pPr algn="ctr"/>
             <a:endParaRPr lang="en-CA" dirty="0"/>
           </a:p>
         </p:txBody>
@@ -5079,25 +5575,85 @@
     </p:spTree>
     <p:extLst>
       <p:ext uri="{BB962C8B-B14F-4D97-AF65-F5344CB8AC3E}">
-        <p14:creationId xmlns:p14="http://schemas.microsoft.com/office/powerpoint/2010/main" val="3003338468"/>
+        <p14:creationId xmlns:p14="http://schemas.microsoft.com/office/powerpoint/2010/main" val="1589415185"/>
       </p:ext>
     </p:extLst>
   </p:cSld>
   <p:clrMapOvr>
     <a:masterClrMapping/>
   </p:clrMapOvr>
-  <mc:AlternateContent xmlns:mc="http://schemas.openxmlformats.org/markup-compatibility/2006">
-    <mc:Choice xmlns:p14="http://schemas.microsoft.com/office/powerpoint/2010/main" Requires="p14">
-      <p:transition spd="slow" p14:dur="2000"/>
-    </mc:Choice>
-    <mc:Fallback>
-      <p:transition xmlns:p14="http://schemas.microsoft.com/office/powerpoint/2010/main" spd="slow"/>
-    </mc:Fallback>
-  </mc:AlternateContent>
   <p:timing>
     <p:tnLst>
       <p:par>
-        <p:cTn xmlns:p14="http://schemas.microsoft.com/office/powerpoint/2010/main" id="1" dur="indefinite" restart="never" nodeType="tmRoot"/>
+        <p:cTn xmlns:p14="http://schemas.microsoft.com/office/powerpoint/2010/main" id="1" dur="indefinite" restart="never" nodeType="tmRoot">
+          <p:childTnLst>
+            <p:seq concurrent="1" nextAc="seek">
+              <p:cTn id="2" dur="indefinite" nodeType="mainSeq">
+                <p:childTnLst>
+                  <p:par>
+                    <p:cTn id="3" fill="hold">
+                      <p:stCondLst>
+                        <p:cond delay="indefinite"/>
+                      </p:stCondLst>
+                      <p:childTnLst>
+                        <p:par>
+                          <p:cTn id="4" fill="hold">
+                            <p:stCondLst>
+                              <p:cond delay="0"/>
+                            </p:stCondLst>
+                            <p:childTnLst>
+                              <p:par>
+                                <p:cTn id="5" presetID="1" presetClass="entr" presetSubtype="0" fill="hold" nodeType="clickEffect">
+                                  <p:stCondLst>
+                                    <p:cond delay="0"/>
+                                  </p:stCondLst>
+                                  <p:childTnLst>
+                                    <p:set>
+                                      <p:cBhvr>
+                                        <p:cTn id="6" dur="1" fill="hold">
+                                          <p:stCondLst>
+                                            <p:cond delay="0"/>
+                                          </p:stCondLst>
+                                        </p:cTn>
+                                        <p:tgtEl>
+                                          <p:spTgt spid="13"/>
+                                        </p:tgtEl>
+                                        <p:attrNameLst>
+                                          <p:attrName>style.visibility</p:attrName>
+                                        </p:attrNameLst>
+                                      </p:cBhvr>
+                                      <p:to>
+                                        <p:strVal val="visible"/>
+                                      </p:to>
+                                    </p:set>
+                                  </p:childTnLst>
+                                </p:cTn>
+                              </p:par>
+                            </p:childTnLst>
+                          </p:cTn>
+                        </p:par>
+                      </p:childTnLst>
+                    </p:cTn>
+                  </p:par>
+                </p:childTnLst>
+              </p:cTn>
+              <p:prevCondLst>
+                <p:cond evt="onPrev" delay="0">
+                  <p:tgtEl>
+                    <p:sldTgt/>
+                  </p:tgtEl>
+                </p:cond>
+              </p:prevCondLst>
+              <p:nextCondLst>
+                <p:cond evt="onNext" delay="0">
+                  <p:tgtEl>
+                    <p:sldTgt/>
+                  </p:tgtEl>
+                </p:cond>
+              </p:nextCondLst>
+            </p:seq>
+          </p:childTnLst>
+        </p:cTn>
       </p:par>
     </p:tnLst>
   </p:timing>
@@ -5129,8 +5685,8 @@
         </p:nvSpPr>
         <p:spPr>
           <a:xfrm>
-            <a:off x="977900" y="419100"/>
-            <a:ext cx="1625791" cy="369332"/>
+            <a:off x="965200" y="800100"/>
+            <a:ext cx="1051302" cy="369332"/>
           </a:xfrm>
           <a:prstGeom prst="rect">
             <a:avLst/>
@@ -5145,7 +5701,7 @@
           <a:p>
             <a:r>
               <a:rPr lang="en-CA" dirty="0" smtClean="0"/>
-              <a:t>Session 1 and 2</a:t>
+              <a:t>Session 1</a:t>
             </a:r>
             <a:endParaRPr lang="en-CA" dirty="0"/>
           </a:p>
@@ -5153,7 +5709,7 @@
       </p:sp>
       <p:pic>
         <p:nvPicPr>
-          <p:cNvPr id="5" name="Picture 4" descr="Screen Shot 2019-02-13 at 11.39.31 AM.png"/>
+          <p:cNvPr id="5" name="Picture 4" descr="Screen Shot 2019-02-13 at 11.39.06 AM.png"/>
           <p:cNvPicPr>
             <a:picLocks noChangeAspect="1"/>
           </p:cNvPicPr>
@@ -5173,8 +5729,8 @@
         </p:blipFill>
         <p:spPr>
           <a:xfrm>
-            <a:off x="4109787" y="232573"/>
-            <a:ext cx="4667601" cy="3544695"/>
+            <a:off x="4533900" y="240268"/>
+            <a:ext cx="4450158" cy="3357557"/>
           </a:xfrm>
           <a:prstGeom prst="rect">
             <a:avLst/>
@@ -5183,7 +5739,7 @@
       </p:pic>
       <p:pic>
         <p:nvPicPr>
-          <p:cNvPr id="6" name="Picture 5" descr="Screen Shot 2019-02-13 at 11.49.12 AM.png"/>
+          <p:cNvPr id="6" name="Picture 5" descr="Screen Shot 2019-02-13 at 11.48.46 AM.png"/>
           <p:cNvPicPr>
             <a:picLocks noChangeAspect="1"/>
           </p:cNvPicPr>
@@ -5203,8 +5759,8 @@
         </p:blipFill>
         <p:spPr>
           <a:xfrm>
-            <a:off x="259725" y="3129473"/>
-            <a:ext cx="4216674" cy="3182547"/>
+            <a:off x="0" y="3175000"/>
+            <a:ext cx="4788155" cy="3568700"/>
           </a:xfrm>
           <a:prstGeom prst="rect">
             <a:avLst/>
@@ -5213,102 +5769,14 @@
       </p:pic>
       <p:sp>
         <p:nvSpPr>
-          <p:cNvPr id="2" name="Left Bracket 1"/>
-          <p:cNvSpPr/>
-          <p:nvPr/>
-        </p:nvSpPr>
-        <p:spPr>
-          <a:xfrm>
-            <a:off x="4045815" y="523854"/>
-            <a:ext cx="288052" cy="1335500"/>
-          </a:xfrm>
-          <a:prstGeom prst="leftBracket">
-            <a:avLst/>
-          </a:prstGeom>
-          <a:ln w="38100">
-            <a:solidFill>
-              <a:schemeClr val="tx1"/>
-            </a:solidFill>
-          </a:ln>
-          <a:effectLst/>
-        </p:spPr>
-        <p:style>
-          <a:lnRef idx="2">
-            <a:schemeClr val="accent1"/>
-          </a:lnRef>
-          <a:fillRef idx="0">
-            <a:schemeClr val="accent1"/>
-          </a:fillRef>
-          <a:effectRef idx="1">
-            <a:schemeClr val="accent1"/>
-          </a:effectRef>
-          <a:fontRef idx="minor">
-            <a:schemeClr val="tx1"/>
-          </a:fontRef>
-        </p:style>
-        <p:txBody>
-          <a:bodyPr rtlCol="0" anchor="ctr"/>
-          <a:lstStyle/>
-          <a:p>
-            <a:pPr algn="ctr"/>
-            <a:endParaRPr lang="en-CA" dirty="0"/>
-          </a:p>
-        </p:txBody>
-      </p:sp>
-      <p:sp>
-        <p:nvSpPr>
-          <p:cNvPr id="7" name="Left Bracket 6"/>
-          <p:cNvSpPr/>
-          <p:nvPr/>
-        </p:nvSpPr>
-        <p:spPr>
-          <a:xfrm>
-            <a:off x="4045815" y="2007027"/>
-            <a:ext cx="288052" cy="1335500"/>
-          </a:xfrm>
-          <a:prstGeom prst="leftBracket">
-            <a:avLst/>
-          </a:prstGeom>
-          <a:ln w="38100">
-            <a:solidFill>
-              <a:schemeClr val="tx1"/>
-            </a:solidFill>
-          </a:ln>
-          <a:effectLst/>
-        </p:spPr>
-        <p:style>
-          <a:lnRef idx="2">
-            <a:schemeClr val="accent1"/>
-          </a:lnRef>
-          <a:fillRef idx="0">
-            <a:schemeClr val="accent1"/>
-          </a:fillRef>
-          <a:effectRef idx="1">
-            <a:schemeClr val="accent1"/>
-          </a:effectRef>
-          <a:fontRef idx="minor">
-            <a:schemeClr val="tx1"/>
-          </a:fontRef>
-        </p:style>
-        <p:txBody>
-          <a:bodyPr rtlCol="0" anchor="ctr"/>
-          <a:lstStyle/>
-          <a:p>
-            <a:pPr algn="ctr"/>
-            <a:endParaRPr lang="en-CA" dirty="0"/>
-          </a:p>
-        </p:txBody>
-      </p:sp>
-      <p:sp>
-        <p:nvSpPr>
-          <p:cNvPr id="3" name="TextBox 2"/>
+          <p:cNvPr id="2" name="TextBox 1"/>
           <p:cNvSpPr txBox="1"/>
           <p:nvPr/>
         </p:nvSpPr>
         <p:spPr>
-          <a:xfrm>
-            <a:off x="2815049" y="1006891"/>
-            <a:ext cx="1051302" cy="369332"/>
+          <a:xfrm rot="3679062">
+            <a:off x="5105400" y="3267625"/>
+            <a:ext cx="1031239" cy="369332"/>
           </a:xfrm>
           <a:prstGeom prst="rect">
             <a:avLst/>
@@ -5323,22 +5791,26 @@
           <a:p>
             <a:r>
               <a:rPr lang="en-CA" dirty="0" smtClean="0"/>
-              <a:t>Session 1</a:t>
-            </a:r>
-            <a:endParaRPr lang="en-CA" dirty="0"/>
-          </a:p>
-        </p:txBody>
-      </p:sp>
-      <p:sp>
-        <p:nvSpPr>
-          <p:cNvPr id="8" name="TextBox 7"/>
+              <a:t>A </a:t>
+            </a:r>
+            <a:r>
+              <a:rPr lang="en-CA" dirty="0" err="1" smtClean="0"/>
+              <a:t>capella</a:t>
+            </a:r>
+            <a:endParaRPr lang="en-CA" dirty="0"/>
+          </a:p>
+        </p:txBody>
+      </p:sp>
+      <p:sp>
+        <p:nvSpPr>
+          <p:cNvPr id="7" name="TextBox 6"/>
           <p:cNvSpPr txBox="1"/>
           <p:nvPr/>
         </p:nvSpPr>
         <p:spPr>
-          <a:xfrm>
-            <a:off x="2815049" y="2487866"/>
-            <a:ext cx="1051302" cy="369332"/>
+          <a:xfrm rot="3679062">
+            <a:off x="5703971" y="3424845"/>
+            <a:ext cx="1389661" cy="369332"/>
           </a:xfrm>
           <a:prstGeom prst="rect">
             <a:avLst/>
@@ -5353,22 +5825,22 @@
           <a:p>
             <a:r>
               <a:rPr lang="en-CA" dirty="0" smtClean="0"/>
-              <a:t>Session 2</a:t>
-            </a:r>
-            <a:endParaRPr lang="en-CA" dirty="0"/>
-          </a:p>
-        </p:txBody>
-      </p:sp>
-      <p:sp>
-        <p:nvSpPr>
-          <p:cNvPr id="9" name="TextBox 8"/>
+              <a:t>instrumental</a:t>
+            </a:r>
+            <a:endParaRPr lang="en-CA" dirty="0"/>
+          </a:p>
+        </p:txBody>
+      </p:sp>
+      <p:sp>
+        <p:nvSpPr>
+          <p:cNvPr id="8" name="TextBox 7"/>
           <p:cNvSpPr txBox="1"/>
           <p:nvPr/>
         </p:nvSpPr>
         <p:spPr>
-          <a:xfrm>
-            <a:off x="4983809" y="3592602"/>
-            <a:ext cx="1051302" cy="369332"/>
+          <a:xfrm rot="3679062">
+            <a:off x="6575811" y="3267626"/>
+            <a:ext cx="859017" cy="369332"/>
           </a:xfrm>
           <a:prstGeom prst="rect">
             <a:avLst/>
@@ -5383,22 +5855,22 @@
           <a:p>
             <a:r>
               <a:rPr lang="en-CA" dirty="0" smtClean="0"/>
-              <a:t>Session 1</a:t>
-            </a:r>
-            <a:endParaRPr lang="en-CA" dirty="0"/>
-          </a:p>
-        </p:txBody>
-      </p:sp>
-      <p:sp>
-        <p:nvSpPr>
-          <p:cNvPr id="10" name="TextBox 9"/>
+              <a:t>spoken</a:t>
+            </a:r>
+            <a:endParaRPr lang="en-CA" dirty="0"/>
+          </a:p>
+        </p:txBody>
+      </p:sp>
+      <p:sp>
+        <p:nvSpPr>
+          <p:cNvPr id="9" name="TextBox 8"/>
           <p:cNvSpPr txBox="1"/>
           <p:nvPr/>
         </p:nvSpPr>
         <p:spPr>
-          <a:xfrm>
-            <a:off x="6607373" y="3601487"/>
-            <a:ext cx="1051302" cy="369332"/>
+          <a:xfrm rot="3679062">
+            <a:off x="7402697" y="3343169"/>
+            <a:ext cx="760507" cy="369332"/>
           </a:xfrm>
           <a:prstGeom prst="rect">
             <a:avLst/>
@@ -5413,22 +5885,22 @@
           <a:p>
             <a:r>
               <a:rPr lang="en-CA" dirty="0" smtClean="0"/>
-              <a:t>Session 2</a:t>
-            </a:r>
-            <a:endParaRPr lang="en-CA" dirty="0"/>
-          </a:p>
-        </p:txBody>
-      </p:sp>
-      <p:sp>
-        <p:nvSpPr>
-          <p:cNvPr id="11" name="TextBox 10"/>
+              <a:t>whole</a:t>
+            </a:r>
+            <a:endParaRPr lang="en-CA" dirty="0"/>
+          </a:p>
+        </p:txBody>
+      </p:sp>
+      <p:sp>
+        <p:nvSpPr>
+          <p:cNvPr id="3" name="TextBox 2"/>
           <p:cNvSpPr txBox="1"/>
           <p:nvPr/>
         </p:nvSpPr>
         <p:spPr>
           <a:xfrm>
-            <a:off x="4662034" y="4216279"/>
-            <a:ext cx="4115354" cy="2031325"/>
+            <a:off x="5029556" y="4307713"/>
+            <a:ext cx="4010646" cy="1477328"/>
           </a:xfrm>
           <a:prstGeom prst="rect">
             <a:avLst/>
@@ -5443,26 +5915,43 @@
           <a:p>
             <a:r>
               <a:rPr lang="en-CA" dirty="0" smtClean="0"/>
-              <a:t>Session 1 and session 2 are very dissimilar</a:t>
-            </a:r>
-          </a:p>
-          <a:p>
-            <a:endParaRPr lang="en-CA" dirty="0"/>
-          </a:p>
-          <a:p>
+              <a:t>spoken</a:t>
+            </a:r>
+            <a:r>
+              <a:rPr lang="mr-IN" dirty="0" smtClean="0"/>
+              <a:t>–</a:t>
+            </a:r>
             <a:r>
               <a:rPr lang="en-CA" dirty="0" smtClean="0"/>
-              <a:t>Most dissimilar across sessions: </a:t>
-            </a:r>
-          </a:p>
-          <a:p>
+              <a:t> instrumental: most dissimilar</a:t>
+            </a:r>
+          </a:p>
+          <a:p>
+            <a:r>
+              <a:rPr lang="en-CA" dirty="0" err="1" smtClean="0"/>
+              <a:t>Acapella</a:t>
+            </a:r>
+            <a:r>
+              <a:rPr lang="en-CA" dirty="0"/>
+              <a:t>-</a:t>
+            </a:r>
             <a:r>
               <a:rPr lang="en-CA" dirty="0" smtClean="0"/>
-              <a:t>Instrumental(2/6)-spoken(3/7)</a:t>
-            </a:r>
-            <a:br>
+              <a:t>instrumental: next most </a:t>
+            </a:r>
+            <a:r>
+              <a:rPr lang="en-CA" dirty="0" err="1" smtClean="0"/>
+              <a:t>dissim</a:t>
+            </a:r>
+            <a:r>
               <a:rPr lang="en-CA" dirty="0" smtClean="0"/>
-            </a:br>
+              <a:t>.</a:t>
+            </a:r>
+          </a:p>
+          <a:p>
+            <a:endParaRPr lang="en-CA" dirty="0"/>
+          </a:p>
+          <a:p>
             <a:endParaRPr lang="en-CA" dirty="0" smtClean="0"/>
           </a:p>
           <a:p>
@@ -5471,7 +5960,123 @@
               <a:t>??</a:t>
             </a:r>
           </a:p>
-          <a:p>
+        </p:txBody>
+      </p:sp>
+      <p:sp>
+        <p:nvSpPr>
+          <p:cNvPr id="10" name="TextBox 9"/>
+          <p:cNvSpPr txBox="1"/>
+          <p:nvPr/>
+        </p:nvSpPr>
+        <p:spPr>
+          <a:xfrm>
+            <a:off x="4622427" y="615434"/>
+            <a:ext cx="318229" cy="369332"/>
+          </a:xfrm>
+          <a:prstGeom prst="rect">
+            <a:avLst/>
+          </a:prstGeom>
+          <a:noFill/>
+        </p:spPr>
+        <p:txBody>
+          <a:bodyPr wrap="none" rtlCol="0">
+            <a:spAutoFit/>
+          </a:bodyPr>
+          <a:lstStyle/>
+          <a:p>
+            <a:r>
+              <a:rPr lang="en-CA" dirty="0" smtClean="0"/>
+              <a:t>A</a:t>
+            </a:r>
+          </a:p>
+        </p:txBody>
+      </p:sp>
+      <p:sp>
+        <p:nvSpPr>
+          <p:cNvPr id="11" name="TextBox 10"/>
+          <p:cNvSpPr txBox="1"/>
+          <p:nvPr/>
+        </p:nvSpPr>
+        <p:spPr>
+          <a:xfrm>
+            <a:off x="4666742" y="1339334"/>
+            <a:ext cx="242825" cy="369332"/>
+          </a:xfrm>
+          <a:prstGeom prst="rect">
+            <a:avLst/>
+          </a:prstGeom>
+          <a:noFill/>
+        </p:spPr>
+        <p:txBody>
+          <a:bodyPr wrap="none" rtlCol="0">
+            <a:spAutoFit/>
+          </a:bodyPr>
+          <a:lstStyle/>
+          <a:p>
+            <a:r>
+              <a:rPr lang="en-CA" dirty="0" smtClean="0"/>
+              <a:t>I</a:t>
+            </a:r>
+            <a:endParaRPr lang="en-CA" dirty="0"/>
+          </a:p>
+        </p:txBody>
+      </p:sp>
+      <p:sp>
+        <p:nvSpPr>
+          <p:cNvPr id="12" name="TextBox 11"/>
+          <p:cNvSpPr txBox="1"/>
+          <p:nvPr/>
+        </p:nvSpPr>
+        <p:spPr>
+          <a:xfrm>
+            <a:off x="4666742" y="1999734"/>
+            <a:ext cx="290727" cy="369332"/>
+          </a:xfrm>
+          <a:prstGeom prst="rect">
+            <a:avLst/>
+          </a:prstGeom>
+          <a:noFill/>
+        </p:spPr>
+        <p:txBody>
+          <a:bodyPr wrap="none" rtlCol="0">
+            <a:spAutoFit/>
+          </a:bodyPr>
+          <a:lstStyle/>
+          <a:p>
+            <a:r>
+              <a:rPr lang="en-CA" dirty="0" smtClean="0"/>
+              <a:t>S</a:t>
+            </a:r>
+            <a:endParaRPr lang="en-CA" dirty="0"/>
+          </a:p>
+        </p:txBody>
+      </p:sp>
+      <p:sp>
+        <p:nvSpPr>
+          <p:cNvPr id="13" name="TextBox 12"/>
+          <p:cNvSpPr txBox="1"/>
+          <p:nvPr/>
+        </p:nvSpPr>
+        <p:spPr>
+          <a:xfrm>
+            <a:off x="4598011" y="2726643"/>
+            <a:ext cx="390026" cy="369332"/>
+          </a:xfrm>
+          <a:prstGeom prst="rect">
+            <a:avLst/>
+          </a:prstGeom>
+          <a:noFill/>
+        </p:spPr>
+        <p:txBody>
+          <a:bodyPr wrap="none" rtlCol="0">
+            <a:spAutoFit/>
+          </a:bodyPr>
+          <a:lstStyle/>
+          <a:p>
+            <a:r>
+              <a:rPr lang="en-CA" dirty="0" smtClean="0"/>
+              <a:t>W</a:t>
+            </a:r>
             <a:endParaRPr lang="en-CA" dirty="0"/>
           </a:p>
         </p:txBody>
@@ -5479,7 +6084,7 @@
     </p:spTree>
     <p:extLst>
       <p:ext uri="{BB962C8B-B14F-4D97-AF65-F5344CB8AC3E}">
-        <p14:creationId xmlns:p14="http://schemas.microsoft.com/office/powerpoint/2010/main" val="2153979071"/>
+        <p14:creationId xmlns:p14="http://schemas.microsoft.com/office/powerpoint/2010/main" val="872039428"/>
       </p:ext>
     </p:extLst>
   </p:cSld>
@@ -5521,9 +6126,39 @@
           <a:chExt cx="0" cy="0"/>
         </a:xfrm>
       </p:grpSpPr>
+      <p:sp>
+        <p:nvSpPr>
+          <p:cNvPr id="4" name="TextBox 3"/>
+          <p:cNvSpPr txBox="1"/>
+          <p:nvPr/>
+        </p:nvSpPr>
+        <p:spPr>
+          <a:xfrm>
+            <a:off x="838200" y="381000"/>
+            <a:ext cx="1051302" cy="369332"/>
+          </a:xfrm>
+          <a:prstGeom prst="rect">
+            <a:avLst/>
+          </a:prstGeom>
+          <a:noFill/>
+        </p:spPr>
+        <p:txBody>
+          <a:bodyPr wrap="none" rtlCol="0">
+            <a:spAutoFit/>
+          </a:bodyPr>
+          <a:lstStyle/>
+          <a:p>
+            <a:r>
+              <a:rPr lang="en-CA" dirty="0" smtClean="0"/>
+              <a:t>Session 2</a:t>
+            </a:r>
+            <a:endParaRPr lang="en-CA" dirty="0"/>
+          </a:p>
+        </p:txBody>
+      </p:sp>
       <p:pic>
         <p:nvPicPr>
-          <p:cNvPr id="4" name="Picture 3" descr="Screen Shot 2019-02-13 at 11.41.02 AM.png"/>
+          <p:cNvPr id="5" name="Picture 4" descr="Screen Shot 2019-02-13 at 11.39.18 AM.png"/>
           <p:cNvPicPr>
             <a:picLocks noChangeAspect="1"/>
           </p:cNvPicPr>
@@ -5543,47 +6178,17 @@
         </p:blipFill>
         <p:spPr>
           <a:xfrm>
-            <a:off x="4517172" y="208186"/>
-            <a:ext cx="4378056" cy="3301356"/>
+            <a:off x="4543993" y="381000"/>
+            <a:ext cx="4371407" cy="3276600"/>
           </a:xfrm>
           <a:prstGeom prst="rect">
             <a:avLst/>
           </a:prstGeom>
         </p:spPr>
       </p:pic>
-      <p:sp>
-        <p:nvSpPr>
-          <p:cNvPr id="5" name="TextBox 4"/>
-          <p:cNvSpPr txBox="1"/>
-          <p:nvPr/>
-        </p:nvSpPr>
-        <p:spPr>
-          <a:xfrm>
-            <a:off x="342900" y="323334"/>
-            <a:ext cx="1972715" cy="369332"/>
-          </a:xfrm>
-          <a:prstGeom prst="rect">
-            <a:avLst/>
-          </a:prstGeom>
-          <a:noFill/>
-        </p:spPr>
-        <p:txBody>
-          <a:bodyPr wrap="none" rtlCol="0">
-            <a:spAutoFit/>
-          </a:bodyPr>
-          <a:lstStyle/>
-          <a:p>
-            <a:r>
-              <a:rPr lang="en-CA" dirty="0" smtClean="0"/>
-              <a:t>Familiar songs only</a:t>
-            </a:r>
-            <a:endParaRPr lang="en-CA" dirty="0"/>
-          </a:p>
-        </p:txBody>
-      </p:sp>
       <p:pic>
         <p:nvPicPr>
-          <p:cNvPr id="6" name="Picture 5" descr="Screen Shot 2019-02-13 at 11.46.21 AM.png"/>
+          <p:cNvPr id="6" name="Picture 5" descr="Screen Shot 2019-02-13 at 11.49.01 AM.png"/>
           <p:cNvPicPr>
             <a:picLocks noChangeAspect="1"/>
           </p:cNvPicPr>
@@ -5603,8 +6208,8 @@
         </p:blipFill>
         <p:spPr>
           <a:xfrm>
-            <a:off x="186150" y="3077097"/>
-            <a:ext cx="4730858" cy="3530751"/>
+            <a:off x="317500" y="3326327"/>
+            <a:ext cx="4406900" cy="3290373"/>
           </a:xfrm>
           <a:prstGeom prst="rect">
             <a:avLst/>
@@ -5613,102 +6218,14 @@
       </p:pic>
       <p:sp>
         <p:nvSpPr>
-          <p:cNvPr id="7" name="Left Bracket 6"/>
-          <p:cNvSpPr/>
-          <p:nvPr/>
-        </p:nvSpPr>
-        <p:spPr>
-          <a:xfrm>
-            <a:off x="4571466" y="445918"/>
-            <a:ext cx="288052" cy="1335500"/>
-          </a:xfrm>
-          <a:prstGeom prst="leftBracket">
-            <a:avLst/>
-          </a:prstGeom>
-          <a:ln w="38100">
-            <a:solidFill>
-              <a:schemeClr val="tx1"/>
-            </a:solidFill>
-          </a:ln>
-          <a:effectLst/>
-        </p:spPr>
-        <p:style>
-          <a:lnRef idx="2">
-            <a:schemeClr val="accent1"/>
-          </a:lnRef>
-          <a:fillRef idx="0">
-            <a:schemeClr val="accent1"/>
-          </a:fillRef>
-          <a:effectRef idx="1">
-            <a:schemeClr val="accent1"/>
-          </a:effectRef>
-          <a:fontRef idx="minor">
-            <a:schemeClr val="tx1"/>
-          </a:fontRef>
-        </p:style>
-        <p:txBody>
-          <a:bodyPr rtlCol="0" anchor="ctr"/>
-          <a:lstStyle/>
-          <a:p>
-            <a:pPr algn="ctr"/>
-            <a:endParaRPr lang="en-CA" dirty="0"/>
-          </a:p>
-        </p:txBody>
-      </p:sp>
-      <p:sp>
-        <p:nvSpPr>
-          <p:cNvPr id="8" name="Left Bracket 7"/>
-          <p:cNvSpPr/>
-          <p:nvPr/>
-        </p:nvSpPr>
-        <p:spPr>
-          <a:xfrm>
-            <a:off x="4571466" y="1929091"/>
-            <a:ext cx="288052" cy="1335500"/>
-          </a:xfrm>
-          <a:prstGeom prst="leftBracket">
-            <a:avLst/>
-          </a:prstGeom>
-          <a:ln w="38100">
-            <a:solidFill>
-              <a:schemeClr val="tx1"/>
-            </a:solidFill>
-          </a:ln>
-          <a:effectLst/>
-        </p:spPr>
-        <p:style>
-          <a:lnRef idx="2">
-            <a:schemeClr val="accent1"/>
-          </a:lnRef>
-          <a:fillRef idx="0">
-            <a:schemeClr val="accent1"/>
-          </a:fillRef>
-          <a:effectRef idx="1">
-            <a:schemeClr val="accent1"/>
-          </a:effectRef>
-          <a:fontRef idx="minor">
-            <a:schemeClr val="tx1"/>
-          </a:fontRef>
-        </p:style>
-        <p:txBody>
-          <a:bodyPr rtlCol="0" anchor="ctr"/>
-          <a:lstStyle/>
-          <a:p>
-            <a:pPr algn="ctr"/>
-            <a:endParaRPr lang="en-CA" dirty="0"/>
-          </a:p>
-        </p:txBody>
-      </p:sp>
-      <p:sp>
-        <p:nvSpPr>
-          <p:cNvPr id="9" name="TextBox 8"/>
+          <p:cNvPr id="7" name="TextBox 6"/>
           <p:cNvSpPr txBox="1"/>
           <p:nvPr/>
         </p:nvSpPr>
         <p:spPr>
-          <a:xfrm>
-            <a:off x="3340700" y="928955"/>
-            <a:ext cx="1051302" cy="369332"/>
+          <a:xfrm rot="3679062">
+            <a:off x="5105400" y="3356525"/>
+            <a:ext cx="1031239" cy="369332"/>
           </a:xfrm>
           <a:prstGeom prst="rect">
             <a:avLst/>
@@ -5723,22 +6240,26 @@
           <a:p>
             <a:r>
               <a:rPr lang="en-CA" dirty="0" smtClean="0"/>
-              <a:t>Session 1</a:t>
-            </a:r>
-            <a:endParaRPr lang="en-CA" dirty="0"/>
-          </a:p>
-        </p:txBody>
-      </p:sp>
-      <p:sp>
-        <p:nvSpPr>
-          <p:cNvPr id="10" name="TextBox 9"/>
+              <a:t>A </a:t>
+            </a:r>
+            <a:r>
+              <a:rPr lang="en-CA" dirty="0" err="1" smtClean="0"/>
+              <a:t>capella</a:t>
+            </a:r>
+            <a:endParaRPr lang="en-CA" dirty="0"/>
+          </a:p>
+        </p:txBody>
+      </p:sp>
+      <p:sp>
+        <p:nvSpPr>
+          <p:cNvPr id="8" name="TextBox 7"/>
           <p:cNvSpPr txBox="1"/>
           <p:nvPr/>
         </p:nvSpPr>
         <p:spPr>
-          <a:xfrm>
-            <a:off x="3340700" y="2409930"/>
-            <a:ext cx="1051302" cy="369332"/>
+          <a:xfrm rot="3679062">
+            <a:off x="5703971" y="3513745"/>
+            <a:ext cx="1389661" cy="369332"/>
           </a:xfrm>
           <a:prstGeom prst="rect">
             <a:avLst/>
@@ -5753,22 +6274,22 @@
           <a:p>
             <a:r>
               <a:rPr lang="en-CA" dirty="0" smtClean="0"/>
-              <a:t>Session 2</a:t>
-            </a:r>
-            <a:endParaRPr lang="en-CA" dirty="0"/>
-          </a:p>
-        </p:txBody>
-      </p:sp>
-      <p:sp>
-        <p:nvSpPr>
-          <p:cNvPr id="11" name="TextBox 10"/>
+              <a:t>instrumental</a:t>
+            </a:r>
+            <a:endParaRPr lang="en-CA" dirty="0"/>
+          </a:p>
+        </p:txBody>
+      </p:sp>
+      <p:sp>
+        <p:nvSpPr>
+          <p:cNvPr id="9" name="TextBox 8"/>
           <p:cNvSpPr txBox="1"/>
           <p:nvPr/>
         </p:nvSpPr>
         <p:spPr>
-          <a:xfrm>
-            <a:off x="5273781" y="3500403"/>
-            <a:ext cx="1051302" cy="369332"/>
+          <a:xfrm rot="3679062">
+            <a:off x="6575811" y="3356526"/>
+            <a:ext cx="859017" cy="369332"/>
           </a:xfrm>
           <a:prstGeom prst="rect">
             <a:avLst/>
@@ -5783,22 +6304,22 @@
           <a:p>
             <a:r>
               <a:rPr lang="en-CA" dirty="0" smtClean="0"/>
-              <a:t>Session 1</a:t>
-            </a:r>
-            <a:endParaRPr lang="en-CA" dirty="0"/>
-          </a:p>
-        </p:txBody>
-      </p:sp>
-      <p:sp>
-        <p:nvSpPr>
-          <p:cNvPr id="12" name="TextBox 11"/>
+              <a:t>spoken</a:t>
+            </a:r>
+            <a:endParaRPr lang="en-CA" dirty="0"/>
+          </a:p>
+        </p:txBody>
+      </p:sp>
+      <p:sp>
+        <p:nvSpPr>
+          <p:cNvPr id="10" name="TextBox 9"/>
           <p:cNvSpPr txBox="1"/>
           <p:nvPr/>
         </p:nvSpPr>
         <p:spPr>
-          <a:xfrm>
-            <a:off x="6910438" y="3488224"/>
-            <a:ext cx="1051302" cy="369332"/>
+          <a:xfrm rot="3679062">
+            <a:off x="7402697" y="3432069"/>
+            <a:ext cx="760507" cy="369332"/>
           </a:xfrm>
           <a:prstGeom prst="rect">
             <a:avLst/>
@@ -5813,7 +6334,126 @@
           <a:p>
             <a:r>
               <a:rPr lang="en-CA" dirty="0" smtClean="0"/>
-              <a:t>Session 2</a:t>
+              <a:t>whole</a:t>
+            </a:r>
+            <a:endParaRPr lang="en-CA" dirty="0"/>
+          </a:p>
+        </p:txBody>
+      </p:sp>
+      <p:sp>
+        <p:nvSpPr>
+          <p:cNvPr id="11" name="TextBox 10"/>
+          <p:cNvSpPr txBox="1"/>
+          <p:nvPr/>
+        </p:nvSpPr>
+        <p:spPr>
+          <a:xfrm>
+            <a:off x="4622427" y="704334"/>
+            <a:ext cx="318229" cy="369332"/>
+          </a:xfrm>
+          <a:prstGeom prst="rect">
+            <a:avLst/>
+          </a:prstGeom>
+          <a:noFill/>
+        </p:spPr>
+        <p:txBody>
+          <a:bodyPr wrap="none" rtlCol="0">
+            <a:spAutoFit/>
+          </a:bodyPr>
+          <a:lstStyle/>
+          <a:p>
+            <a:r>
+              <a:rPr lang="en-CA" dirty="0" smtClean="0"/>
+              <a:t>A</a:t>
+            </a:r>
+          </a:p>
+        </p:txBody>
+      </p:sp>
+      <p:sp>
+        <p:nvSpPr>
+          <p:cNvPr id="12" name="TextBox 11"/>
+          <p:cNvSpPr txBox="1"/>
+          <p:nvPr/>
+        </p:nvSpPr>
+        <p:spPr>
+          <a:xfrm>
+            <a:off x="4666742" y="1428234"/>
+            <a:ext cx="242825" cy="369332"/>
+          </a:xfrm>
+          <a:prstGeom prst="rect">
+            <a:avLst/>
+          </a:prstGeom>
+          <a:noFill/>
+        </p:spPr>
+        <p:txBody>
+          <a:bodyPr wrap="none" rtlCol="0">
+            <a:spAutoFit/>
+          </a:bodyPr>
+          <a:lstStyle/>
+          <a:p>
+            <a:r>
+              <a:rPr lang="en-CA" dirty="0" smtClean="0"/>
+              <a:t>I</a:t>
+            </a:r>
+            <a:endParaRPr lang="en-CA" dirty="0"/>
+          </a:p>
+        </p:txBody>
+      </p:sp>
+      <p:sp>
+        <p:nvSpPr>
+          <p:cNvPr id="13" name="TextBox 12"/>
+          <p:cNvSpPr txBox="1"/>
+          <p:nvPr/>
+        </p:nvSpPr>
+        <p:spPr>
+          <a:xfrm>
+            <a:off x="4666742" y="2088634"/>
+            <a:ext cx="290727" cy="369332"/>
+          </a:xfrm>
+          <a:prstGeom prst="rect">
+            <a:avLst/>
+          </a:prstGeom>
+          <a:noFill/>
+        </p:spPr>
+        <p:txBody>
+          <a:bodyPr wrap="none" rtlCol="0">
+            <a:spAutoFit/>
+          </a:bodyPr>
+          <a:lstStyle/>
+          <a:p>
+            <a:r>
+              <a:rPr lang="en-CA" dirty="0" smtClean="0"/>
+              <a:t>S</a:t>
+            </a:r>
+            <a:endParaRPr lang="en-CA" dirty="0"/>
+          </a:p>
+        </p:txBody>
+      </p:sp>
+      <p:sp>
+        <p:nvSpPr>
+          <p:cNvPr id="14" name="TextBox 13"/>
+          <p:cNvSpPr txBox="1"/>
+          <p:nvPr/>
+        </p:nvSpPr>
+        <p:spPr>
+          <a:xfrm>
+            <a:off x="4598011" y="2815543"/>
+            <a:ext cx="390026" cy="369332"/>
+          </a:xfrm>
+          <a:prstGeom prst="rect">
+            <a:avLst/>
+          </a:prstGeom>
+          <a:noFill/>
+        </p:spPr>
+        <p:txBody>
+          <a:bodyPr wrap="none" rtlCol="0">
+            <a:spAutoFit/>
+          </a:bodyPr>
+          <a:lstStyle/>
+          <a:p>
+            <a:r>
+              <a:rPr lang="en-CA" dirty="0" smtClean="0"/>
+              <a:t>W</a:t>
             </a:r>
             <a:endParaRPr lang="en-CA" dirty="0"/>
           </a:p>
@@ -5827,8 +6467,8 @@
         </p:nvSpPr>
         <p:spPr>
           <a:xfrm>
-            <a:off x="5014716" y="4056450"/>
-            <a:ext cx="3783950" cy="1754327"/>
+            <a:off x="168103" y="939787"/>
+            <a:ext cx="4361692" cy="646331"/>
           </a:xfrm>
           <a:prstGeom prst="rect">
             <a:avLst/>
@@ -5843,13 +6483,63 @@
           <a:p>
             <a:r>
               <a:rPr lang="en-CA" dirty="0" smtClean="0"/>
-              <a:t>More similarities within session than across</a:t>
-            </a:r>
-          </a:p>
+              <a:t>Compared to session 1, things are more dissimilar in session 2</a:t>
+            </a:r>
+            <a:endParaRPr lang="en-CA" dirty="0"/>
+          </a:p>
+        </p:txBody>
+      </p:sp>
+      <p:sp>
+        <p:nvSpPr>
+          <p:cNvPr id="3" name="TextBox 2"/>
+          <p:cNvSpPr txBox="1"/>
+          <p:nvPr/>
+        </p:nvSpPr>
+        <p:spPr>
+          <a:xfrm>
+            <a:off x="5322832" y="4422801"/>
+            <a:ext cx="2727542" cy="1754327"/>
+          </a:xfrm>
+          <a:prstGeom prst="rect">
+            <a:avLst/>
+          </a:prstGeom>
+          <a:noFill/>
+        </p:spPr>
+        <p:txBody>
+          <a:bodyPr wrap="none" rtlCol="0">
+            <a:spAutoFit/>
+          </a:bodyPr>
+          <a:lstStyle/>
           <a:p>
             <a:r>
               <a:rPr lang="en-CA" dirty="0" smtClean="0"/>
-              <a:t>But no difference between session 1 and 2</a:t>
+              <a:t>Instrumental-spoken: most</a:t>
+            </a:r>
+          </a:p>
+          <a:p>
+            <a:r>
+              <a:rPr lang="en-CA" dirty="0" smtClean="0"/>
+              <a:t>Spoken-whole</a:t>
+            </a:r>
+          </a:p>
+          <a:p>
+            <a:r>
+              <a:rPr lang="en-CA" dirty="0" err="1" smtClean="0"/>
+              <a:t>acapella</a:t>
+            </a:r>
+            <a:r>
+              <a:rPr lang="en-CA" dirty="0" smtClean="0"/>
+              <a:t>-instrumental</a:t>
+            </a:r>
+          </a:p>
+          <a:p>
+            <a:r>
+              <a:rPr lang="en-CA" dirty="0" err="1" smtClean="0"/>
+              <a:t>Acapella</a:t>
+            </a:r>
+            <a:r>
+              <a:rPr lang="en-CA" dirty="0" smtClean="0"/>
+              <a:t>-spoken</a:t>
             </a:r>
           </a:p>
           <a:p>
@@ -5867,7 +6557,7 @@
     </p:spTree>
     <p:extLst>
       <p:ext uri="{BB962C8B-B14F-4D97-AF65-F5344CB8AC3E}">
-        <p14:creationId xmlns:p14="http://schemas.microsoft.com/office/powerpoint/2010/main" val="2204930963"/>
+        <p14:creationId xmlns:p14="http://schemas.microsoft.com/office/powerpoint/2010/main" val="3003338468"/>
       </p:ext>
     </p:extLst>
   </p:cSld>
@@ -5909,9 +6599,39 @@
           <a:chExt cx="0" cy="0"/>
         </a:xfrm>
       </p:grpSpPr>
+      <p:sp>
+        <p:nvSpPr>
+          <p:cNvPr id="4" name="TextBox 3"/>
+          <p:cNvSpPr txBox="1"/>
+          <p:nvPr/>
+        </p:nvSpPr>
+        <p:spPr>
+          <a:xfrm>
+            <a:off x="977900" y="419100"/>
+            <a:ext cx="1625791" cy="369332"/>
+          </a:xfrm>
+          <a:prstGeom prst="rect">
+            <a:avLst/>
+          </a:prstGeom>
+          <a:noFill/>
+        </p:spPr>
+        <p:txBody>
+          <a:bodyPr wrap="none" rtlCol="0">
+            <a:spAutoFit/>
+          </a:bodyPr>
+          <a:lstStyle/>
+          <a:p>
+            <a:r>
+              <a:rPr lang="en-CA" dirty="0" smtClean="0"/>
+              <a:t>Session 1 and 2</a:t>
+            </a:r>
+            <a:endParaRPr lang="en-CA" dirty="0"/>
+          </a:p>
+        </p:txBody>
+      </p:sp>
       <p:pic>
         <p:nvPicPr>
-          <p:cNvPr id="4" name="Picture 3" descr="Screen Shot 2019-02-13 at 11.41.12 AM.png"/>
+          <p:cNvPr id="5" name="Picture 4" descr="Screen Shot 2019-02-13 at 11.39.31 AM.png"/>
           <p:cNvPicPr>
             <a:picLocks noChangeAspect="1"/>
           </p:cNvPicPr>
@@ -5931,47 +6651,17 @@
         </p:blipFill>
         <p:spPr>
           <a:xfrm>
-            <a:off x="4294587" y="266972"/>
-            <a:ext cx="4653013" cy="3464655"/>
+            <a:off x="4109787" y="232573"/>
+            <a:ext cx="4667601" cy="3544695"/>
           </a:xfrm>
           <a:prstGeom prst="rect">
             <a:avLst/>
           </a:prstGeom>
         </p:spPr>
       </p:pic>
-      <p:sp>
-        <p:nvSpPr>
-          <p:cNvPr id="5" name="TextBox 4"/>
-          <p:cNvSpPr txBox="1"/>
-          <p:nvPr/>
-        </p:nvSpPr>
-        <p:spPr>
-          <a:xfrm>
-            <a:off x="366612" y="368300"/>
-            <a:ext cx="2210862" cy="369332"/>
-          </a:xfrm>
-          <a:prstGeom prst="rect">
-            <a:avLst/>
-          </a:prstGeom>
-          <a:noFill/>
-        </p:spPr>
-        <p:txBody>
-          <a:bodyPr wrap="none" rtlCol="0">
-            <a:spAutoFit/>
-          </a:bodyPr>
-          <a:lstStyle/>
-          <a:p>
-            <a:r>
-              <a:rPr lang="en-CA" dirty="0" smtClean="0"/>
-              <a:t>Unfamiliar songs only</a:t>
-            </a:r>
-            <a:endParaRPr lang="en-CA" dirty="0"/>
-          </a:p>
-        </p:txBody>
-      </p:sp>
       <p:pic>
         <p:nvPicPr>
-          <p:cNvPr id="6" name="Picture 5" descr="Screen Shot 2019-02-13 at 11.46.49 AM.png"/>
+          <p:cNvPr id="6" name="Picture 5" descr="Screen Shot 2019-02-13 at 11.49.12 AM.png"/>
           <p:cNvPicPr>
             <a:picLocks noChangeAspect="1"/>
           </p:cNvPicPr>
@@ -5991,8 +6681,8 @@
         </p:blipFill>
         <p:spPr>
           <a:xfrm>
-            <a:off x="366612" y="3221132"/>
-            <a:ext cx="4577946" cy="3394294"/>
+            <a:off x="259725" y="3129473"/>
+            <a:ext cx="4216674" cy="3182547"/>
           </a:xfrm>
           <a:prstGeom prst="rect">
             <a:avLst/>
@@ -6001,13 +6691,13 @@
       </p:pic>
       <p:sp>
         <p:nvSpPr>
-          <p:cNvPr id="7" name="Left Bracket 6"/>
+          <p:cNvPr id="2" name="Left Bracket 1"/>
           <p:cNvSpPr/>
           <p:nvPr/>
         </p:nvSpPr>
         <p:spPr>
           <a:xfrm>
-            <a:off x="4375071" y="445918"/>
+            <a:off x="4045815" y="523854"/>
             <a:ext cx="288052" cy="1335500"/>
           </a:xfrm>
           <a:prstGeom prst="leftBracket">
@@ -6045,13 +6735,13 @@
       </p:sp>
       <p:sp>
         <p:nvSpPr>
-          <p:cNvPr id="8" name="Left Bracket 7"/>
+          <p:cNvPr id="7" name="Left Bracket 6"/>
           <p:cNvSpPr/>
           <p:nvPr/>
         </p:nvSpPr>
         <p:spPr>
           <a:xfrm>
-            <a:off x="4375071" y="1929091"/>
+            <a:off x="4045815" y="2007027"/>
             <a:ext cx="288052" cy="1335500"/>
           </a:xfrm>
           <a:prstGeom prst="leftBracket">
@@ -6089,13 +6779,13 @@
       </p:sp>
       <p:sp>
         <p:nvSpPr>
-          <p:cNvPr id="9" name="TextBox 8"/>
+          <p:cNvPr id="3" name="TextBox 2"/>
           <p:cNvSpPr txBox="1"/>
           <p:nvPr/>
         </p:nvSpPr>
         <p:spPr>
           <a:xfrm>
-            <a:off x="3144305" y="928955"/>
+            <a:off x="2815049" y="1006891"/>
             <a:ext cx="1051302" cy="369332"/>
           </a:xfrm>
           <a:prstGeom prst="rect">
@@ -6119,13 +6809,13 @@
       </p:sp>
       <p:sp>
         <p:nvSpPr>
-          <p:cNvPr id="10" name="TextBox 9"/>
+          <p:cNvPr id="8" name="TextBox 7"/>
           <p:cNvSpPr txBox="1"/>
           <p:nvPr/>
         </p:nvSpPr>
         <p:spPr>
           <a:xfrm>
-            <a:off x="3144305" y="2409930"/>
+            <a:off x="2815049" y="2487866"/>
             <a:ext cx="1051302" cy="369332"/>
           </a:xfrm>
           <a:prstGeom prst="rect">
@@ -6149,13 +6839,13 @@
       </p:sp>
       <p:sp>
         <p:nvSpPr>
-          <p:cNvPr id="11" name="TextBox 10"/>
+          <p:cNvPr id="9" name="TextBox 8"/>
           <p:cNvSpPr txBox="1"/>
           <p:nvPr/>
         </p:nvSpPr>
         <p:spPr>
           <a:xfrm>
-            <a:off x="5273781" y="3500403"/>
+            <a:off x="4983809" y="3592602"/>
             <a:ext cx="1051302" cy="369332"/>
           </a:xfrm>
           <a:prstGeom prst="rect">
@@ -6179,13 +6869,13 @@
       </p:sp>
       <p:sp>
         <p:nvSpPr>
-          <p:cNvPr id="12" name="TextBox 11"/>
+          <p:cNvPr id="10" name="TextBox 9"/>
           <p:cNvSpPr txBox="1"/>
           <p:nvPr/>
         </p:nvSpPr>
         <p:spPr>
           <a:xfrm>
-            <a:off x="6910438" y="3488224"/>
+            <a:off x="6607373" y="3601487"/>
             <a:ext cx="1051302" cy="369332"/>
           </a:xfrm>
           <a:prstGeom prst="rect">
@@ -6209,14 +6899,14 @@
       </p:sp>
       <p:sp>
         <p:nvSpPr>
-          <p:cNvPr id="13" name="TextBox 12"/>
+          <p:cNvPr id="11" name="TextBox 10"/>
           <p:cNvSpPr txBox="1"/>
           <p:nvPr/>
         </p:nvSpPr>
         <p:spPr>
           <a:xfrm>
-            <a:off x="5014716" y="4056450"/>
-            <a:ext cx="3783950" cy="1754327"/>
+            <a:off x="4662034" y="4216279"/>
+            <a:ext cx="4115354" cy="2031325"/>
           </a:xfrm>
           <a:prstGeom prst="rect">
             <a:avLst/>
@@ -6224,30 +6914,42 @@
           <a:noFill/>
         </p:spPr>
         <p:txBody>
-          <a:bodyPr wrap="square" rtlCol="0">
+          <a:bodyPr wrap="none" rtlCol="0">
             <a:spAutoFit/>
           </a:bodyPr>
           <a:lstStyle/>
           <a:p>
             <a:r>
               <a:rPr lang="en-CA" dirty="0" smtClean="0"/>
-              <a:t>More similarities within session than across</a:t>
-            </a:r>
+              <a:t>Session 1 and session 2 are very dissimilar</a:t>
+            </a:r>
+          </a:p>
+          <a:p>
+            <a:endParaRPr lang="en-CA" dirty="0"/>
           </a:p>
           <a:p>
             <a:r>
               <a:rPr lang="en-CA" dirty="0" smtClean="0"/>
-              <a:t>But no difference between session 1 and 2</a:t>
-            </a:r>
-          </a:p>
-          <a:p>
-            <a:endParaRPr lang="en-CA" dirty="0"/>
+              <a:t>Most dissimilar across sessions: </a:t>
+            </a:r>
+          </a:p>
+          <a:p>
+            <a:r>
+              <a:rPr lang="en-CA" dirty="0" smtClean="0"/>
+              <a:t>Instrumental(2/6)-spoken(3/7)</a:t>
+            </a:r>
+            <a:br>
+              <a:rPr lang="en-CA" dirty="0" smtClean="0"/>
+            </a:br>
+            <a:endParaRPr lang="en-CA" dirty="0" smtClean="0"/>
           </a:p>
           <a:p>
             <a:r>
               <a:rPr lang="en-CA" dirty="0" smtClean="0"/>
               <a:t>??</a:t>
             </a:r>
+          </a:p>
+          <a:p>
             <a:endParaRPr lang="en-CA" dirty="0"/>
           </a:p>
         </p:txBody>
@@ -6255,7 +6957,7 @@
     </p:spTree>
     <p:extLst>
       <p:ext uri="{BB962C8B-B14F-4D97-AF65-F5344CB8AC3E}">
-        <p14:creationId xmlns:p14="http://schemas.microsoft.com/office/powerpoint/2010/main" val="4289227938"/>
+        <p14:creationId xmlns:p14="http://schemas.microsoft.com/office/powerpoint/2010/main" val="2153979071"/>
       </p:ext>
     </p:extLst>
   </p:cSld>
@@ -6281,7 +6983,7 @@
 </file>
 
 <file path=ppt/slides/slide7.xml><?xml version="1.0" encoding="utf-8"?>
-<p:sld xmlns:a="http://schemas.openxmlformats.org/drawingml/2006/main" xmlns:r="http://schemas.openxmlformats.org/officeDocument/2006/relationships" xmlns:p="http://schemas.openxmlformats.org/presentationml/2006/main">
+<p:sld xmlns:a="http://schemas.openxmlformats.org/drawingml/2006/main" xmlns:r="http://schemas.openxmlformats.org/officeDocument/2006/relationships" xmlns:p="http://schemas.openxmlformats.org/presentationml/2006/main" show="0">
   <p:cSld>
     <p:spTree>
       <p:nvGrpSpPr>
@@ -6299,7 +7001,7 @@
       </p:grpSpPr>
       <p:pic>
         <p:nvPicPr>
-          <p:cNvPr id="4" name="Picture 3" descr="Screen Shot 2019-02-13 at 11.41.24 AM.png"/>
+          <p:cNvPr id="4" name="Picture 3" descr="Screen Shot 2019-02-13 at 11.41.02 AM.png"/>
           <p:cNvPicPr>
             <a:picLocks noChangeAspect="1"/>
           </p:cNvPicPr>
@@ -6319,8 +7021,8 @@
         </p:blipFill>
         <p:spPr>
           <a:xfrm>
-            <a:off x="4082983" y="196334"/>
-            <a:ext cx="4943177" cy="3731876"/>
+            <a:off x="4517172" y="208186"/>
+            <a:ext cx="4378056" cy="3301356"/>
           </a:xfrm>
           <a:prstGeom prst="rect">
             <a:avLst/>
@@ -6335,8 +7037,8 @@
         </p:nvSpPr>
         <p:spPr>
           <a:xfrm>
-            <a:off x="177800" y="196334"/>
-            <a:ext cx="2182246" cy="923330"/>
+            <a:off x="342900" y="323334"/>
+            <a:ext cx="1972715" cy="369332"/>
           </a:xfrm>
           <a:prstGeom prst="rect">
             <a:avLst/>
@@ -6351,28 +7053,42 @@
           <a:p>
             <a:r>
               <a:rPr lang="en-CA" dirty="0" smtClean="0"/>
-              <a:t>Familiar &amp; </a:t>
-            </a:r>
-            <a:r>
-              <a:rPr lang="en-CA" dirty="0" smtClean="0"/>
-              <a:t>Unfamiliar</a:t>
-            </a:r>
-          </a:p>
-          <a:p>
-            <a:r>
-              <a:rPr lang="en-CA" dirty="0" smtClean="0"/>
-              <a:t>Ses1 &amp; Ses2</a:t>
-            </a:r>
-          </a:p>
-          <a:p>
-            <a:r>
-              <a:rPr lang="en-CA" dirty="0" smtClean="0"/>
-              <a:t>GW mask</a:t>
-            </a:r>
-            <a:endParaRPr lang="en-CA" dirty="0"/>
-          </a:p>
-        </p:txBody>
-      </p:sp>
+              <a:t>Familiar songs only</a:t>
+            </a:r>
+            <a:endParaRPr lang="en-CA" dirty="0"/>
+          </a:p>
+        </p:txBody>
+      </p:sp>
+      <p:pic>
+        <p:nvPicPr>
+          <p:cNvPr id="6" name="Picture 5" descr="Screen Shot 2019-02-13 at 11.46.21 AM.png"/>
+          <p:cNvPicPr>
+            <a:picLocks noChangeAspect="1"/>
+          </p:cNvPicPr>
+          <p:nvPr/>
+        </p:nvPicPr>
+        <p:blipFill>
+          <a:blip r:embed="rId4">
+            <a:extLst>
+              <a:ext uri="{28A0092B-C50C-407E-A947-70E740481C1C}">
+                <a14:useLocalDpi xmlns:a14="http://schemas.microsoft.com/office/drawing/2010/main" val="0"/>
+              </a:ext>
+            </a:extLst>
+          </a:blip>
+          <a:stretch>
+            <a:fillRect/>
+          </a:stretch>
+        </p:blipFill>
+        <p:spPr>
+          <a:xfrm>
+            <a:off x="186150" y="3077097"/>
+            <a:ext cx="4730858" cy="3530751"/>
+          </a:xfrm>
+          <a:prstGeom prst="rect">
+            <a:avLst/>
+          </a:prstGeom>
+        </p:spPr>
+      </p:pic>
       <p:sp>
         <p:nvSpPr>
           <p:cNvPr id="7" name="Left Bracket 6"/>
@@ -6381,8 +7097,8 @@
         </p:nvSpPr>
         <p:spPr>
           <a:xfrm>
-            <a:off x="3125263" y="462559"/>
-            <a:ext cx="316163" cy="1527734"/>
+            <a:off x="4571466" y="445918"/>
+            <a:ext cx="288052" cy="1335500"/>
           </a:xfrm>
           <a:prstGeom prst="leftBracket">
             <a:avLst/>
@@ -6425,8 +7141,8 @@
         </p:nvSpPr>
         <p:spPr>
           <a:xfrm>
-            <a:off x="3119581" y="1990293"/>
-            <a:ext cx="316163" cy="1527734"/>
+            <a:off x="4571466" y="1929091"/>
+            <a:ext cx="288052" cy="1335500"/>
           </a:xfrm>
           <a:prstGeom prst="leftBracket">
             <a:avLst/>
@@ -6469,7 +7185,7 @@
         </p:nvSpPr>
         <p:spPr>
           <a:xfrm>
-            <a:off x="2093003" y="928955"/>
+            <a:off x="3340700" y="928955"/>
             <a:ext cx="1051302" cy="369332"/>
           </a:xfrm>
           <a:prstGeom prst="rect">
@@ -6499,7 +7215,7 @@
         </p:nvSpPr>
         <p:spPr>
           <a:xfrm>
-            <a:off x="2093003" y="2409930"/>
+            <a:off x="3340700" y="2409930"/>
             <a:ext cx="1051302" cy="369332"/>
           </a:xfrm>
           <a:prstGeom prst="rect">
@@ -6523,14 +7239,254 @@
       </p:sp>
       <p:sp>
         <p:nvSpPr>
-          <p:cNvPr id="11" name="Left Bracket 10"/>
+          <p:cNvPr id="11" name="TextBox 10"/>
+          <p:cNvSpPr txBox="1"/>
+          <p:nvPr/>
+        </p:nvSpPr>
+        <p:spPr>
+          <a:xfrm>
+            <a:off x="5273781" y="3500403"/>
+            <a:ext cx="1051302" cy="369332"/>
+          </a:xfrm>
+          <a:prstGeom prst="rect">
+            <a:avLst/>
+          </a:prstGeom>
+          <a:noFill/>
+        </p:spPr>
+        <p:txBody>
+          <a:bodyPr wrap="none" rtlCol="0">
+            <a:spAutoFit/>
+          </a:bodyPr>
+          <a:lstStyle/>
+          <a:p>
+            <a:r>
+              <a:rPr lang="en-CA" dirty="0" smtClean="0"/>
+              <a:t>Session 1</a:t>
+            </a:r>
+            <a:endParaRPr lang="en-CA" dirty="0"/>
+          </a:p>
+        </p:txBody>
+      </p:sp>
+      <p:sp>
+        <p:nvSpPr>
+          <p:cNvPr id="12" name="TextBox 11"/>
+          <p:cNvSpPr txBox="1"/>
+          <p:nvPr/>
+        </p:nvSpPr>
+        <p:spPr>
+          <a:xfrm>
+            <a:off x="6910438" y="3488224"/>
+            <a:ext cx="1051302" cy="369332"/>
+          </a:xfrm>
+          <a:prstGeom prst="rect">
+            <a:avLst/>
+          </a:prstGeom>
+          <a:noFill/>
+        </p:spPr>
+        <p:txBody>
+          <a:bodyPr wrap="none" rtlCol="0">
+            <a:spAutoFit/>
+          </a:bodyPr>
+          <a:lstStyle/>
+          <a:p>
+            <a:r>
+              <a:rPr lang="en-CA" dirty="0" smtClean="0"/>
+              <a:t>Session 2</a:t>
+            </a:r>
+            <a:endParaRPr lang="en-CA" dirty="0"/>
+          </a:p>
+        </p:txBody>
+      </p:sp>
+      <p:sp>
+        <p:nvSpPr>
+          <p:cNvPr id="2" name="TextBox 1"/>
+          <p:cNvSpPr txBox="1"/>
+          <p:nvPr/>
+        </p:nvSpPr>
+        <p:spPr>
+          <a:xfrm>
+            <a:off x="5014716" y="4056450"/>
+            <a:ext cx="3783950" cy="1754327"/>
+          </a:xfrm>
+          <a:prstGeom prst="rect">
+            <a:avLst/>
+          </a:prstGeom>
+          <a:noFill/>
+        </p:spPr>
+        <p:txBody>
+          <a:bodyPr wrap="square" rtlCol="0">
+            <a:spAutoFit/>
+          </a:bodyPr>
+          <a:lstStyle/>
+          <a:p>
+            <a:r>
+              <a:rPr lang="en-CA" dirty="0" smtClean="0"/>
+              <a:t>More similarities within session than across</a:t>
+            </a:r>
+          </a:p>
+          <a:p>
+            <a:r>
+              <a:rPr lang="en-CA" dirty="0" smtClean="0"/>
+              <a:t>But no difference between session 1 and 2</a:t>
+            </a:r>
+          </a:p>
+          <a:p>
+            <a:endParaRPr lang="en-CA" dirty="0"/>
+          </a:p>
+          <a:p>
+            <a:r>
+              <a:rPr lang="en-CA" dirty="0" smtClean="0"/>
+              <a:t>??</a:t>
+            </a:r>
+            <a:endParaRPr lang="en-CA" dirty="0"/>
+          </a:p>
+        </p:txBody>
+      </p:sp>
+    </p:spTree>
+    <p:extLst>
+      <p:ext uri="{BB962C8B-B14F-4D97-AF65-F5344CB8AC3E}">
+        <p14:creationId xmlns:p14="http://schemas.microsoft.com/office/powerpoint/2010/main" val="2204930963"/>
+      </p:ext>
+    </p:extLst>
+  </p:cSld>
+  <p:clrMapOvr>
+    <a:masterClrMapping/>
+  </p:clrMapOvr>
+  <mc:AlternateContent xmlns:mc="http://schemas.openxmlformats.org/markup-compatibility/2006">
+    <mc:Choice xmlns:p14="http://schemas.microsoft.com/office/powerpoint/2010/main" Requires="p14">
+      <p:transition spd="slow" p14:dur="2000"/>
+    </mc:Choice>
+    <mc:Fallback>
+      <p:transition xmlns:p14="http://schemas.microsoft.com/office/powerpoint/2010/main" spd="slow"/>
+    </mc:Fallback>
+  </mc:AlternateContent>
+  <p:timing>
+    <p:tnLst>
+      <p:par>
+        <p:cTn xmlns:p14="http://schemas.microsoft.com/office/powerpoint/2010/main" id="1" dur="indefinite" restart="never" nodeType="tmRoot"/>
+      </p:par>
+    </p:tnLst>
+  </p:timing>
+</p:sld>
+</file>
+
+<file path=ppt/slides/slide8.xml><?xml version="1.0" encoding="utf-8"?>
+<p:sld xmlns:a="http://schemas.openxmlformats.org/drawingml/2006/main" xmlns:r="http://schemas.openxmlformats.org/officeDocument/2006/relationships" xmlns:p="http://schemas.openxmlformats.org/presentationml/2006/main" show="0">
+  <p:cSld>
+    <p:spTree>
+      <p:nvGrpSpPr>
+        <p:cNvPr id="1" name=""/>
+        <p:cNvGrpSpPr/>
+        <p:nvPr/>
+      </p:nvGrpSpPr>
+      <p:grpSpPr>
+        <a:xfrm>
+          <a:off x="0" y="0"/>
+          <a:ext cx="0" cy="0"/>
+          <a:chOff x="0" y="0"/>
+          <a:chExt cx="0" cy="0"/>
+        </a:xfrm>
+      </p:grpSpPr>
+      <p:pic>
+        <p:nvPicPr>
+          <p:cNvPr id="4" name="Picture 3" descr="Screen Shot 2019-02-13 at 11.41.12 AM.png"/>
+          <p:cNvPicPr>
+            <a:picLocks noChangeAspect="1"/>
+          </p:cNvPicPr>
+          <p:nvPr/>
+        </p:nvPicPr>
+        <p:blipFill>
+          <a:blip r:embed="rId3">
+            <a:extLst>
+              <a:ext uri="{28A0092B-C50C-407E-A947-70E740481C1C}">
+                <a14:useLocalDpi xmlns:a14="http://schemas.microsoft.com/office/drawing/2010/main" val="0"/>
+              </a:ext>
+            </a:extLst>
+          </a:blip>
+          <a:stretch>
+            <a:fillRect/>
+          </a:stretch>
+        </p:blipFill>
+        <p:spPr>
+          <a:xfrm>
+            <a:off x="4294587" y="266972"/>
+            <a:ext cx="4653013" cy="3464655"/>
+          </a:xfrm>
+          <a:prstGeom prst="rect">
+            <a:avLst/>
+          </a:prstGeom>
+        </p:spPr>
+      </p:pic>
+      <p:sp>
+        <p:nvSpPr>
+          <p:cNvPr id="5" name="TextBox 4"/>
+          <p:cNvSpPr txBox="1"/>
+          <p:nvPr/>
+        </p:nvSpPr>
+        <p:spPr>
+          <a:xfrm>
+            <a:off x="366612" y="368300"/>
+            <a:ext cx="2210862" cy="369332"/>
+          </a:xfrm>
+          <a:prstGeom prst="rect">
+            <a:avLst/>
+          </a:prstGeom>
+          <a:noFill/>
+        </p:spPr>
+        <p:txBody>
+          <a:bodyPr wrap="none" rtlCol="0">
+            <a:spAutoFit/>
+          </a:bodyPr>
+          <a:lstStyle/>
+          <a:p>
+            <a:r>
+              <a:rPr lang="en-CA" dirty="0" smtClean="0"/>
+              <a:t>Unfamiliar songs only</a:t>
+            </a:r>
+            <a:endParaRPr lang="en-CA" dirty="0"/>
+          </a:p>
+        </p:txBody>
+      </p:sp>
+      <p:pic>
+        <p:nvPicPr>
+          <p:cNvPr id="6" name="Picture 5" descr="Screen Shot 2019-02-13 at 11.46.49 AM.png"/>
+          <p:cNvPicPr>
+            <a:picLocks noChangeAspect="1"/>
+          </p:cNvPicPr>
+          <p:nvPr/>
+        </p:nvPicPr>
+        <p:blipFill>
+          <a:blip r:embed="rId4">
+            <a:extLst>
+              <a:ext uri="{28A0092B-C50C-407E-A947-70E740481C1C}">
+                <a14:useLocalDpi xmlns:a14="http://schemas.microsoft.com/office/drawing/2010/main" val="0"/>
+              </a:ext>
+            </a:extLst>
+          </a:blip>
+          <a:stretch>
+            <a:fillRect/>
+          </a:stretch>
+        </p:blipFill>
+        <p:spPr>
+          <a:xfrm>
+            <a:off x="366612" y="3221132"/>
+            <a:ext cx="4577946" cy="3394294"/>
+          </a:xfrm>
+          <a:prstGeom prst="rect">
+            <a:avLst/>
+          </a:prstGeom>
+        </p:spPr>
+      </p:pic>
+      <p:sp>
+        <p:nvSpPr>
+          <p:cNvPr id="7" name="Left Bracket 6"/>
           <p:cNvSpPr/>
           <p:nvPr/>
         </p:nvSpPr>
         <p:spPr>
           <a:xfrm>
-            <a:off x="4411981" y="462559"/>
-            <a:ext cx="106785" cy="661391"/>
+            <a:off x="4375071" y="445918"/>
+            <a:ext cx="288052" cy="1335500"/>
           </a:xfrm>
           <a:prstGeom prst="leftBracket">
             <a:avLst/>
@@ -6567,14 +7523,14 @@
       </p:sp>
       <p:sp>
         <p:nvSpPr>
-          <p:cNvPr id="12" name="Left Bracket 11"/>
+          <p:cNvPr id="8" name="Left Bracket 7"/>
           <p:cNvSpPr/>
           <p:nvPr/>
         </p:nvSpPr>
         <p:spPr>
           <a:xfrm>
-            <a:off x="4411981" y="1210213"/>
-            <a:ext cx="106785" cy="715904"/>
+            <a:off x="4375071" y="1929091"/>
+            <a:ext cx="288052" cy="1335500"/>
           </a:xfrm>
           <a:prstGeom prst="leftBracket">
             <a:avLst/>
@@ -6611,102 +7567,14 @@
       </p:sp>
       <p:sp>
         <p:nvSpPr>
-          <p:cNvPr id="14" name="Left Bracket 13"/>
-          <p:cNvSpPr/>
-          <p:nvPr/>
-        </p:nvSpPr>
-        <p:spPr>
-          <a:xfrm>
-            <a:off x="4411981" y="1990293"/>
-            <a:ext cx="106785" cy="715904"/>
-          </a:xfrm>
-          <a:prstGeom prst="leftBracket">
-            <a:avLst/>
-          </a:prstGeom>
-          <a:ln w="38100">
-            <a:solidFill>
-              <a:schemeClr val="tx1"/>
-            </a:solidFill>
-          </a:ln>
-          <a:effectLst/>
-        </p:spPr>
-        <p:style>
-          <a:lnRef idx="2">
-            <a:schemeClr val="accent1"/>
-          </a:lnRef>
-          <a:fillRef idx="0">
-            <a:schemeClr val="accent1"/>
-          </a:fillRef>
-          <a:effectRef idx="1">
-            <a:schemeClr val="accent1"/>
-          </a:effectRef>
-          <a:fontRef idx="minor">
-            <a:schemeClr val="tx1"/>
-          </a:fontRef>
-        </p:style>
-        <p:txBody>
-          <a:bodyPr rtlCol="0" anchor="ctr"/>
-          <a:lstStyle/>
-          <a:p>
-            <a:pPr algn="ctr"/>
-            <a:endParaRPr lang="en-CA" dirty="0"/>
-          </a:p>
-        </p:txBody>
-      </p:sp>
-      <p:sp>
-        <p:nvSpPr>
-          <p:cNvPr id="15" name="Left Bracket 14"/>
-          <p:cNvSpPr/>
-          <p:nvPr/>
-        </p:nvSpPr>
-        <p:spPr>
-          <a:xfrm>
-            <a:off x="4410712" y="2779262"/>
-            <a:ext cx="106785" cy="715904"/>
-          </a:xfrm>
-          <a:prstGeom prst="leftBracket">
-            <a:avLst/>
-          </a:prstGeom>
-          <a:ln w="38100">
-            <a:solidFill>
-              <a:schemeClr val="tx1"/>
-            </a:solidFill>
-          </a:ln>
-          <a:effectLst/>
-        </p:spPr>
-        <p:style>
-          <a:lnRef idx="2">
-            <a:schemeClr val="accent1"/>
-          </a:lnRef>
-          <a:fillRef idx="0">
-            <a:schemeClr val="accent1"/>
-          </a:fillRef>
-          <a:effectRef idx="1">
-            <a:schemeClr val="accent1"/>
-          </a:effectRef>
-          <a:fontRef idx="minor">
-            <a:schemeClr val="tx1"/>
-          </a:fontRef>
-        </p:style>
-        <p:txBody>
-          <a:bodyPr rtlCol="0" anchor="ctr"/>
-          <a:lstStyle/>
-          <a:p>
-            <a:pPr algn="ctr"/>
-            <a:endParaRPr lang="en-CA" dirty="0"/>
-          </a:p>
-        </p:txBody>
-      </p:sp>
-      <p:sp>
-        <p:nvSpPr>
-          <p:cNvPr id="2" name="TextBox 1"/>
+          <p:cNvPr id="9" name="TextBox 8"/>
           <p:cNvSpPr txBox="1"/>
           <p:nvPr/>
         </p:nvSpPr>
         <p:spPr>
           <a:xfrm>
-            <a:off x="3746500" y="602734"/>
-            <a:ext cx="550075" cy="369332"/>
+            <a:off x="3144305" y="928955"/>
+            <a:ext cx="1051302" cy="369332"/>
           </a:xfrm>
           <a:prstGeom prst="rect">
             <a:avLst/>
@@ -6720,23 +7588,23 @@
           <a:lstStyle/>
           <a:p>
             <a:r>
-              <a:rPr lang="en-CA" dirty="0" err="1" smtClean="0"/>
-              <a:t>fam</a:t>
-            </a:r>
-            <a:endParaRPr lang="en-CA" dirty="0"/>
-          </a:p>
-        </p:txBody>
-      </p:sp>
-      <p:sp>
-        <p:nvSpPr>
-          <p:cNvPr id="3" name="TextBox 2"/>
+              <a:rPr lang="en-CA" dirty="0" smtClean="0"/>
+              <a:t>Session 1</a:t>
+            </a:r>
+            <a:endParaRPr lang="en-CA" dirty="0"/>
+          </a:p>
+        </p:txBody>
+      </p:sp>
+      <p:sp>
+        <p:nvSpPr>
+          <p:cNvPr id="10" name="TextBox 9"/>
           <p:cNvSpPr txBox="1"/>
           <p:nvPr/>
         </p:nvSpPr>
         <p:spPr>
           <a:xfrm>
-            <a:off x="3618082" y="1326634"/>
-            <a:ext cx="792630" cy="369332"/>
+            <a:off x="3144305" y="2409930"/>
+            <a:ext cx="1051302" cy="369332"/>
           </a:xfrm>
           <a:prstGeom prst="rect">
             <a:avLst/>
@@ -6750,23 +7618,23 @@
           <a:lstStyle/>
           <a:p>
             <a:r>
-              <a:rPr lang="en-CA" dirty="0" err="1" smtClean="0"/>
-              <a:t>unfam</a:t>
-            </a:r>
-            <a:endParaRPr lang="en-CA" dirty="0"/>
-          </a:p>
-        </p:txBody>
-      </p:sp>
-      <p:sp>
-        <p:nvSpPr>
-          <p:cNvPr id="16" name="TextBox 15"/>
+              <a:rPr lang="en-CA" dirty="0" smtClean="0"/>
+              <a:t>Session 2</a:t>
+            </a:r>
+            <a:endParaRPr lang="en-CA" dirty="0"/>
+          </a:p>
+        </p:txBody>
+      </p:sp>
+      <p:sp>
+        <p:nvSpPr>
+          <p:cNvPr id="11" name="TextBox 10"/>
           <p:cNvSpPr txBox="1"/>
           <p:nvPr/>
         </p:nvSpPr>
         <p:spPr>
           <a:xfrm>
-            <a:off x="3747769" y="2152134"/>
-            <a:ext cx="550075" cy="369332"/>
+            <a:off x="5273781" y="3500403"/>
+            <a:ext cx="1051302" cy="369332"/>
           </a:xfrm>
           <a:prstGeom prst="rect">
             <a:avLst/>
@@ -6780,23 +7648,23 @@
           <a:lstStyle/>
           <a:p>
             <a:r>
-              <a:rPr lang="en-CA" dirty="0" err="1" smtClean="0"/>
-              <a:t>fam</a:t>
-            </a:r>
-            <a:endParaRPr lang="en-CA" dirty="0"/>
-          </a:p>
-        </p:txBody>
-      </p:sp>
-      <p:sp>
-        <p:nvSpPr>
-          <p:cNvPr id="17" name="TextBox 16"/>
+              <a:rPr lang="en-CA" dirty="0" smtClean="0"/>
+              <a:t>Session 1</a:t>
+            </a:r>
+            <a:endParaRPr lang="en-CA" dirty="0"/>
+          </a:p>
+        </p:txBody>
+      </p:sp>
+      <p:sp>
+        <p:nvSpPr>
+          <p:cNvPr id="12" name="TextBox 11"/>
           <p:cNvSpPr txBox="1"/>
           <p:nvPr/>
         </p:nvSpPr>
         <p:spPr>
           <a:xfrm>
-            <a:off x="3619351" y="2876034"/>
-            <a:ext cx="792630" cy="369332"/>
+            <a:off x="6910438" y="3488224"/>
+            <a:ext cx="1051302" cy="369332"/>
           </a:xfrm>
           <a:prstGeom prst="rect">
             <a:avLst/>
@@ -6810,450 +7678,6 @@
           <a:lstStyle/>
           <a:p>
             <a:r>
-              <a:rPr lang="en-CA" dirty="0" err="1" smtClean="0"/>
-              <a:t>unfam</a:t>
-            </a:r>
-            <a:endParaRPr lang="en-CA" dirty="0"/>
-          </a:p>
-        </p:txBody>
-      </p:sp>
-      <p:sp>
-        <p:nvSpPr>
-          <p:cNvPr id="19" name="Left Bracket 18"/>
-          <p:cNvSpPr/>
-          <p:nvPr/>
-        </p:nvSpPr>
-        <p:spPr>
-          <a:xfrm rot="16200000">
-            <a:off x="5353420" y="3644792"/>
-            <a:ext cx="347968" cy="1671841"/>
-          </a:xfrm>
-          <a:prstGeom prst="leftBracket">
-            <a:avLst/>
-          </a:prstGeom>
-          <a:ln w="38100">
-            <a:solidFill>
-              <a:schemeClr val="tx1"/>
-            </a:solidFill>
-          </a:ln>
-          <a:effectLst/>
-        </p:spPr>
-        <p:style>
-          <a:lnRef idx="2">
-            <a:schemeClr val="accent1"/>
-          </a:lnRef>
-          <a:fillRef idx="0">
-            <a:schemeClr val="accent1"/>
-          </a:fillRef>
-          <a:effectRef idx="1">
-            <a:schemeClr val="accent1"/>
-          </a:effectRef>
-          <a:fontRef idx="minor">
-            <a:schemeClr val="tx1"/>
-          </a:fontRef>
-        </p:style>
-        <p:txBody>
-          <a:bodyPr rtlCol="0" anchor="ctr"/>
-          <a:lstStyle/>
-          <a:p>
-            <a:pPr algn="ctr"/>
-            <a:endParaRPr lang="en-CA" dirty="0"/>
-          </a:p>
-        </p:txBody>
-      </p:sp>
-      <p:sp>
-        <p:nvSpPr>
-          <p:cNvPr id="20" name="Left Bracket 19"/>
-          <p:cNvSpPr/>
-          <p:nvPr/>
-        </p:nvSpPr>
-        <p:spPr>
-          <a:xfrm rot="16200000">
-            <a:off x="7025262" y="3644792"/>
-            <a:ext cx="347968" cy="1671841"/>
-          </a:xfrm>
-          <a:prstGeom prst="leftBracket">
-            <a:avLst/>
-          </a:prstGeom>
-          <a:ln w="38100">
-            <a:solidFill>
-              <a:schemeClr val="tx1"/>
-            </a:solidFill>
-          </a:ln>
-          <a:effectLst/>
-        </p:spPr>
-        <p:style>
-          <a:lnRef idx="2">
-            <a:schemeClr val="accent1"/>
-          </a:lnRef>
-          <a:fillRef idx="0">
-            <a:schemeClr val="accent1"/>
-          </a:fillRef>
-          <a:effectRef idx="1">
-            <a:schemeClr val="accent1"/>
-          </a:effectRef>
-          <a:fontRef idx="minor">
-            <a:schemeClr val="tx1"/>
-          </a:fontRef>
-        </p:style>
-        <p:txBody>
-          <a:bodyPr rtlCol="0" anchor="ctr"/>
-          <a:lstStyle/>
-          <a:p>
-            <a:pPr algn="ctr"/>
-            <a:endParaRPr lang="en-CA" dirty="0"/>
-          </a:p>
-        </p:txBody>
-      </p:sp>
-      <p:sp>
-        <p:nvSpPr>
-          <p:cNvPr id="21" name="Left Bracket 20"/>
-          <p:cNvSpPr/>
-          <p:nvPr/>
-        </p:nvSpPr>
-        <p:spPr>
-          <a:xfrm rot="16200000">
-            <a:off x="5032511" y="3561636"/>
-            <a:ext cx="149230" cy="733148"/>
-          </a:xfrm>
-          <a:prstGeom prst="leftBracket">
-            <a:avLst/>
-          </a:prstGeom>
-          <a:ln w="38100">
-            <a:solidFill>
-              <a:schemeClr val="tx1"/>
-            </a:solidFill>
-          </a:ln>
-          <a:effectLst/>
-        </p:spPr>
-        <p:style>
-          <a:lnRef idx="2">
-            <a:schemeClr val="accent1"/>
-          </a:lnRef>
-          <a:fillRef idx="0">
-            <a:schemeClr val="accent1"/>
-          </a:fillRef>
-          <a:effectRef idx="1">
-            <a:schemeClr val="accent1"/>
-          </a:effectRef>
-          <a:fontRef idx="minor">
-            <a:schemeClr val="tx1"/>
-          </a:fontRef>
-        </p:style>
-        <p:txBody>
-          <a:bodyPr rtlCol="0" anchor="ctr"/>
-          <a:lstStyle/>
-          <a:p>
-            <a:pPr algn="ctr"/>
-            <a:endParaRPr lang="en-CA" dirty="0"/>
-          </a:p>
-        </p:txBody>
-      </p:sp>
-      <p:sp>
-        <p:nvSpPr>
-          <p:cNvPr id="22" name="Left Bracket 21"/>
-          <p:cNvSpPr/>
-          <p:nvPr/>
-        </p:nvSpPr>
-        <p:spPr>
-          <a:xfrm rot="16200000">
-            <a:off x="5858011" y="3561636"/>
-            <a:ext cx="149230" cy="733148"/>
-          </a:xfrm>
-          <a:prstGeom prst="leftBracket">
-            <a:avLst/>
-          </a:prstGeom>
-          <a:ln w="38100">
-            <a:solidFill>
-              <a:schemeClr val="tx1"/>
-            </a:solidFill>
-          </a:ln>
-          <a:effectLst/>
-        </p:spPr>
-        <p:style>
-          <a:lnRef idx="2">
-            <a:schemeClr val="accent1"/>
-          </a:lnRef>
-          <a:fillRef idx="0">
-            <a:schemeClr val="accent1"/>
-          </a:fillRef>
-          <a:effectRef idx="1">
-            <a:schemeClr val="accent1"/>
-          </a:effectRef>
-          <a:fontRef idx="minor">
-            <a:schemeClr val="tx1"/>
-          </a:fontRef>
-        </p:style>
-        <p:txBody>
-          <a:bodyPr rtlCol="0" anchor="ctr"/>
-          <a:lstStyle/>
-          <a:p>
-            <a:pPr algn="ctr"/>
-            <a:endParaRPr lang="en-CA" dirty="0"/>
-          </a:p>
-        </p:txBody>
-      </p:sp>
-      <p:sp>
-        <p:nvSpPr>
-          <p:cNvPr id="23" name="Left Bracket 22"/>
-          <p:cNvSpPr/>
-          <p:nvPr/>
-        </p:nvSpPr>
-        <p:spPr>
-          <a:xfrm rot="16200000">
-            <a:off x="6655284" y="3561635"/>
-            <a:ext cx="149230" cy="733148"/>
-          </a:xfrm>
-          <a:prstGeom prst="leftBracket">
-            <a:avLst/>
-          </a:prstGeom>
-          <a:ln w="38100">
-            <a:solidFill>
-              <a:schemeClr val="tx1"/>
-            </a:solidFill>
-          </a:ln>
-          <a:effectLst/>
-        </p:spPr>
-        <p:style>
-          <a:lnRef idx="2">
-            <a:schemeClr val="accent1"/>
-          </a:lnRef>
-          <a:fillRef idx="0">
-            <a:schemeClr val="accent1"/>
-          </a:fillRef>
-          <a:effectRef idx="1">
-            <a:schemeClr val="accent1"/>
-          </a:effectRef>
-          <a:fontRef idx="minor">
-            <a:schemeClr val="tx1"/>
-          </a:fontRef>
-        </p:style>
-        <p:txBody>
-          <a:bodyPr rtlCol="0" anchor="ctr"/>
-          <a:lstStyle/>
-          <a:p>
-            <a:pPr algn="ctr"/>
-            <a:endParaRPr lang="en-CA" dirty="0"/>
-          </a:p>
-        </p:txBody>
-      </p:sp>
-      <p:sp>
-        <p:nvSpPr>
-          <p:cNvPr id="24" name="Left Bracket 23"/>
-          <p:cNvSpPr/>
-          <p:nvPr/>
-        </p:nvSpPr>
-        <p:spPr>
-          <a:xfrm rot="16200000">
-            <a:off x="7489961" y="3564805"/>
-            <a:ext cx="149230" cy="733148"/>
-          </a:xfrm>
-          <a:prstGeom prst="leftBracket">
-            <a:avLst/>
-          </a:prstGeom>
-          <a:ln w="38100">
-            <a:solidFill>
-              <a:schemeClr val="tx1"/>
-            </a:solidFill>
-          </a:ln>
-          <a:effectLst/>
-        </p:spPr>
-        <p:style>
-          <a:lnRef idx="2">
-            <a:schemeClr val="accent1"/>
-          </a:lnRef>
-          <a:fillRef idx="0">
-            <a:schemeClr val="accent1"/>
-          </a:fillRef>
-          <a:effectRef idx="1">
-            <a:schemeClr val="accent1"/>
-          </a:effectRef>
-          <a:fontRef idx="minor">
-            <a:schemeClr val="tx1"/>
-          </a:fontRef>
-        </p:style>
-        <p:txBody>
-          <a:bodyPr rtlCol="0" anchor="ctr"/>
-          <a:lstStyle/>
-          <a:p>
-            <a:pPr algn="ctr"/>
-            <a:endParaRPr lang="en-CA" dirty="0"/>
-          </a:p>
-        </p:txBody>
-      </p:sp>
-      <p:sp>
-        <p:nvSpPr>
-          <p:cNvPr id="25" name="TextBox 24"/>
-          <p:cNvSpPr txBox="1"/>
-          <p:nvPr/>
-        </p:nvSpPr>
-        <p:spPr>
-          <a:xfrm>
-            <a:off x="4806950" y="3922892"/>
-            <a:ext cx="550075" cy="369332"/>
-          </a:xfrm>
-          <a:prstGeom prst="rect">
-            <a:avLst/>
-          </a:prstGeom>
-          <a:noFill/>
-        </p:spPr>
-        <p:txBody>
-          <a:bodyPr wrap="none" rtlCol="0">
-            <a:spAutoFit/>
-          </a:bodyPr>
-          <a:lstStyle/>
-          <a:p>
-            <a:r>
-              <a:rPr lang="en-CA" dirty="0" err="1" smtClean="0"/>
-              <a:t>fam</a:t>
-            </a:r>
-            <a:endParaRPr lang="en-CA" dirty="0"/>
-          </a:p>
-        </p:txBody>
-      </p:sp>
-      <p:sp>
-        <p:nvSpPr>
-          <p:cNvPr id="26" name="TextBox 25"/>
-          <p:cNvSpPr txBox="1"/>
-          <p:nvPr/>
-        </p:nvSpPr>
-        <p:spPr>
-          <a:xfrm>
-            <a:off x="5564345" y="3911996"/>
-            <a:ext cx="792630" cy="369332"/>
-          </a:xfrm>
-          <a:prstGeom prst="rect">
-            <a:avLst/>
-          </a:prstGeom>
-          <a:noFill/>
-        </p:spPr>
-        <p:txBody>
-          <a:bodyPr wrap="none" rtlCol="0">
-            <a:spAutoFit/>
-          </a:bodyPr>
-          <a:lstStyle/>
-          <a:p>
-            <a:r>
-              <a:rPr lang="en-CA" dirty="0" err="1" smtClean="0"/>
-              <a:t>unfam</a:t>
-            </a:r>
-            <a:endParaRPr lang="en-CA" dirty="0"/>
-          </a:p>
-        </p:txBody>
-      </p:sp>
-      <p:sp>
-        <p:nvSpPr>
-          <p:cNvPr id="27" name="TextBox 26"/>
-          <p:cNvSpPr txBox="1"/>
-          <p:nvPr/>
-        </p:nvSpPr>
-        <p:spPr>
-          <a:xfrm>
-            <a:off x="6440607" y="3926406"/>
-            <a:ext cx="550075" cy="369332"/>
-          </a:xfrm>
-          <a:prstGeom prst="rect">
-            <a:avLst/>
-          </a:prstGeom>
-          <a:noFill/>
-        </p:spPr>
-        <p:txBody>
-          <a:bodyPr wrap="none" rtlCol="0">
-            <a:spAutoFit/>
-          </a:bodyPr>
-          <a:lstStyle/>
-          <a:p>
-            <a:r>
-              <a:rPr lang="en-CA" dirty="0" err="1" smtClean="0"/>
-              <a:t>fam</a:t>
-            </a:r>
-            <a:endParaRPr lang="en-CA" dirty="0"/>
-          </a:p>
-        </p:txBody>
-      </p:sp>
-      <p:sp>
-        <p:nvSpPr>
-          <p:cNvPr id="28" name="TextBox 27"/>
-          <p:cNvSpPr txBox="1"/>
-          <p:nvPr/>
-        </p:nvSpPr>
-        <p:spPr>
-          <a:xfrm>
-            <a:off x="7198002" y="3915510"/>
-            <a:ext cx="792630" cy="369332"/>
-          </a:xfrm>
-          <a:prstGeom prst="rect">
-            <a:avLst/>
-          </a:prstGeom>
-          <a:noFill/>
-        </p:spPr>
-        <p:txBody>
-          <a:bodyPr wrap="none" rtlCol="0">
-            <a:spAutoFit/>
-          </a:bodyPr>
-          <a:lstStyle/>
-          <a:p>
-            <a:r>
-              <a:rPr lang="en-CA" dirty="0" err="1" smtClean="0"/>
-              <a:t>unfam</a:t>
-            </a:r>
-            <a:endParaRPr lang="en-CA" dirty="0"/>
-          </a:p>
-        </p:txBody>
-      </p:sp>
-      <p:sp>
-        <p:nvSpPr>
-          <p:cNvPr id="29" name="TextBox 28"/>
-          <p:cNvSpPr txBox="1"/>
-          <p:nvPr/>
-        </p:nvSpPr>
-        <p:spPr>
-          <a:xfrm>
-            <a:off x="5038694" y="4629297"/>
-            <a:ext cx="1051302" cy="369332"/>
-          </a:xfrm>
-          <a:prstGeom prst="rect">
-            <a:avLst/>
-          </a:prstGeom>
-          <a:noFill/>
-        </p:spPr>
-        <p:txBody>
-          <a:bodyPr wrap="none" rtlCol="0">
-            <a:spAutoFit/>
-          </a:bodyPr>
-          <a:lstStyle/>
-          <a:p>
-            <a:r>
-              <a:rPr lang="en-CA" dirty="0" smtClean="0"/>
-              <a:t>Session 1</a:t>
-            </a:r>
-            <a:endParaRPr lang="en-CA" dirty="0"/>
-          </a:p>
-        </p:txBody>
-      </p:sp>
-      <p:sp>
-        <p:nvSpPr>
-          <p:cNvPr id="30" name="TextBox 29"/>
-          <p:cNvSpPr txBox="1"/>
-          <p:nvPr/>
-        </p:nvSpPr>
-        <p:spPr>
-          <a:xfrm>
-            <a:off x="6672351" y="4648347"/>
-            <a:ext cx="1051302" cy="369332"/>
-          </a:xfrm>
-          <a:prstGeom prst="rect">
-            <a:avLst/>
-          </a:prstGeom>
-          <a:noFill/>
-        </p:spPr>
-        <p:txBody>
-          <a:bodyPr wrap="none" rtlCol="0">
-            <a:spAutoFit/>
-          </a:bodyPr>
-          <a:lstStyle/>
-          <a:p>
-            <a:r>
               <a:rPr lang="en-CA" dirty="0" smtClean="0"/>
               <a:t>Session 2</a:t>
             </a:r>
@@ -7263,14 +7687,14 @@
       </p:sp>
       <p:sp>
         <p:nvSpPr>
-          <p:cNvPr id="31" name="TextBox 30"/>
+          <p:cNvPr id="13" name="TextBox 12"/>
           <p:cNvSpPr txBox="1"/>
           <p:nvPr/>
         </p:nvSpPr>
         <p:spPr>
           <a:xfrm>
-            <a:off x="4569074" y="5062813"/>
-            <a:ext cx="4457086" cy="1754327"/>
+            <a:off x="5014716" y="4056450"/>
+            <a:ext cx="3783950" cy="1754327"/>
           </a:xfrm>
           <a:prstGeom prst="rect">
             <a:avLst/>
@@ -7285,298 +7709,23 @@
           <a:p>
             <a:r>
               <a:rPr lang="en-CA" dirty="0" smtClean="0"/>
-              <a:t>Most dissimilar across sessions</a:t>
-            </a:r>
-          </a:p>
-          <a:p>
-            <a:r>
-              <a:rPr lang="en-CA" dirty="0" err="1" smtClean="0"/>
-              <a:t>Fam-unfam</a:t>
-            </a:r>
+              <a:t>More similarities within session than across</a:t>
+            </a:r>
+          </a:p>
+          <a:p>
             <a:r>
               <a:rPr lang="en-CA" dirty="0" smtClean="0"/>
-              <a:t> comparisons are more dissimilar than </a:t>
-            </a:r>
-            <a:r>
-              <a:rPr lang="en-CA" dirty="0" err="1" smtClean="0"/>
-              <a:t>fam-fam</a:t>
-            </a:r>
+              <a:t>But no difference between session 1 and 2</a:t>
+            </a:r>
+          </a:p>
+          <a:p>
+            <a:endParaRPr lang="en-CA" dirty="0"/>
+          </a:p>
+          <a:p>
             <a:r>
               <a:rPr lang="en-CA" dirty="0" smtClean="0"/>
-              <a:t> or </a:t>
-            </a:r>
-            <a:r>
-              <a:rPr lang="en-CA" dirty="0" err="1" smtClean="0"/>
-              <a:t>unfam-unfam</a:t>
-            </a:r>
-            <a:endParaRPr lang="en-CA" dirty="0" smtClean="0"/>
-          </a:p>
-          <a:p>
-            <a:endParaRPr lang="en-CA" dirty="0"/>
-          </a:p>
-          <a:p>
-            <a:r>
-              <a:rPr lang="en-CA" dirty="0" smtClean="0"/>
-              <a:t>Whole brain is significant because individual searchlights return whole brain</a:t>
-            </a:r>
-            <a:r>
-              <a:rPr lang="mr-IN" dirty="0" smtClean="0"/>
-              <a:t>…</a:t>
-            </a:r>
-            <a:endParaRPr lang="en-CA" dirty="0"/>
-          </a:p>
-        </p:txBody>
-      </p:sp>
-      <p:pic>
-        <p:nvPicPr>
-          <p:cNvPr id="13" name="Picture 12" descr="Screen Shot 2019-02-20 at 11.59.15 AM.png"/>
-          <p:cNvPicPr>
-            <a:picLocks noChangeAspect="1"/>
-          </p:cNvPicPr>
-          <p:nvPr/>
-        </p:nvPicPr>
-        <p:blipFill>
-          <a:blip r:embed="rId4">
-            <a:extLst>
-              <a:ext uri="{28A0092B-C50C-407E-A947-70E740481C1C}">
-                <a14:useLocalDpi xmlns:a14="http://schemas.microsoft.com/office/drawing/2010/main" val="0"/>
-              </a:ext>
-            </a:extLst>
-          </a:blip>
-          <a:stretch>
-            <a:fillRect/>
-          </a:stretch>
-        </p:blipFill>
-        <p:spPr>
-          <a:xfrm>
-            <a:off x="0" y="3495166"/>
-            <a:ext cx="4486615" cy="3362833"/>
-          </a:xfrm>
-          <a:prstGeom prst="rect">
-            <a:avLst/>
-          </a:prstGeom>
-        </p:spPr>
-      </p:pic>
-      <p:sp>
-        <p:nvSpPr>
-          <p:cNvPr id="18" name="Rectangle 17"/>
-          <p:cNvSpPr/>
-          <p:nvPr/>
-        </p:nvSpPr>
-        <p:spPr>
-          <a:xfrm>
-            <a:off x="6325140" y="1990293"/>
-            <a:ext cx="872862" cy="747654"/>
-          </a:xfrm>
-          <a:prstGeom prst="rect">
-            <a:avLst/>
-          </a:prstGeom>
-          <a:noFill/>
-          <a:ln w="44450">
-            <a:solidFill>
-              <a:srgbClr val="FF0000"/>
-            </a:solidFill>
-          </a:ln>
-          <a:effectLst/>
-        </p:spPr>
-        <p:style>
-          <a:lnRef idx="1">
-            <a:schemeClr val="accent1"/>
-          </a:lnRef>
-          <a:fillRef idx="3">
-            <a:schemeClr val="accent1"/>
-          </a:fillRef>
-          <a:effectRef idx="2">
-            <a:schemeClr val="accent1"/>
-          </a:effectRef>
-          <a:fontRef idx="minor">
-            <a:schemeClr val="lt1"/>
-          </a:fontRef>
-        </p:style>
-        <p:txBody>
-          <a:bodyPr rtlCol="0" anchor="ctr"/>
-          <a:lstStyle/>
-          <a:p>
-            <a:pPr algn="ctr"/>
-            <a:endParaRPr lang="en-CA" dirty="0" smtClean="0"/>
-          </a:p>
-          <a:p>
-            <a:pPr algn="ctr"/>
-            <a:r>
-              <a:rPr lang="en-CA" dirty="0" smtClean="0"/>
-              <a:t/>
-            </a:r>
-          </a:p>
-          <a:p>
-            <a:pPr algn="ctr"/>
-            <a:endParaRPr lang="en-CA" dirty="0"/>
-          </a:p>
-        </p:txBody>
-      </p:sp>
-      <p:sp>
-        <p:nvSpPr>
-          <p:cNvPr id="32" name="Rectangle 31"/>
-          <p:cNvSpPr/>
-          <p:nvPr/>
-        </p:nvSpPr>
-        <p:spPr>
-          <a:xfrm>
-            <a:off x="4675885" y="462559"/>
-            <a:ext cx="872862" cy="747654"/>
-          </a:xfrm>
-          <a:prstGeom prst="rect">
-            <a:avLst/>
-          </a:prstGeom>
-          <a:noFill/>
-          <a:ln w="44450">
-            <a:solidFill>
-              <a:srgbClr val="FF0000"/>
-            </a:solidFill>
-          </a:ln>
-          <a:effectLst/>
-        </p:spPr>
-        <p:style>
-          <a:lnRef idx="1">
-            <a:schemeClr val="accent1"/>
-          </a:lnRef>
-          <a:fillRef idx="3">
-            <a:schemeClr val="accent1"/>
-          </a:fillRef>
-          <a:effectRef idx="2">
-            <a:schemeClr val="accent1"/>
-          </a:effectRef>
-          <a:fontRef idx="minor">
-            <a:schemeClr val="lt1"/>
-          </a:fontRef>
-        </p:style>
-        <p:txBody>
-          <a:bodyPr rtlCol="0" anchor="ctr"/>
-          <a:lstStyle/>
-          <a:p>
-            <a:pPr algn="ctr"/>
-            <a:endParaRPr lang="en-CA" dirty="0" smtClean="0"/>
-          </a:p>
-          <a:p>
-            <a:pPr algn="ctr"/>
-            <a:r>
-              <a:rPr lang="en-CA" dirty="0" smtClean="0"/>
-              <a:t/>
-            </a:r>
-          </a:p>
-          <a:p>
-            <a:pPr algn="ctr"/>
-            <a:endParaRPr lang="en-CA" dirty="0"/>
-          </a:p>
-        </p:txBody>
-      </p:sp>
-      <p:sp>
-        <p:nvSpPr>
-          <p:cNvPr id="33" name="Rectangle 32"/>
-          <p:cNvSpPr/>
-          <p:nvPr/>
-        </p:nvSpPr>
-        <p:spPr>
-          <a:xfrm>
-            <a:off x="5484113" y="1242639"/>
-            <a:ext cx="872862" cy="747654"/>
-          </a:xfrm>
-          <a:prstGeom prst="rect">
-            <a:avLst/>
-          </a:prstGeom>
-          <a:noFill/>
-          <a:ln w="44450">
-            <a:solidFill>
-              <a:schemeClr val="accent5"/>
-            </a:solidFill>
-          </a:ln>
-          <a:effectLst/>
-        </p:spPr>
-        <p:style>
-          <a:lnRef idx="1">
-            <a:schemeClr val="accent1"/>
-          </a:lnRef>
-          <a:fillRef idx="3">
-            <a:schemeClr val="accent1"/>
-          </a:fillRef>
-          <a:effectRef idx="2">
-            <a:schemeClr val="accent1"/>
-          </a:effectRef>
-          <a:fontRef idx="minor">
-            <a:schemeClr val="lt1"/>
-          </a:fontRef>
-        </p:style>
-        <p:txBody>
-          <a:bodyPr rtlCol="0" anchor="ctr"/>
-          <a:lstStyle/>
-          <a:p>
-            <a:pPr algn="ctr"/>
-            <a:endParaRPr lang="en-CA" dirty="0" smtClean="0"/>
-          </a:p>
-          <a:p>
-            <a:pPr algn="ctr"/>
-            <a:r>
-              <a:rPr lang="en-CA" dirty="0" smtClean="0"/>
-              <a:t/>
-            </a:r>
-          </a:p>
-          <a:p>
-            <a:pPr algn="ctr"/>
-            <a:endParaRPr lang="en-CA" dirty="0"/>
-          </a:p>
-        </p:txBody>
-      </p:sp>
-      <p:sp>
-        <p:nvSpPr>
-          <p:cNvPr id="34" name="Rectangle 33"/>
-          <p:cNvSpPr/>
-          <p:nvPr/>
-        </p:nvSpPr>
-        <p:spPr>
-          <a:xfrm>
-            <a:off x="7162305" y="2779262"/>
-            <a:ext cx="872862" cy="747654"/>
-          </a:xfrm>
-          <a:prstGeom prst="rect">
-            <a:avLst/>
-          </a:prstGeom>
-          <a:noFill/>
-          <a:ln w="44450">
-            <a:solidFill>
-              <a:schemeClr val="accent5"/>
-            </a:solidFill>
-          </a:ln>
-          <a:effectLst/>
-        </p:spPr>
-        <p:style>
-          <a:lnRef idx="1">
-            <a:schemeClr val="accent1"/>
-          </a:lnRef>
-          <a:fillRef idx="3">
-            <a:schemeClr val="accent1"/>
-          </a:fillRef>
-          <a:effectRef idx="2">
-            <a:schemeClr val="accent1"/>
-          </a:effectRef>
-          <a:fontRef idx="minor">
-            <a:schemeClr val="lt1"/>
-          </a:fontRef>
-        </p:style>
-        <p:txBody>
-          <a:bodyPr rtlCol="0" anchor="ctr"/>
-          <a:lstStyle/>
-          <a:p>
-            <a:pPr algn="ctr"/>
-            <a:endParaRPr lang="en-CA" dirty="0" smtClean="0"/>
-          </a:p>
-          <a:p>
-            <a:pPr algn="ctr"/>
-            <a:r>
-              <a:rPr lang="en-CA" dirty="0" smtClean="0"/>
-              <a:t/>
-            </a:r>
-          </a:p>
-          <a:p>
-            <a:pPr algn="ctr"/>
+              <a:t>??</a:t>
+            </a:r>
             <a:endParaRPr lang="en-CA" dirty="0"/>
           </a:p>
         </p:txBody>
@@ -7584,13 +7733,21 @@
     </p:spTree>
     <p:extLst>
       <p:ext uri="{BB962C8B-B14F-4D97-AF65-F5344CB8AC3E}">
-        <p14:creationId xmlns:p14="http://schemas.microsoft.com/office/powerpoint/2010/main" val="1589415185"/>
+        <p14:creationId xmlns:p14="http://schemas.microsoft.com/office/powerpoint/2010/main" val="4289227938"/>
       </p:ext>
     </p:extLst>
   </p:cSld>
   <p:clrMapOvr>
     <a:masterClrMapping/>
   </p:clrMapOvr>
+  <mc:AlternateContent xmlns:mc="http://schemas.openxmlformats.org/markup-compatibility/2006">
+    <mc:Choice xmlns:p14="http://schemas.microsoft.com/office/powerpoint/2010/main" Requires="p14">
+      <p:transition spd="slow" p14:dur="2000"/>
+    </mc:Choice>
+    <mc:Fallback>
+      <p:transition xmlns:p14="http://schemas.microsoft.com/office/powerpoint/2010/main" spd="slow"/>
+    </mc:Fallback>
+  </mc:AlternateContent>
   <p:timing>
     <p:tnLst>
       <p:par>
